--- a/ryMultilingualSongTrans.pptx
+++ b/ryMultilingualSongTrans.pptx
@@ -5,15 +5,18 @@
     <p:sldMasterId id="2147483660" r:id="rId1"/>
   </p:sldMasterIdLst>
   <p:notesMasterIdLst>
-    <p:notesMasterId r:id="rId8"/>
+    <p:notesMasterId r:id="rId11"/>
   </p:notesMasterIdLst>
   <p:sldIdLst>
     <p:sldId id="256" r:id="rId2"/>
     <p:sldId id="257" r:id="rId3"/>
     <p:sldId id="270" r:id="rId4"/>
     <p:sldId id="260" r:id="rId5"/>
-    <p:sldId id="271" r:id="rId6"/>
-    <p:sldId id="261" r:id="rId7"/>
+    <p:sldId id="272" r:id="rId6"/>
+    <p:sldId id="274" r:id="rId7"/>
+    <p:sldId id="273" r:id="rId8"/>
+    <p:sldId id="261" r:id="rId9"/>
+    <p:sldId id="275" r:id="rId10"/>
   </p:sldIdLst>
   <p:sldSz cx="9144000" cy="6858000" type="screen4x3"/>
   <p:notesSz cx="6858000" cy="9144000"/>
@@ -561,6 +564,90 @@
     <p:extLst>
       <p:ext uri="{BB962C8B-B14F-4D97-AF65-F5344CB8AC3E}">
         <p14:creationId xmlns:p14="http://schemas.microsoft.com/office/powerpoint/2010/main" val="2063446100"/>
+      </p:ext>
+    </p:extLst>
+  </p:cSld>
+  <p:clrMapOvr>
+    <a:masterClrMapping/>
+  </p:clrMapOvr>
+</p:notes>
+</file>
+
+<file path=ppt/notesSlides/notesSlide2.xml><?xml version="1.0" encoding="utf-8"?>
+<p:notes xmlns:a="http://schemas.openxmlformats.org/drawingml/2006/main" xmlns:r="http://schemas.openxmlformats.org/officeDocument/2006/relationships" xmlns:p="http://schemas.openxmlformats.org/presentationml/2006/main">
+  <p:cSld>
+    <p:spTree>
+      <p:nvGrpSpPr>
+        <p:cNvPr id="1" name=""/>
+        <p:cNvGrpSpPr/>
+        <p:nvPr/>
+      </p:nvGrpSpPr>
+      <p:grpSpPr>
+        <a:xfrm>
+          <a:off x="0" y="0"/>
+          <a:ext cx="0" cy="0"/>
+          <a:chOff x="0" y="0"/>
+          <a:chExt cx="0" cy="0"/>
+        </a:xfrm>
+      </p:grpSpPr>
+      <p:sp>
+        <p:nvSpPr>
+          <p:cNvPr id="2" name="投影片圖像版面配置區 1"/>
+          <p:cNvSpPr>
+            <a:spLocks noGrp="1" noRot="1" noChangeAspect="1"/>
+          </p:cNvSpPr>
+          <p:nvPr>
+            <p:ph type="sldImg"/>
+          </p:nvPr>
+        </p:nvSpPr>
+        <p:spPr/>
+      </p:sp>
+      <p:sp>
+        <p:nvSpPr>
+          <p:cNvPr id="3" name="備忘稿版面配置區 2"/>
+          <p:cNvSpPr>
+            <a:spLocks noGrp="1"/>
+          </p:cNvSpPr>
+          <p:nvPr>
+            <p:ph type="body" idx="1"/>
+          </p:nvPr>
+        </p:nvSpPr>
+        <p:spPr/>
+        <p:txBody>
+          <a:bodyPr/>
+          <a:lstStyle/>
+          <a:p>
+            <a:endParaRPr lang="zh-TW" altLang="en-US" dirty="0"/>
+          </a:p>
+        </p:txBody>
+      </p:sp>
+      <p:sp>
+        <p:nvSpPr>
+          <p:cNvPr id="4" name="投影片編號版面配置區 3"/>
+          <p:cNvSpPr>
+            <a:spLocks noGrp="1"/>
+          </p:cNvSpPr>
+          <p:nvPr>
+            <p:ph type="sldNum" sz="quarter" idx="10"/>
+          </p:nvPr>
+        </p:nvSpPr>
+        <p:spPr/>
+        <p:txBody>
+          <a:bodyPr/>
+          <a:lstStyle/>
+          <a:p>
+            <a:fld id="{B088490E-4D1A-4C91-BED4-43326E6B19D7}" type="slidenum">
+              <a:rPr lang="zh-TW" altLang="en-US" smtClean="0"/>
+              <a:t>9</a:t>
+            </a:fld>
+            <a:endParaRPr lang="zh-TW" altLang="en-US"/>
+          </a:p>
+        </p:txBody>
+      </p:sp>
+    </p:spTree>
+    <p:extLst>
+      <p:ext uri="{BB962C8B-B14F-4D97-AF65-F5344CB8AC3E}">
+        <p14:creationId xmlns:p14="http://schemas.microsoft.com/office/powerpoint/2010/main" val="368320447"/>
       </p:ext>
     </p:extLst>
   </p:cSld>
@@ -3442,7 +3529,7 @@
         </p:nvSpPr>
         <p:spPr>
           <a:xfrm>
-            <a:off x="0" y="956411"/>
+            <a:off x="0" y="554075"/>
             <a:ext cx="9144000" cy="2096352"/>
           </a:xfrm>
         </p:spPr>
@@ -3483,13 +3570,13 @@
         </p:nvSpPr>
         <p:spPr>
           <a:xfrm>
-            <a:off x="1731147" y="3429001"/>
-            <a:ext cx="6063448" cy="2740980"/>
+            <a:off x="808075" y="2650427"/>
+            <a:ext cx="7442790" cy="3973657"/>
           </a:xfrm>
         </p:spPr>
         <p:txBody>
           <a:bodyPr>
-            <a:normAutofit/>
+            <a:normAutofit lnSpcReduction="10000"/>
           </a:bodyPr>
           <a:lstStyle/>
           <a:p>
@@ -3527,8 +3614,60 @@
           <a:p>
             <a:r>
               <a:rPr lang="en-US" altLang="zh-TW" dirty="0" smtClean="0"/>
-              <a:t>Facebook: Renyuan Lyu</a:t>
-            </a:r>
+              <a:t>Facebook: Renyuan </a:t>
+            </a:r>
+            <a:r>
+              <a:rPr lang="en-US" altLang="zh-TW" dirty="0" smtClean="0"/>
+              <a:t>Lyu</a:t>
+            </a:r>
+          </a:p>
+          <a:p>
+            <a:r>
+              <a:rPr lang="en-US" altLang="zh-TW" dirty="0" smtClean="0"/>
+              <a:t>The Source Code on </a:t>
+            </a:r>
+            <a:r>
+              <a:rPr lang="en-US" altLang="zh-TW" dirty="0" err="1" smtClean="0"/>
+              <a:t>Github</a:t>
+            </a:r>
+            <a:endParaRPr lang="en-US" altLang="zh-TW" dirty="0" smtClean="0"/>
+          </a:p>
+          <a:p>
+            <a:r>
+              <a:rPr lang="en-US" altLang="zh-TW" dirty="0">
+                <a:hlinkClick r:id="rId4"/>
+              </a:rPr>
+              <a:t>https://</a:t>
+            </a:r>
+            <a:r>
+              <a:rPr lang="en-US" altLang="zh-TW" dirty="0" smtClean="0">
+                <a:hlinkClick r:id="rId4"/>
+              </a:rPr>
+              <a:t>github.com/renyuanL/multilingualASR</a:t>
+            </a:r>
+            <a:endParaRPr lang="en-US" altLang="zh-TW" dirty="0" smtClean="0"/>
+          </a:p>
+          <a:p>
+            <a:r>
+              <a:rPr lang="en-US" altLang="zh-TW" dirty="0" smtClean="0"/>
+              <a:t>A demo on </a:t>
+            </a:r>
+            <a:r>
+              <a:rPr lang="en-US" altLang="zh-TW" dirty="0" err="1" smtClean="0"/>
+              <a:t>Youtube</a:t>
+            </a:r>
+            <a:endParaRPr lang="en-US" altLang="zh-TW" dirty="0" smtClean="0"/>
+          </a:p>
+          <a:p>
+            <a:r>
+              <a:rPr lang="en-US" altLang="zh-TW" dirty="0">
+                <a:hlinkClick r:id="rId5"/>
+              </a:rPr>
+              <a:t>https://youtu.be/DmwsR7rVonE</a:t>
+            </a:r>
+            <a:endParaRPr lang="en-US" altLang="zh-TW" dirty="0"/>
+          </a:p>
+          <a:p>
             <a:endParaRPr lang="en-US" altLang="zh-TW" dirty="0" smtClean="0"/>
           </a:p>
           <a:p>
@@ -3623,8 +3762,8 @@
         </p:nvSpPr>
         <p:spPr>
           <a:xfrm>
-            <a:off x="250371" y="724040"/>
-            <a:ext cx="8643257" cy="5632311"/>
+            <a:off x="336998" y="2004200"/>
+            <a:ext cx="8643257" cy="3785652"/>
           </a:xfrm>
           <a:prstGeom prst="rect">
             <a:avLst/>
@@ -3656,20 +3795,47 @@
                 </a:solidFill>
                 <a:latin typeface="Lato"/>
               </a:rPr>
-              <a:t>Apple Siri</a:t>
-            </a:r>
-            <a:r>
-              <a:rPr lang="en-US" altLang="zh-TW" sz="2400" dirty="0">
+              <a:t>Apple </a:t>
+            </a:r>
+            <a:r>
+              <a:rPr lang="en-US" altLang="zh-TW" sz="2400" dirty="0" smtClean="0">
+                <a:solidFill>
+                  <a:srgbClr val="FF0000"/>
+                </a:solidFill>
+                <a:latin typeface="Lato"/>
+              </a:rPr>
+              <a:t>Siri</a:t>
+            </a:r>
+            <a:r>
+              <a:rPr lang="en-US" altLang="zh-TW" sz="2400" dirty="0" smtClean="0">
                 <a:solidFill>
                   <a:srgbClr val="4D4D4D"/>
                 </a:solidFill>
                 <a:latin typeface="Lato"/>
               </a:rPr>
-              <a:t>. </a:t>
+              <a:t>, </a:t>
+            </a:r>
+            <a:r>
+              <a:rPr lang="en-US" altLang="zh-TW" sz="2400" dirty="0" smtClean="0">
+                <a:solidFill>
+                  <a:srgbClr val="FF0000"/>
+                </a:solidFill>
+                <a:latin typeface="Lato"/>
+              </a:rPr>
+              <a:t>Google Translate</a:t>
+            </a:r>
+            <a:r>
+              <a:rPr lang="en-US" altLang="zh-TW" sz="2400" dirty="0" smtClean="0">
+                <a:solidFill>
+                  <a:srgbClr val="FF0000"/>
+                </a:solidFill>
+                <a:latin typeface="Lato"/>
+              </a:rPr>
+              <a:t> </a:t>
             </a:r>
             <a:endParaRPr lang="en-US" altLang="zh-TW" sz="2400" dirty="0" smtClean="0">
               <a:solidFill>
-                <a:srgbClr val="4D4D4D"/>
+                <a:srgbClr val="FF0000"/>
               </a:solidFill>
               <a:latin typeface="Lato"/>
             </a:endParaRPr>
@@ -3692,13 +3858,22 @@
               <a:buChar char="•"/>
             </a:pPr>
             <a:r>
+              <a:rPr lang="en-US" altLang="zh-TW" sz="2400" dirty="0">
+                <a:solidFill>
+                  <a:srgbClr val="4D4D4D"/>
+                </a:solidFill>
+                <a:latin typeface="Lato"/>
+              </a:rPr>
+              <a:t>U</a:t>
+            </a:r>
+            <a:r>
               <a:rPr lang="en-US" altLang="zh-TW" sz="2400" dirty="0" smtClean="0">
                 <a:solidFill>
                   <a:srgbClr val="4D4D4D"/>
                 </a:solidFill>
                 <a:latin typeface="Lato"/>
               </a:rPr>
-              <a:t>However</a:t>
+              <a:t>sing </a:t>
             </a:r>
             <a:r>
               <a:rPr lang="en-US" altLang="zh-TW" sz="2400" dirty="0">
@@ -3707,7 +3882,25 @@
                 </a:solidFill>
                 <a:latin typeface="Lato"/>
               </a:rPr>
-              <a:t>, it is still a computationally expensive technology. </a:t>
+              <a:t>Python </a:t>
+            </a:r>
+            <a:r>
+              <a:rPr lang="en-US" altLang="zh-TW" sz="2400" dirty="0" err="1">
+                <a:solidFill>
+                  <a:srgbClr val="4D4D4D"/>
+                </a:solidFill>
+                <a:latin typeface="Lato"/>
+              </a:rPr>
+              <a:t>SpeechRecognition</a:t>
+            </a:r>
+            <a:r>
+              <a:rPr lang="en-US" altLang="zh-TW" sz="2400" dirty="0">
+                <a:solidFill>
+                  <a:srgbClr val="4D4D4D"/>
+                </a:solidFill>
+                <a:latin typeface="Lato"/>
+              </a:rPr>
+              <a:t> module, which includes multiple speech recognition engines for online applications in games, linguistic tutoring and the other applications, such as bilingual translation and so on. </a:t>
             </a:r>
             <a:endParaRPr lang="en-US" altLang="zh-TW" sz="2400" dirty="0" smtClean="0">
               <a:solidFill>
@@ -3740,7 +3933,7 @@
                 </a:solidFill>
                 <a:latin typeface="Lato"/>
               </a:rPr>
-              <a:t>This </a:t>
+              <a:t>A </a:t>
             </a:r>
             <a:r>
               <a:rPr lang="en-US" altLang="zh-TW" sz="2400" dirty="0">
@@ -3749,109 +3942,7 @@
                 </a:solidFill>
                 <a:latin typeface="Lato"/>
               </a:rPr>
-              <a:t>is why less programmers can use it fluently in their daily jobs. </a:t>
-            </a:r>
-            <a:endParaRPr lang="en-US" altLang="zh-TW" sz="2400" dirty="0" smtClean="0">
-              <a:solidFill>
-                <a:srgbClr val="4D4D4D"/>
-              </a:solidFill>
-              <a:latin typeface="Lato"/>
-            </a:endParaRPr>
-          </a:p>
-          <a:p>
-            <a:pPr marL="285750" indent="-285750">
-              <a:buFont typeface="Arial" panose="020B0604020202020204" pitchFamily="34" charset="0"/>
-              <a:buChar char="•"/>
-            </a:pPr>
-            <a:endParaRPr lang="en-US" altLang="zh-TW" sz="2400" dirty="0" smtClean="0">
-              <a:solidFill>
-                <a:srgbClr val="4D4D4D"/>
-              </a:solidFill>
-              <a:latin typeface="Lato"/>
-            </a:endParaRPr>
-          </a:p>
-          <a:p>
-            <a:pPr marL="285750" indent="-285750">
-              <a:buFont typeface="Arial" panose="020B0604020202020204" pitchFamily="34" charset="0"/>
-              <a:buChar char="•"/>
-            </a:pPr>
-            <a:r>
-              <a:rPr lang="en-US" altLang="zh-TW" sz="2400" dirty="0" smtClean="0">
-                <a:solidFill>
-                  <a:srgbClr val="4D4D4D"/>
-                </a:solidFill>
-                <a:latin typeface="Lato"/>
-              </a:rPr>
-              <a:t>In </a:t>
-            </a:r>
-            <a:r>
-              <a:rPr lang="en-US" altLang="zh-TW" sz="2400" dirty="0">
-                <a:solidFill>
-                  <a:srgbClr val="4D4D4D"/>
-                </a:solidFill>
-                <a:latin typeface="Lato"/>
-              </a:rPr>
-              <a:t>this proposal, the speaker will share his experience in using Python </a:t>
-            </a:r>
-            <a:r>
-              <a:rPr lang="en-US" altLang="zh-TW" sz="2400" dirty="0" err="1">
-                <a:solidFill>
-                  <a:srgbClr val="4D4D4D"/>
-                </a:solidFill>
-                <a:latin typeface="Lato"/>
-              </a:rPr>
-              <a:t>SpeechRecognition</a:t>
-            </a:r>
-            <a:r>
-              <a:rPr lang="en-US" altLang="zh-TW" sz="2400" dirty="0">
-                <a:solidFill>
-                  <a:srgbClr val="4D4D4D"/>
-                </a:solidFill>
-                <a:latin typeface="Lato"/>
-              </a:rPr>
-              <a:t> module, which includes multiple speech recognition engines for online applications in games, linguistic tutoring and the other applications, such as bilingual translation and so on. </a:t>
-            </a:r>
-            <a:endParaRPr lang="en-US" altLang="zh-TW" sz="2400" dirty="0" smtClean="0">
-              <a:solidFill>
-                <a:srgbClr val="4D4D4D"/>
-              </a:solidFill>
-              <a:latin typeface="Lato"/>
-            </a:endParaRPr>
-          </a:p>
-          <a:p>
-            <a:pPr marL="285750" indent="-285750">
-              <a:buFont typeface="Arial" panose="020B0604020202020204" pitchFamily="34" charset="0"/>
-              <a:buChar char="•"/>
-            </a:pPr>
-            <a:endParaRPr lang="en-US" altLang="zh-TW" sz="2400" dirty="0" smtClean="0">
-              <a:solidFill>
-                <a:srgbClr val="4D4D4D"/>
-              </a:solidFill>
-              <a:latin typeface="Lato"/>
-            </a:endParaRPr>
-          </a:p>
-          <a:p>
-            <a:pPr marL="285750" indent="-285750">
-              <a:buFont typeface="Arial" panose="020B0604020202020204" pitchFamily="34" charset="0"/>
-              <a:buChar char="•"/>
-            </a:pPr>
-            <a:r>
-              <a:rPr lang="en-US" altLang="zh-TW" sz="2400" dirty="0" smtClean="0">
-                <a:solidFill>
-                  <a:srgbClr val="4D4D4D"/>
-                </a:solidFill>
-                <a:latin typeface="Lato"/>
-              </a:rPr>
-              <a:t>The </a:t>
-            </a:r>
-            <a:r>
-              <a:rPr lang="en-US" altLang="zh-TW" sz="2400" dirty="0">
-                <a:solidFill>
-                  <a:srgbClr val="4D4D4D"/>
-                </a:solidFill>
-                <a:latin typeface="Lato"/>
-              </a:rPr>
-              <a:t>speaker will invite the audience to test the real-time system in multiple languages, such as </a:t>
+              <a:t>real-time system in multiple languages, such as </a:t>
             </a:r>
             <a:r>
               <a:rPr lang="en-US" altLang="zh-TW" sz="2400" dirty="0">
@@ -3867,6 +3958,38 @@
                 <a:srgbClr val="FF0000"/>
               </a:solidFill>
             </a:endParaRPr>
+          </a:p>
+        </p:txBody>
+      </p:sp>
+      <p:sp>
+        <p:nvSpPr>
+          <p:cNvPr id="3" name="標題 2"/>
+          <p:cNvSpPr>
+            <a:spLocks noGrp="1"/>
+          </p:cNvSpPr>
+          <p:nvPr>
+            <p:ph type="title" idx="4294967295"/>
+          </p:nvPr>
+        </p:nvSpPr>
+        <p:spPr>
+          <a:xfrm>
+            <a:off x="0" y="0"/>
+            <a:ext cx="7886700" cy="1325563"/>
+          </a:xfrm>
+        </p:spPr>
+        <p:txBody>
+          <a:bodyPr/>
+          <a:lstStyle/>
+          <a:p>
+            <a:r>
+              <a:rPr lang="zh-TW" altLang="en-US" dirty="0" smtClean="0"/>
+              <a:t>A</a:t>
+            </a:r>
+            <a:r>
+              <a:rPr lang="en-US" altLang="zh-TW" dirty="0" err="1" smtClean="0"/>
+              <a:t>bstract</a:t>
+            </a:r>
+            <a:endParaRPr lang="zh-TW" altLang="en-US" dirty="0"/>
           </a:p>
         </p:txBody>
       </p:sp>
@@ -3955,7 +4078,7 @@
         </p:nvGrpSpPr>
         <p:grpSpPr>
           <a:xfrm>
-            <a:off x="1726485" y="798275"/>
+            <a:off x="1824021" y="1531858"/>
             <a:ext cx="5899620" cy="1683173"/>
             <a:chOff x="1814412" y="1376105"/>
             <a:chExt cx="5899620" cy="1683173"/>
@@ -4399,6 +4522,38 @@
           </p:style>
         </p:cxnSp>
       </p:grpSp>
+      <p:sp>
+        <p:nvSpPr>
+          <p:cNvPr id="10" name="標題 9"/>
+          <p:cNvSpPr>
+            <a:spLocks noGrp="1"/>
+          </p:cNvSpPr>
+          <p:nvPr>
+            <p:ph type="title" idx="4294967295"/>
+          </p:nvPr>
+        </p:nvSpPr>
+        <p:spPr>
+          <a:xfrm>
+            <a:off x="0" y="-10166"/>
+            <a:ext cx="7886700" cy="1325563"/>
+          </a:xfrm>
+        </p:spPr>
+        <p:txBody>
+          <a:bodyPr/>
+          <a:lstStyle/>
+          <a:p>
+            <a:r>
+              <a:rPr lang="en-US" altLang="zh-TW" dirty="0" smtClean="0"/>
+              <a:t>Concept</a:t>
+            </a:r>
+            <a:r>
+              <a:rPr lang="en-US" altLang="zh-TW" baseline="0" dirty="0" smtClean="0"/>
+              <a:t> Block</a:t>
+            </a:r>
+            <a:endParaRPr lang="zh-TW" altLang="en-US" dirty="0"/>
+          </a:p>
+        </p:txBody>
+      </p:sp>
     </p:spTree>
     <p:extLst>
       <p:ext uri="{BB962C8B-B14F-4D97-AF65-F5344CB8AC3E}">
@@ -4460,7 +4615,7 @@
         </p:nvSpPr>
         <p:spPr>
           <a:xfrm>
-            <a:off x="807868" y="1074199"/>
+            <a:off x="807868" y="1743909"/>
             <a:ext cx="5650082" cy="3416320"/>
           </a:xfrm>
           <a:prstGeom prst="rect">
@@ -4681,7 +4836,16 @@
                 </a:solidFill>
                 <a:latin typeface="Courier New" panose="02070309020205020404" pitchFamily="49" charset="0"/>
               </a:rPr>
-              <a:t> ryF0Estimate000</a:t>
+              <a:t> </a:t>
+            </a:r>
+            <a:r>
+              <a:rPr lang="en-US" altLang="zh-TW" sz="2400" dirty="0" smtClean="0">
+                <a:solidFill>
+                  <a:srgbClr val="000000"/>
+                </a:solidFill>
+                <a:latin typeface="Courier New" panose="02070309020205020404" pitchFamily="49" charset="0"/>
+              </a:rPr>
+              <a:t>ryF0Estimate</a:t>
             </a:r>
             <a:endParaRPr lang="en-US" altLang="zh-TW" sz="2400" b="1" dirty="0">
               <a:solidFill>
@@ -4711,7 +4875,7 @@
         </p:nvSpPr>
         <p:spPr>
           <a:xfrm>
-            <a:off x="2330388" y="4756553"/>
+            <a:off x="2549844" y="5525354"/>
             <a:ext cx="4753993" cy="830997"/>
           </a:xfrm>
           <a:prstGeom prst="rect">
@@ -4767,6 +4931,38 @@
               <a:t>/</a:t>
             </a:r>
             <a:endParaRPr lang="en-US" altLang="zh-TW" sz="1600" dirty="0"/>
+          </a:p>
+        </p:txBody>
+      </p:sp>
+      <p:sp>
+        <p:nvSpPr>
+          <p:cNvPr id="6" name="標題 5"/>
+          <p:cNvSpPr>
+            <a:spLocks noGrp="1"/>
+          </p:cNvSpPr>
+          <p:nvPr>
+            <p:ph type="title" idx="4294967295"/>
+          </p:nvPr>
+        </p:nvSpPr>
+        <p:spPr>
+          <a:xfrm>
+            <a:off x="0" y="0"/>
+            <a:ext cx="7886700" cy="1325563"/>
+          </a:xfrm>
+        </p:spPr>
+        <p:txBody>
+          <a:bodyPr/>
+          <a:lstStyle/>
+          <a:p>
+            <a:r>
+              <a:rPr lang="zh-TW" altLang="en-US" dirty="0" smtClean="0"/>
+              <a:t>U</a:t>
+            </a:r>
+            <a:r>
+              <a:rPr lang="en-US" altLang="zh-TW" dirty="0" smtClean="0"/>
+              <a:t>sing Modules</a:t>
+            </a:r>
+            <a:endParaRPr lang="zh-TW" altLang="en-US" dirty="0"/>
           </a:p>
         </p:txBody>
       </p:sp>
@@ -4825,73 +5021,91 @@
       </p:sp>
       <p:sp>
         <p:nvSpPr>
-          <p:cNvPr id="3" name="文字方塊 2"/>
-          <p:cNvSpPr txBox="1"/>
+          <p:cNvPr id="3" name="矩形 2"/>
+          <p:cNvSpPr/>
           <p:nvPr/>
         </p:nvSpPr>
         <p:spPr>
           <a:xfrm>
-            <a:off x="248575" y="1392367"/>
-            <a:ext cx="8637973" cy="3046988"/>
+            <a:off x="139567" y="1027610"/>
+            <a:ext cx="6919602" cy="5693866"/>
           </a:xfrm>
           <a:prstGeom prst="rect">
             <a:avLst/>
           </a:prstGeom>
-          <a:noFill/>
         </p:spPr>
         <p:txBody>
-          <a:bodyPr wrap="square" rtlCol="0">
+          <a:bodyPr wrap="square">
             <a:spAutoFit/>
           </a:bodyPr>
           <a:lstStyle/>
           <a:p>
-            <a:r>
-              <a:rPr lang="en-US" altLang="zh-TW" sz="2400" b="1" dirty="0">
+            <a:pPr>
+              <a:spcAft>
+                <a:spcPts val="0"/>
+              </a:spcAft>
+            </a:pPr>
+            <a:r>
+              <a:rPr lang="en-US" altLang="zh-TW" sz="1400" b="1" kern="0" dirty="0">
                 <a:solidFill>
                   <a:srgbClr val="0000FF"/>
                 </a:solidFill>
                 <a:latin typeface="Courier New" panose="02070309020205020404" pitchFamily="49" charset="0"/>
+                <a:cs typeface="Times New Roman" panose="02020603050405020304" pitchFamily="18" charset="0"/>
               </a:rPr>
               <a:t>class</a:t>
             </a:r>
             <a:r>
-              <a:rPr lang="en-US" altLang="zh-TW" sz="2400" dirty="0">
-                <a:solidFill>
-                  <a:srgbClr val="000000"/>
-                </a:solidFill>
-                <a:latin typeface="Courier New" panose="02070309020205020404" pitchFamily="49" charset="0"/>
+              <a:rPr lang="en-US" altLang="zh-TW" sz="1400" kern="0" dirty="0">
+                <a:solidFill>
+                  <a:srgbClr val="000000"/>
+                </a:solidFill>
+                <a:latin typeface="Courier New" panose="02070309020205020404" pitchFamily="49" charset="0"/>
+                <a:cs typeface="Times New Roman" panose="02020603050405020304" pitchFamily="18" charset="0"/>
               </a:rPr>
               <a:t> </a:t>
             </a:r>
             <a:r>
-              <a:rPr lang="en-US" altLang="zh-TW" sz="2400" b="1" dirty="0">
-                <a:solidFill>
-                  <a:srgbClr val="000000"/>
-                </a:solidFill>
-                <a:latin typeface="Courier New" panose="02070309020205020404" pitchFamily="49" charset="0"/>
+              <a:rPr lang="en-US" altLang="zh-TW" sz="1400" b="1" kern="0" dirty="0">
+                <a:solidFill>
+                  <a:srgbClr val="000000"/>
+                </a:solidFill>
+                <a:latin typeface="Courier New" panose="02070309020205020404" pitchFamily="49" charset="0"/>
+                <a:cs typeface="Times New Roman" panose="02020603050405020304" pitchFamily="18" charset="0"/>
               </a:rPr>
               <a:t>Ry</a:t>
             </a:r>
             <a:r>
-              <a:rPr lang="zh-TW" altLang="en-US" sz="2400" dirty="0">
-                <a:solidFill>
-                  <a:srgbClr val="000000"/>
-                </a:solidFill>
-                <a:latin typeface="Courier New" panose="02070309020205020404" pitchFamily="49" charset="0"/>
+              <a:rPr lang="zh-TW" altLang="zh-TW" sz="1400" kern="0" dirty="0">
+                <a:solidFill>
+                  <a:srgbClr val="000000"/>
+                </a:solidFill>
+                <a:latin typeface="Courier New" panose="02070309020205020404" pitchFamily="49" charset="0"/>
+                <a:cs typeface="Courier New" panose="02070309020205020404" pitchFamily="49" charset="0"/>
               </a:rPr>
               <a:t>音類</a:t>
             </a:r>
             <a:r>
-              <a:rPr lang="en-US" altLang="zh-TW" sz="2400" b="1" dirty="0" smtClean="0">
-                <a:solidFill>
-                  <a:srgbClr val="000080"/>
-                </a:solidFill>
-                <a:latin typeface="Courier New" panose="02070309020205020404" pitchFamily="49" charset="0"/>
-              </a:rPr>
-              <a:t>: # the </a:t>
-            </a:r>
-            <a:r>
-              <a:rPr lang="en-US" altLang="zh-TW" sz="2400" b="1" dirty="0" err="1" smtClean="0">
+              <a:rPr lang="en-US" altLang="zh-TW" sz="1400" b="1" kern="0" dirty="0" smtClean="0">
+                <a:solidFill>
+                  <a:srgbClr val="000080"/>
+                </a:solidFill>
+                <a:latin typeface="Courier New" panose="02070309020205020404" pitchFamily="49" charset="0"/>
+                <a:cs typeface="Times New Roman" panose="02020603050405020304" pitchFamily="18" charset="0"/>
+              </a:rPr>
+              <a:t>: </a:t>
+            </a:r>
+            <a:r>
+              <a:rPr lang="en-US" altLang="zh-TW" sz="1400" b="1" dirty="0">
+                <a:solidFill>
+                  <a:srgbClr val="000080"/>
+                </a:solidFill>
+                <a:latin typeface="Courier New" panose="02070309020205020404" pitchFamily="49" charset="0"/>
+              </a:rPr>
+              <a:t># the </a:t>
+            </a:r>
+            <a:r>
+              <a:rPr lang="en-US" altLang="zh-TW" sz="1400" b="1" dirty="0" err="1">
                 <a:solidFill>
                   <a:srgbClr val="000080"/>
                 </a:solidFill>
@@ -4899,415 +5113,2048 @@
               </a:rPr>
               <a:t>AudioClass</a:t>
             </a:r>
-            <a:endParaRPr lang="en-US" altLang="zh-TW" sz="2400" b="1" dirty="0" smtClean="0">
-              <a:solidFill>
-                <a:srgbClr val="000080"/>
-              </a:solidFill>
-              <a:latin typeface="Courier New" panose="02070309020205020404" pitchFamily="49" charset="0"/>
+            <a:endParaRPr lang="zh-TW" altLang="zh-TW" sz="1400" kern="100" dirty="0">
+              <a:latin typeface="Calibri" panose="020F0502020204030204" pitchFamily="34" charset="0"/>
+              <a:cs typeface="Times New Roman" panose="02020603050405020304" pitchFamily="18" charset="0"/>
             </a:endParaRPr>
           </a:p>
           <a:p>
-            <a:endParaRPr lang="zh-TW" altLang="en-US" sz="2400" dirty="0"/>
-          </a:p>
-          <a:p>
-            <a:pPr lvl="1"/>
-            <a:r>
-              <a:rPr lang="en-US" altLang="zh-TW" sz="2400" b="1" dirty="0" err="1" smtClean="0">
+            <a:pPr>
+              <a:spcAft>
+                <a:spcPts val="0"/>
+              </a:spcAft>
+            </a:pPr>
+            <a:r>
+              <a:rPr lang="en-US" altLang="zh-TW" sz="1400" kern="0" dirty="0">
+                <a:solidFill>
+                  <a:srgbClr val="000000"/>
+                </a:solidFill>
+                <a:latin typeface="Courier New" panose="02070309020205020404" pitchFamily="49" charset="0"/>
+                <a:cs typeface="Times New Roman" panose="02020603050405020304" pitchFamily="18" charset="0"/>
+              </a:rPr>
+              <a:t>    </a:t>
+            </a:r>
+            <a:r>
+              <a:rPr lang="en-US" altLang="zh-TW" sz="1400" b="1" kern="0" dirty="0" err="1">
                 <a:solidFill>
                   <a:srgbClr val="0000FF"/>
                 </a:solidFill>
                 <a:latin typeface="Courier New" panose="02070309020205020404" pitchFamily="49" charset="0"/>
+                <a:cs typeface="Times New Roman" panose="02020603050405020304" pitchFamily="18" charset="0"/>
               </a:rPr>
               <a:t>def</a:t>
             </a:r>
             <a:r>
-              <a:rPr lang="en-US" altLang="zh-TW" sz="2400" dirty="0" smtClean="0">
-                <a:solidFill>
-                  <a:srgbClr val="000000"/>
-                </a:solidFill>
-                <a:latin typeface="Courier New" panose="02070309020205020404" pitchFamily="49" charset="0"/>
+              <a:rPr lang="en-US" altLang="zh-TW" sz="1400" kern="0" dirty="0">
+                <a:solidFill>
+                  <a:srgbClr val="000000"/>
+                </a:solidFill>
+                <a:latin typeface="Courier New" panose="02070309020205020404" pitchFamily="49" charset="0"/>
+                <a:cs typeface="Times New Roman" panose="02020603050405020304" pitchFamily="18" charset="0"/>
               </a:rPr>
               <a:t> </a:t>
             </a:r>
             <a:r>
-              <a:rPr lang="en-US" altLang="zh-TW" sz="2400" dirty="0">
+              <a:rPr lang="en-US" altLang="zh-TW" sz="1400" kern="0" dirty="0">
                 <a:solidFill>
                   <a:srgbClr val="FF00FF"/>
                 </a:solidFill>
                 <a:latin typeface="Courier New" panose="02070309020205020404" pitchFamily="49" charset="0"/>
-              </a:rPr>
-              <a:t>start</a:t>
-            </a:r>
-            <a:r>
-              <a:rPr lang="en-US" altLang="zh-TW" sz="2400" b="1" dirty="0">
-                <a:solidFill>
-                  <a:srgbClr val="000080"/>
-                </a:solidFill>
-                <a:latin typeface="Courier New" panose="02070309020205020404" pitchFamily="49" charset="0"/>
+                <a:cs typeface="Times New Roman" panose="02020603050405020304" pitchFamily="18" charset="0"/>
+              </a:rPr>
+              <a:t>__</a:t>
+            </a:r>
+            <a:r>
+              <a:rPr lang="en-US" altLang="zh-TW" sz="1400" kern="0" dirty="0" err="1">
+                <a:solidFill>
+                  <a:srgbClr val="FF00FF"/>
+                </a:solidFill>
+                <a:latin typeface="Courier New" panose="02070309020205020404" pitchFamily="49" charset="0"/>
+                <a:cs typeface="Times New Roman" panose="02020603050405020304" pitchFamily="18" charset="0"/>
+              </a:rPr>
+              <a:t>init</a:t>
+            </a:r>
+            <a:r>
+              <a:rPr lang="en-US" altLang="zh-TW" sz="1400" kern="0" dirty="0">
+                <a:solidFill>
+                  <a:srgbClr val="FF00FF"/>
+                </a:solidFill>
+                <a:latin typeface="Courier New" panose="02070309020205020404" pitchFamily="49" charset="0"/>
+                <a:cs typeface="Times New Roman" panose="02020603050405020304" pitchFamily="18" charset="0"/>
+              </a:rPr>
+              <a:t>__</a:t>
+            </a:r>
+            <a:r>
+              <a:rPr lang="en-US" altLang="zh-TW" sz="1400" b="1" kern="0" dirty="0">
+                <a:solidFill>
+                  <a:srgbClr val="000080"/>
+                </a:solidFill>
+                <a:latin typeface="Courier New" panose="02070309020205020404" pitchFamily="49" charset="0"/>
+                <a:cs typeface="Times New Roman" panose="02020603050405020304" pitchFamily="18" charset="0"/>
               </a:rPr>
               <a:t>(</a:t>
             </a:r>
             <a:r>
-              <a:rPr lang="en-US" altLang="zh-TW" sz="2400" dirty="0">
-                <a:solidFill>
-                  <a:srgbClr val="000000"/>
-                </a:solidFill>
-                <a:latin typeface="Courier New" panose="02070309020205020404" pitchFamily="49" charset="0"/>
+              <a:rPr lang="en-US" altLang="zh-TW" sz="1400" kern="0" dirty="0">
+                <a:solidFill>
+                  <a:srgbClr val="000000"/>
+                </a:solidFill>
+                <a:latin typeface="Courier New" panose="02070309020205020404" pitchFamily="49" charset="0"/>
+                <a:cs typeface="Times New Roman" panose="02020603050405020304" pitchFamily="18" charset="0"/>
               </a:rPr>
               <a:t>self</a:t>
             </a:r>
             <a:r>
-              <a:rPr lang="en-US" altLang="zh-TW" sz="2400" b="1" dirty="0" smtClean="0">
-                <a:solidFill>
-                  <a:srgbClr val="000080"/>
-                </a:solidFill>
-                <a:latin typeface="Courier New" panose="02070309020205020404" pitchFamily="49" charset="0"/>
+              <a:rPr lang="en-US" altLang="zh-TW" sz="1400" b="1" kern="0" dirty="0">
+                <a:solidFill>
+                  <a:srgbClr val="000080"/>
+                </a:solidFill>
+                <a:latin typeface="Courier New" panose="02070309020205020404" pitchFamily="49" charset="0"/>
+                <a:cs typeface="Times New Roman" panose="02020603050405020304" pitchFamily="18" charset="0"/>
               </a:rPr>
               <a:t>):</a:t>
             </a:r>
-          </a:p>
-          <a:p>
-            <a:pPr lvl="1"/>
-            <a:r>
-              <a:rPr lang="en-US" altLang="zh-TW" sz="2400" dirty="0" smtClean="0">
-                <a:solidFill>
-                  <a:srgbClr val="000000"/>
-                </a:solidFill>
-                <a:latin typeface="Courier New" panose="02070309020205020404" pitchFamily="49" charset="0"/>
+            <a:endParaRPr lang="zh-TW" altLang="zh-TW" sz="1400" kern="100" dirty="0">
+              <a:latin typeface="Calibri" panose="020F0502020204030204" pitchFamily="34" charset="0"/>
+              <a:cs typeface="Times New Roman" panose="02020603050405020304" pitchFamily="18" charset="0"/>
+            </a:endParaRPr>
+          </a:p>
+          <a:p>
+            <a:pPr>
+              <a:spcAft>
+                <a:spcPts val="0"/>
+              </a:spcAft>
+            </a:pPr>
+            <a:r>
+              <a:rPr lang="en-US" altLang="zh-TW" sz="1400" kern="0" dirty="0">
+                <a:solidFill>
+                  <a:srgbClr val="000000"/>
+                </a:solidFill>
+                <a:latin typeface="Courier New" panose="02070309020205020404" pitchFamily="49" charset="0"/>
+                <a:cs typeface="Times New Roman" panose="02020603050405020304" pitchFamily="18" charset="0"/>
+              </a:rPr>
+              <a:t>    </a:t>
+            </a:r>
+            <a:endParaRPr lang="zh-TW" altLang="zh-TW" sz="1400" kern="100" dirty="0">
+              <a:latin typeface="Calibri" panose="020F0502020204030204" pitchFamily="34" charset="0"/>
+              <a:cs typeface="Times New Roman" panose="02020603050405020304" pitchFamily="18" charset="0"/>
+            </a:endParaRPr>
+          </a:p>
+          <a:p>
+            <a:pPr>
+              <a:spcAft>
+                <a:spcPts val="0"/>
+              </a:spcAft>
+            </a:pPr>
+            <a:r>
+              <a:rPr lang="en-US" altLang="zh-TW" sz="1400" kern="0" dirty="0">
+                <a:solidFill>
+                  <a:srgbClr val="000000"/>
+                </a:solidFill>
+                <a:latin typeface="Courier New" panose="02070309020205020404" pitchFamily="49" charset="0"/>
+                <a:cs typeface="Times New Roman" panose="02020603050405020304" pitchFamily="18" charset="0"/>
+              </a:rPr>
+              <a:t>        self</a:t>
+            </a:r>
+            <a:r>
+              <a:rPr lang="en-US" altLang="zh-TW" sz="1400" b="1" kern="0" dirty="0">
+                <a:solidFill>
+                  <a:srgbClr val="000080"/>
+                </a:solidFill>
+                <a:latin typeface="Courier New" panose="02070309020205020404" pitchFamily="49" charset="0"/>
+                <a:cs typeface="Times New Roman" panose="02020603050405020304" pitchFamily="18" charset="0"/>
+              </a:rPr>
+              <a:t>.</a:t>
+            </a:r>
+            <a:r>
+              <a:rPr lang="zh-TW" altLang="zh-TW" sz="1400" kern="0" dirty="0">
+                <a:solidFill>
+                  <a:srgbClr val="000000"/>
+                </a:solidFill>
+                <a:latin typeface="Courier New" panose="02070309020205020404" pitchFamily="49" charset="0"/>
+                <a:cs typeface="Courier New" panose="02070309020205020404" pitchFamily="49" charset="0"/>
+              </a:rPr>
+              <a:t>音</a:t>
+            </a:r>
+            <a:r>
+              <a:rPr lang="en-US" altLang="zh-TW" sz="1400" b="1" kern="0" dirty="0">
+                <a:solidFill>
+                  <a:srgbClr val="000080"/>
+                </a:solidFill>
+                <a:latin typeface="Courier New" panose="02070309020205020404" pitchFamily="49" charset="0"/>
+                <a:cs typeface="Times New Roman" panose="02020603050405020304" pitchFamily="18" charset="0"/>
+              </a:rPr>
+              <a:t>=</a:t>
+            </a:r>
+            <a:r>
+              <a:rPr lang="en-US" altLang="zh-TW" sz="1400" kern="0" dirty="0">
+                <a:solidFill>
+                  <a:srgbClr val="000000"/>
+                </a:solidFill>
+                <a:latin typeface="Courier New" panose="02070309020205020404" pitchFamily="49" charset="0"/>
+                <a:cs typeface="Times New Roman" panose="02020603050405020304" pitchFamily="18" charset="0"/>
               </a:rPr>
               <a:t> </a:t>
             </a:r>
-          </a:p>
-          <a:p>
-            <a:pPr lvl="1"/>
-            <a:r>
-              <a:rPr lang="en-US" altLang="zh-TW" sz="2400" dirty="0">
-                <a:solidFill>
-                  <a:srgbClr val="000000"/>
-                </a:solidFill>
-                <a:latin typeface="Courier New" panose="02070309020205020404" pitchFamily="49" charset="0"/>
-              </a:rPr>
-              <a:t>	</a:t>
-            </a:r>
-            <a:r>
-              <a:rPr lang="en-US" altLang="zh-TW" sz="2400" dirty="0" smtClean="0">
-                <a:solidFill>
-                  <a:srgbClr val="000000"/>
-                </a:solidFill>
-                <a:latin typeface="Courier New" panose="02070309020205020404" pitchFamily="49" charset="0"/>
+            <a:r>
+              <a:rPr lang="en-US" altLang="zh-TW" sz="1400" kern="0" dirty="0" err="1">
+                <a:solidFill>
+                  <a:srgbClr val="000000"/>
+                </a:solidFill>
+                <a:latin typeface="Courier New" panose="02070309020205020404" pitchFamily="49" charset="0"/>
+                <a:cs typeface="Times New Roman" panose="02020603050405020304" pitchFamily="18" charset="0"/>
+              </a:rPr>
+              <a:t>pyaudio</a:t>
+            </a:r>
+            <a:r>
+              <a:rPr lang="en-US" altLang="zh-TW" sz="1400" b="1" kern="0" dirty="0" err="1">
+                <a:solidFill>
+                  <a:srgbClr val="000080"/>
+                </a:solidFill>
+                <a:latin typeface="Courier New" panose="02070309020205020404" pitchFamily="49" charset="0"/>
+                <a:cs typeface="Times New Roman" panose="02020603050405020304" pitchFamily="18" charset="0"/>
+              </a:rPr>
+              <a:t>.</a:t>
+            </a:r>
+            <a:r>
+              <a:rPr lang="en-US" altLang="zh-TW" sz="1400" kern="0" dirty="0" err="1">
+                <a:solidFill>
+                  <a:srgbClr val="000000"/>
+                </a:solidFill>
+                <a:latin typeface="Courier New" panose="02070309020205020404" pitchFamily="49" charset="0"/>
+                <a:cs typeface="Times New Roman" panose="02020603050405020304" pitchFamily="18" charset="0"/>
+              </a:rPr>
+              <a:t>PyAudio</a:t>
+            </a:r>
+            <a:r>
+              <a:rPr lang="en-US" altLang="zh-TW" sz="1400" b="1" kern="0" dirty="0">
+                <a:solidFill>
+                  <a:srgbClr val="000080"/>
+                </a:solidFill>
+                <a:latin typeface="Courier New" panose="02070309020205020404" pitchFamily="49" charset="0"/>
+                <a:cs typeface="Times New Roman" panose="02020603050405020304" pitchFamily="18" charset="0"/>
+              </a:rPr>
+              <a:t>()</a:t>
+            </a:r>
+            <a:endParaRPr lang="zh-TW" altLang="zh-TW" sz="1400" kern="100" dirty="0">
+              <a:latin typeface="Calibri" panose="020F0502020204030204" pitchFamily="34" charset="0"/>
+              <a:cs typeface="Times New Roman" panose="02020603050405020304" pitchFamily="18" charset="0"/>
+            </a:endParaRPr>
+          </a:p>
+          <a:p>
+            <a:pPr>
+              <a:spcAft>
+                <a:spcPts val="0"/>
+              </a:spcAft>
+            </a:pPr>
+            <a:r>
+              <a:rPr lang="en-US" altLang="zh-TW" sz="1400" kern="0" dirty="0">
+                <a:solidFill>
+                  <a:srgbClr val="000000"/>
+                </a:solidFill>
+                <a:latin typeface="Courier New" panose="02070309020205020404" pitchFamily="49" charset="0"/>
+                <a:cs typeface="Times New Roman" panose="02020603050405020304" pitchFamily="18" charset="0"/>
+              </a:rPr>
+              <a:t> </a:t>
+            </a:r>
+            <a:endParaRPr lang="zh-TW" altLang="zh-TW" sz="1400" kern="100" dirty="0">
+              <a:latin typeface="Calibri" panose="020F0502020204030204" pitchFamily="34" charset="0"/>
+              <a:cs typeface="Times New Roman" panose="02020603050405020304" pitchFamily="18" charset="0"/>
+            </a:endParaRPr>
+          </a:p>
+          <a:p>
+            <a:pPr>
+              <a:spcAft>
+                <a:spcPts val="0"/>
+              </a:spcAft>
+            </a:pPr>
+            <a:r>
+              <a:rPr lang="en-US" altLang="zh-TW" sz="1400" kern="0" dirty="0">
+                <a:solidFill>
+                  <a:srgbClr val="000000"/>
+                </a:solidFill>
+                <a:latin typeface="Courier New" panose="02070309020205020404" pitchFamily="49" charset="0"/>
+                <a:cs typeface="Times New Roman" panose="02020603050405020304" pitchFamily="18" charset="0"/>
+              </a:rPr>
+              <a:t>        self</a:t>
+            </a:r>
+            <a:r>
+              <a:rPr lang="en-US" altLang="zh-TW" sz="1400" b="1" kern="0" dirty="0">
+                <a:solidFill>
+                  <a:srgbClr val="000080"/>
+                </a:solidFill>
+                <a:latin typeface="Courier New" panose="02070309020205020404" pitchFamily="49" charset="0"/>
+                <a:cs typeface="Times New Roman" panose="02020603050405020304" pitchFamily="18" charset="0"/>
+              </a:rPr>
+              <a:t>.</a:t>
+            </a:r>
+            <a:r>
+              <a:rPr lang="zh-TW" altLang="zh-TW" sz="1400" kern="0" dirty="0">
+                <a:solidFill>
+                  <a:srgbClr val="000000"/>
+                </a:solidFill>
+                <a:latin typeface="Courier New" panose="02070309020205020404" pitchFamily="49" charset="0"/>
+                <a:cs typeface="Courier New" panose="02070309020205020404" pitchFamily="49" charset="0"/>
+              </a:rPr>
+              <a:t>樣本格式</a:t>
+            </a:r>
+            <a:r>
+              <a:rPr lang="en-US" altLang="zh-TW" sz="1400" b="1" kern="0" dirty="0">
+                <a:solidFill>
+                  <a:srgbClr val="000080"/>
+                </a:solidFill>
+                <a:latin typeface="Courier New" panose="02070309020205020404" pitchFamily="49" charset="0"/>
+                <a:cs typeface="Times New Roman" panose="02020603050405020304" pitchFamily="18" charset="0"/>
+              </a:rPr>
+              <a:t>=</a:t>
+            </a:r>
+            <a:r>
+              <a:rPr lang="en-US" altLang="zh-TW" sz="1400" kern="0" dirty="0">
+                <a:solidFill>
+                  <a:srgbClr val="000000"/>
+                </a:solidFill>
+                <a:latin typeface="Courier New" panose="02070309020205020404" pitchFamily="49" charset="0"/>
+                <a:cs typeface="Times New Roman" panose="02020603050405020304" pitchFamily="18" charset="0"/>
+              </a:rPr>
+              <a:t> pyaudio</a:t>
+            </a:r>
+            <a:r>
+              <a:rPr lang="en-US" altLang="zh-TW" sz="1400" b="1" kern="0" dirty="0">
+                <a:solidFill>
+                  <a:srgbClr val="000080"/>
+                </a:solidFill>
+                <a:latin typeface="Courier New" panose="02070309020205020404" pitchFamily="49" charset="0"/>
+                <a:cs typeface="Times New Roman" panose="02020603050405020304" pitchFamily="18" charset="0"/>
+              </a:rPr>
+              <a:t>.</a:t>
+            </a:r>
+            <a:r>
+              <a:rPr lang="en-US" altLang="zh-TW" sz="1400" kern="0" dirty="0">
+                <a:solidFill>
+                  <a:srgbClr val="000000"/>
+                </a:solidFill>
+                <a:latin typeface="Courier New" panose="02070309020205020404" pitchFamily="49" charset="0"/>
+                <a:cs typeface="Times New Roman" panose="02020603050405020304" pitchFamily="18" charset="0"/>
+              </a:rPr>
+              <a:t>paInt16</a:t>
+            </a:r>
+            <a:endParaRPr lang="zh-TW" altLang="zh-TW" sz="1400" kern="100" dirty="0">
+              <a:latin typeface="Calibri" panose="020F0502020204030204" pitchFamily="34" charset="0"/>
+              <a:cs typeface="Times New Roman" panose="02020603050405020304" pitchFamily="18" charset="0"/>
+            </a:endParaRPr>
+          </a:p>
+          <a:p>
+            <a:pPr>
+              <a:spcAft>
+                <a:spcPts val="0"/>
+              </a:spcAft>
+            </a:pPr>
+            <a:r>
+              <a:rPr lang="en-US" altLang="zh-TW" sz="1400" kern="0" dirty="0">
+                <a:solidFill>
+                  <a:srgbClr val="000000"/>
+                </a:solidFill>
+                <a:latin typeface="Courier New" panose="02070309020205020404" pitchFamily="49" charset="0"/>
+                <a:cs typeface="Times New Roman" panose="02020603050405020304" pitchFamily="18" charset="0"/>
+              </a:rPr>
+              <a:t>        self</a:t>
+            </a:r>
+            <a:r>
+              <a:rPr lang="en-US" altLang="zh-TW" sz="1400" b="1" kern="0" dirty="0">
+                <a:solidFill>
+                  <a:srgbClr val="000080"/>
+                </a:solidFill>
+                <a:latin typeface="Courier New" panose="02070309020205020404" pitchFamily="49" charset="0"/>
+                <a:cs typeface="Times New Roman" panose="02020603050405020304" pitchFamily="18" charset="0"/>
+              </a:rPr>
+              <a:t>.</a:t>
+            </a:r>
+            <a:r>
+              <a:rPr lang="zh-TW" altLang="zh-TW" sz="1400" kern="0" dirty="0">
+                <a:solidFill>
+                  <a:srgbClr val="000000"/>
+                </a:solidFill>
+                <a:latin typeface="Courier New" panose="02070309020205020404" pitchFamily="49" charset="0"/>
+                <a:cs typeface="Courier New" panose="02070309020205020404" pitchFamily="49" charset="0"/>
+              </a:rPr>
+              <a:t>樣本寬</a:t>
+            </a:r>
+            <a:r>
+              <a:rPr lang="en-US" altLang="zh-TW" sz="1400" b="1" kern="0" dirty="0">
+                <a:solidFill>
+                  <a:srgbClr val="000080"/>
+                </a:solidFill>
+                <a:latin typeface="Courier New" panose="02070309020205020404" pitchFamily="49" charset="0"/>
+                <a:cs typeface="Times New Roman" panose="02020603050405020304" pitchFamily="18" charset="0"/>
+              </a:rPr>
+              <a:t>=</a:t>
+            </a:r>
+            <a:r>
+              <a:rPr lang="en-US" altLang="zh-TW" sz="1400" kern="0" dirty="0">
+                <a:solidFill>
+                  <a:srgbClr val="000000"/>
+                </a:solidFill>
+                <a:latin typeface="Courier New" panose="02070309020205020404" pitchFamily="49" charset="0"/>
+                <a:cs typeface="Times New Roman" panose="02020603050405020304" pitchFamily="18" charset="0"/>
+              </a:rPr>
+              <a:t>   self</a:t>
+            </a:r>
+            <a:r>
+              <a:rPr lang="en-US" altLang="zh-TW" sz="1400" b="1" kern="0" dirty="0">
+                <a:solidFill>
+                  <a:srgbClr val="000080"/>
+                </a:solidFill>
+                <a:latin typeface="Courier New" panose="02070309020205020404" pitchFamily="49" charset="0"/>
+                <a:cs typeface="Times New Roman" panose="02020603050405020304" pitchFamily="18" charset="0"/>
+              </a:rPr>
+              <a:t>.</a:t>
+            </a:r>
+            <a:r>
+              <a:rPr lang="zh-TW" altLang="zh-TW" sz="1400" kern="0" dirty="0">
+                <a:solidFill>
+                  <a:srgbClr val="000000"/>
+                </a:solidFill>
+                <a:latin typeface="Courier New" panose="02070309020205020404" pitchFamily="49" charset="0"/>
+                <a:cs typeface="Courier New" panose="02070309020205020404" pitchFamily="49" charset="0"/>
+              </a:rPr>
+              <a:t>音</a:t>
+            </a:r>
+            <a:r>
+              <a:rPr lang="en-US" altLang="zh-TW" sz="1400" b="1" kern="0" dirty="0">
+                <a:solidFill>
+                  <a:srgbClr val="000080"/>
+                </a:solidFill>
+                <a:latin typeface="Courier New" panose="02070309020205020404" pitchFamily="49" charset="0"/>
+                <a:cs typeface="Times New Roman" panose="02020603050405020304" pitchFamily="18" charset="0"/>
+              </a:rPr>
+              <a:t>.</a:t>
+            </a:r>
+            <a:r>
+              <a:rPr lang="en-US" altLang="zh-TW" sz="1400" kern="0" dirty="0" err="1">
+                <a:solidFill>
+                  <a:srgbClr val="000000"/>
+                </a:solidFill>
+                <a:latin typeface="Courier New" panose="02070309020205020404" pitchFamily="49" charset="0"/>
+                <a:cs typeface="Times New Roman" panose="02020603050405020304" pitchFamily="18" charset="0"/>
+              </a:rPr>
+              <a:t>get_sample_size</a:t>
+            </a:r>
+            <a:r>
+              <a:rPr lang="en-US" altLang="zh-TW" sz="1400" b="1" kern="0" dirty="0">
+                <a:solidFill>
+                  <a:srgbClr val="000080"/>
+                </a:solidFill>
+                <a:latin typeface="Courier New" panose="02070309020205020404" pitchFamily="49" charset="0"/>
+                <a:cs typeface="Times New Roman" panose="02020603050405020304" pitchFamily="18" charset="0"/>
+              </a:rPr>
+              <a:t>(</a:t>
+            </a:r>
+            <a:r>
+              <a:rPr lang="en-US" altLang="zh-TW" sz="1400" kern="0" dirty="0">
+                <a:solidFill>
+                  <a:srgbClr val="000000"/>
+                </a:solidFill>
+                <a:latin typeface="Courier New" panose="02070309020205020404" pitchFamily="49" charset="0"/>
+                <a:cs typeface="Times New Roman" panose="02020603050405020304" pitchFamily="18" charset="0"/>
               </a:rPr>
               <a:t>self</a:t>
             </a:r>
             <a:r>
-              <a:rPr lang="en-US" altLang="zh-TW" sz="2400" b="1" dirty="0">
-                <a:solidFill>
-                  <a:srgbClr val="000080"/>
-                </a:solidFill>
-                <a:latin typeface="Courier New" panose="02070309020205020404" pitchFamily="49" charset="0"/>
+              <a:rPr lang="en-US" altLang="zh-TW" sz="1400" b="1" kern="0" dirty="0">
+                <a:solidFill>
+                  <a:srgbClr val="000080"/>
+                </a:solidFill>
+                <a:latin typeface="Courier New" panose="02070309020205020404" pitchFamily="49" charset="0"/>
+                <a:cs typeface="Times New Roman" panose="02020603050405020304" pitchFamily="18" charset="0"/>
               </a:rPr>
               <a:t>.</a:t>
             </a:r>
             <a:r>
-              <a:rPr lang="zh-TW" altLang="en-US" sz="2400" dirty="0">
-                <a:solidFill>
-                  <a:srgbClr val="000000"/>
-                </a:solidFill>
-                <a:latin typeface="Courier New" panose="02070309020205020404" pitchFamily="49" charset="0"/>
-              </a:rPr>
-              <a:t>錄音線</a:t>
-            </a:r>
-            <a:r>
-              <a:rPr lang="en-US" altLang="zh-TW" sz="2400" b="1" dirty="0">
-                <a:solidFill>
-                  <a:srgbClr val="000080"/>
-                </a:solidFill>
-                <a:latin typeface="Courier New" panose="02070309020205020404" pitchFamily="49" charset="0"/>
+              <a:rPr lang="zh-TW" altLang="zh-TW" sz="1400" kern="0" dirty="0">
+                <a:solidFill>
+                  <a:srgbClr val="000000"/>
+                </a:solidFill>
+                <a:latin typeface="Courier New" panose="02070309020205020404" pitchFamily="49" charset="0"/>
+                <a:cs typeface="Courier New" panose="02070309020205020404" pitchFamily="49" charset="0"/>
+              </a:rPr>
+              <a:t>樣本格式</a:t>
+            </a:r>
+            <a:r>
+              <a:rPr lang="en-US" altLang="zh-TW" sz="1400" b="1" kern="0" dirty="0">
+                <a:solidFill>
+                  <a:srgbClr val="000080"/>
+                </a:solidFill>
+                <a:latin typeface="Courier New" panose="02070309020205020404" pitchFamily="49" charset="0"/>
+                <a:cs typeface="Times New Roman" panose="02020603050405020304" pitchFamily="18" charset="0"/>
+              </a:rPr>
+              <a:t>)</a:t>
+            </a:r>
+            <a:endParaRPr lang="zh-TW" altLang="zh-TW" sz="1400" kern="100" dirty="0">
+              <a:latin typeface="Calibri" panose="020F0502020204030204" pitchFamily="34" charset="0"/>
+              <a:cs typeface="Times New Roman" panose="02020603050405020304" pitchFamily="18" charset="0"/>
+            </a:endParaRPr>
+          </a:p>
+          <a:p>
+            <a:pPr>
+              <a:spcAft>
+                <a:spcPts val="0"/>
+              </a:spcAft>
+            </a:pPr>
+            <a:r>
+              <a:rPr lang="en-US" altLang="zh-TW" sz="1400" kern="0" dirty="0">
+                <a:solidFill>
+                  <a:srgbClr val="000000"/>
+                </a:solidFill>
+                <a:latin typeface="Courier New" panose="02070309020205020404" pitchFamily="49" charset="0"/>
+                <a:cs typeface="Times New Roman" panose="02020603050405020304" pitchFamily="18" charset="0"/>
+              </a:rPr>
+              <a:t> </a:t>
+            </a:r>
+            <a:endParaRPr lang="zh-TW" altLang="zh-TW" sz="1400" kern="100" dirty="0">
+              <a:latin typeface="Calibri" panose="020F0502020204030204" pitchFamily="34" charset="0"/>
+              <a:cs typeface="Times New Roman" panose="02020603050405020304" pitchFamily="18" charset="0"/>
+            </a:endParaRPr>
+          </a:p>
+          <a:p>
+            <a:pPr>
+              <a:spcAft>
+                <a:spcPts val="0"/>
+              </a:spcAft>
+            </a:pPr>
+            <a:r>
+              <a:rPr lang="en-US" altLang="zh-TW" sz="1400" kern="0" dirty="0">
+                <a:solidFill>
+                  <a:srgbClr val="000000"/>
+                </a:solidFill>
+                <a:latin typeface="Courier New" panose="02070309020205020404" pitchFamily="49" charset="0"/>
+                <a:cs typeface="Times New Roman" panose="02020603050405020304" pitchFamily="18" charset="0"/>
+              </a:rPr>
+              <a:t>        self</a:t>
+            </a:r>
+            <a:r>
+              <a:rPr lang="en-US" altLang="zh-TW" sz="1400" b="1" kern="0" dirty="0">
+                <a:solidFill>
+                  <a:srgbClr val="000080"/>
+                </a:solidFill>
+                <a:latin typeface="Courier New" panose="02070309020205020404" pitchFamily="49" charset="0"/>
+                <a:cs typeface="Times New Roman" panose="02020603050405020304" pitchFamily="18" charset="0"/>
               </a:rPr>
               <a:t>.</a:t>
             </a:r>
             <a:r>
-              <a:rPr lang="en-US" altLang="zh-TW" sz="2400" dirty="0">
-                <a:solidFill>
-                  <a:srgbClr val="000000"/>
-                </a:solidFill>
-                <a:latin typeface="Courier New" panose="02070309020205020404" pitchFamily="49" charset="0"/>
-              </a:rPr>
-              <a:t>start</a:t>
-            </a:r>
-            <a:r>
-              <a:rPr lang="en-US" altLang="zh-TW" sz="2400" b="1" dirty="0" smtClean="0">
-                <a:solidFill>
-                  <a:srgbClr val="000080"/>
-                </a:solidFill>
-                <a:latin typeface="Courier New" panose="02070309020205020404" pitchFamily="49" charset="0"/>
-              </a:rPr>
-              <a:t>()    # </a:t>
-            </a:r>
-            <a:r>
-              <a:rPr lang="en-US" altLang="zh-TW" sz="2400" b="1" dirty="0" err="1" smtClean="0">
-                <a:solidFill>
-                  <a:srgbClr val="000080"/>
-                </a:solidFill>
-                <a:latin typeface="Courier New" panose="02070309020205020404" pitchFamily="49" charset="0"/>
-              </a:rPr>
-              <a:t>recording_Thread</a:t>
-            </a:r>
-            <a:r>
-              <a:rPr lang="en-US" altLang="zh-TW" sz="2400" dirty="0" smtClean="0">
-                <a:solidFill>
-                  <a:srgbClr val="000000"/>
-                </a:solidFill>
-                <a:latin typeface="Courier New" panose="02070309020205020404" pitchFamily="49" charset="0"/>
+              <a:rPr lang="zh-TW" altLang="zh-TW" sz="1400" kern="0" dirty="0">
+                <a:solidFill>
+                  <a:srgbClr val="000000"/>
+                </a:solidFill>
+                <a:latin typeface="Courier New" panose="02070309020205020404" pitchFamily="49" charset="0"/>
+                <a:cs typeface="Courier New" panose="02070309020205020404" pitchFamily="49" charset="0"/>
+              </a:rPr>
+              <a:t>通道數</a:t>
+            </a:r>
+            <a:r>
+              <a:rPr lang="en-US" altLang="zh-TW" sz="1400" b="1" kern="0" dirty="0">
+                <a:solidFill>
+                  <a:srgbClr val="000080"/>
+                </a:solidFill>
+                <a:latin typeface="Courier New" panose="02070309020205020404" pitchFamily="49" charset="0"/>
+                <a:cs typeface="Times New Roman" panose="02020603050405020304" pitchFamily="18" charset="0"/>
+              </a:rPr>
+              <a:t>=</a:t>
+            </a:r>
+            <a:r>
+              <a:rPr lang="en-US" altLang="zh-TW" sz="1400" kern="0" dirty="0">
+                <a:solidFill>
+                  <a:srgbClr val="000000"/>
+                </a:solidFill>
+                <a:latin typeface="Courier New" panose="02070309020205020404" pitchFamily="49" charset="0"/>
+                <a:cs typeface="Times New Roman" panose="02020603050405020304" pitchFamily="18" charset="0"/>
               </a:rPr>
               <a:t> </a:t>
             </a:r>
-          </a:p>
-          <a:p>
-            <a:pPr lvl="1"/>
-            <a:r>
-              <a:rPr lang="en-US" altLang="zh-TW" sz="2400" dirty="0">
-                <a:solidFill>
-                  <a:srgbClr val="000000"/>
-                </a:solidFill>
-                <a:latin typeface="Courier New" panose="02070309020205020404" pitchFamily="49" charset="0"/>
-              </a:rPr>
-              <a:t>	</a:t>
-            </a:r>
-            <a:r>
-              <a:rPr lang="en-US" altLang="zh-TW" sz="2400" dirty="0" smtClean="0">
-                <a:solidFill>
-                  <a:srgbClr val="000000"/>
-                </a:solidFill>
-                <a:latin typeface="Courier New" panose="02070309020205020404" pitchFamily="49" charset="0"/>
+            <a:r>
+              <a:rPr lang="en-US" altLang="zh-TW" sz="1400" kern="0" dirty="0">
+                <a:solidFill>
+                  <a:srgbClr val="FF0000"/>
+                </a:solidFill>
+                <a:latin typeface="Courier New" panose="02070309020205020404" pitchFamily="49" charset="0"/>
+                <a:cs typeface="Times New Roman" panose="02020603050405020304" pitchFamily="18" charset="0"/>
+              </a:rPr>
+              <a:t>1</a:t>
+            </a:r>
+            <a:r>
+              <a:rPr lang="en-US" altLang="zh-TW" sz="1400" kern="0" dirty="0">
+                <a:solidFill>
+                  <a:srgbClr val="000000"/>
+                </a:solidFill>
+                <a:latin typeface="Courier New" panose="02070309020205020404" pitchFamily="49" charset="0"/>
+                <a:cs typeface="Times New Roman" panose="02020603050405020304" pitchFamily="18" charset="0"/>
+              </a:rPr>
+              <a:t>     </a:t>
+            </a:r>
+            <a:r>
+              <a:rPr lang="en-US" altLang="zh-TW" sz="1400" kern="0" dirty="0">
+                <a:solidFill>
+                  <a:srgbClr val="008000"/>
+                </a:solidFill>
+                <a:latin typeface="Courier New" panose="02070309020205020404" pitchFamily="49" charset="0"/>
+                <a:cs typeface="Times New Roman" panose="02020603050405020304" pitchFamily="18" charset="0"/>
+              </a:rPr>
+              <a:t># </a:t>
+            </a:r>
+            <a:r>
+              <a:rPr lang="zh-TW" altLang="zh-TW" sz="1400" kern="0" dirty="0">
+                <a:solidFill>
+                  <a:srgbClr val="008000"/>
+                </a:solidFill>
+                <a:latin typeface="Courier New" panose="02070309020205020404" pitchFamily="49" charset="0"/>
+                <a:cs typeface="Courier New" panose="02070309020205020404" pitchFamily="49" charset="0"/>
+              </a:rPr>
+              <a:t>道</a:t>
+            </a:r>
+            <a:endParaRPr lang="zh-TW" altLang="zh-TW" sz="1400" kern="100" dirty="0">
+              <a:latin typeface="Calibri" panose="020F0502020204030204" pitchFamily="34" charset="0"/>
+              <a:cs typeface="Times New Roman" panose="02020603050405020304" pitchFamily="18" charset="0"/>
+            </a:endParaRPr>
+          </a:p>
+          <a:p>
+            <a:pPr>
+              <a:spcAft>
+                <a:spcPts val="0"/>
+              </a:spcAft>
+            </a:pPr>
+            <a:r>
+              <a:rPr lang="en-US" altLang="zh-TW" sz="1400" kern="0" dirty="0">
+                <a:solidFill>
+                  <a:srgbClr val="000000"/>
+                </a:solidFill>
+                <a:latin typeface="Courier New" panose="02070309020205020404" pitchFamily="49" charset="0"/>
+                <a:cs typeface="Times New Roman" panose="02020603050405020304" pitchFamily="18" charset="0"/>
+              </a:rPr>
+              <a:t>        self</a:t>
+            </a:r>
+            <a:r>
+              <a:rPr lang="en-US" altLang="zh-TW" sz="1400" b="1" kern="0" dirty="0">
+                <a:solidFill>
+                  <a:srgbClr val="000080"/>
+                </a:solidFill>
+                <a:latin typeface="Courier New" panose="02070309020205020404" pitchFamily="49" charset="0"/>
+                <a:cs typeface="Times New Roman" panose="02020603050405020304" pitchFamily="18" charset="0"/>
+              </a:rPr>
+              <a:t>.</a:t>
+            </a:r>
+            <a:r>
+              <a:rPr lang="zh-TW" altLang="zh-TW" sz="1400" kern="0" dirty="0">
+                <a:solidFill>
+                  <a:srgbClr val="000000"/>
+                </a:solidFill>
+                <a:latin typeface="Courier New" panose="02070309020205020404" pitchFamily="49" charset="0"/>
+                <a:cs typeface="Courier New" panose="02070309020205020404" pitchFamily="49" charset="0"/>
+              </a:rPr>
+              <a:t>取樣率</a:t>
+            </a:r>
+            <a:r>
+              <a:rPr lang="en-US" altLang="zh-TW" sz="1400" b="1" kern="0" dirty="0">
+                <a:solidFill>
+                  <a:srgbClr val="000080"/>
+                </a:solidFill>
+                <a:latin typeface="Courier New" panose="02070309020205020404" pitchFamily="49" charset="0"/>
+                <a:cs typeface="Times New Roman" panose="02020603050405020304" pitchFamily="18" charset="0"/>
+              </a:rPr>
+              <a:t>=</a:t>
+            </a:r>
+            <a:r>
+              <a:rPr lang="en-US" altLang="zh-TW" sz="1400" kern="0" dirty="0">
+                <a:solidFill>
+                  <a:srgbClr val="000000"/>
+                </a:solidFill>
+                <a:latin typeface="Courier New" panose="02070309020205020404" pitchFamily="49" charset="0"/>
+                <a:cs typeface="Times New Roman" panose="02020603050405020304" pitchFamily="18" charset="0"/>
+              </a:rPr>
+              <a:t> </a:t>
+            </a:r>
+            <a:r>
+              <a:rPr lang="en-US" altLang="zh-TW" sz="1400" kern="0" dirty="0">
+                <a:solidFill>
+                  <a:srgbClr val="FF0000"/>
+                </a:solidFill>
+                <a:latin typeface="Courier New" panose="02070309020205020404" pitchFamily="49" charset="0"/>
+                <a:cs typeface="Times New Roman" panose="02020603050405020304" pitchFamily="18" charset="0"/>
+              </a:rPr>
+              <a:t>16000</a:t>
+            </a:r>
+            <a:r>
+              <a:rPr lang="en-US" altLang="zh-TW" sz="1400" kern="0" dirty="0">
+                <a:solidFill>
+                  <a:srgbClr val="000000"/>
+                </a:solidFill>
+                <a:latin typeface="Courier New" panose="02070309020205020404" pitchFamily="49" charset="0"/>
+                <a:cs typeface="Times New Roman" panose="02020603050405020304" pitchFamily="18" charset="0"/>
+              </a:rPr>
+              <a:t> </a:t>
+            </a:r>
+            <a:r>
+              <a:rPr lang="en-US" altLang="zh-TW" sz="1400" kern="0" dirty="0">
+                <a:solidFill>
+                  <a:srgbClr val="008000"/>
+                </a:solidFill>
+                <a:latin typeface="Courier New" panose="02070309020205020404" pitchFamily="49" charset="0"/>
+                <a:cs typeface="Times New Roman" panose="02020603050405020304" pitchFamily="18" charset="0"/>
+              </a:rPr>
+              <a:t># </a:t>
+            </a:r>
+            <a:r>
+              <a:rPr lang="zh-TW" altLang="zh-TW" sz="1400" kern="0" dirty="0">
+                <a:solidFill>
+                  <a:srgbClr val="008000"/>
+                </a:solidFill>
+                <a:latin typeface="Courier New" panose="02070309020205020404" pitchFamily="49" charset="0"/>
+                <a:cs typeface="Courier New" panose="02070309020205020404" pitchFamily="49" charset="0"/>
+              </a:rPr>
+              <a:t>點</a:t>
+            </a:r>
+            <a:r>
+              <a:rPr lang="en-US" altLang="zh-TW" sz="1400" kern="0" dirty="0">
+                <a:solidFill>
+                  <a:srgbClr val="008000"/>
+                </a:solidFill>
+                <a:latin typeface="Courier New" panose="02070309020205020404" pitchFamily="49" charset="0"/>
+                <a:cs typeface="Times New Roman" panose="02020603050405020304" pitchFamily="18" charset="0"/>
+              </a:rPr>
+              <a:t>/</a:t>
+            </a:r>
+            <a:r>
+              <a:rPr lang="zh-TW" altLang="zh-TW" sz="1400" kern="0" dirty="0">
+                <a:solidFill>
+                  <a:srgbClr val="008000"/>
+                </a:solidFill>
+                <a:latin typeface="Courier New" panose="02070309020205020404" pitchFamily="49" charset="0"/>
+                <a:cs typeface="Courier New" panose="02070309020205020404" pitchFamily="49" charset="0"/>
+              </a:rPr>
+              <a:t>秒</a:t>
+            </a:r>
+            <a:endParaRPr lang="zh-TW" altLang="zh-TW" sz="1400" kern="100" dirty="0">
+              <a:latin typeface="Calibri" panose="020F0502020204030204" pitchFamily="34" charset="0"/>
+              <a:cs typeface="Times New Roman" panose="02020603050405020304" pitchFamily="18" charset="0"/>
+            </a:endParaRPr>
+          </a:p>
+          <a:p>
+            <a:pPr>
+              <a:spcAft>
+                <a:spcPts val="0"/>
+              </a:spcAft>
+            </a:pPr>
+            <a:r>
+              <a:rPr lang="en-US" altLang="zh-TW" sz="1400" kern="0" dirty="0">
+                <a:solidFill>
+                  <a:srgbClr val="000000"/>
+                </a:solidFill>
+                <a:latin typeface="Courier New" panose="02070309020205020404" pitchFamily="49" charset="0"/>
+                <a:cs typeface="Times New Roman" panose="02020603050405020304" pitchFamily="18" charset="0"/>
+              </a:rPr>
+              <a:t> </a:t>
+            </a:r>
+            <a:endParaRPr lang="zh-TW" altLang="zh-TW" sz="1400" kern="100" dirty="0">
+              <a:latin typeface="Calibri" panose="020F0502020204030204" pitchFamily="34" charset="0"/>
+              <a:cs typeface="Times New Roman" panose="02020603050405020304" pitchFamily="18" charset="0"/>
+            </a:endParaRPr>
+          </a:p>
+          <a:p>
+            <a:pPr>
+              <a:spcAft>
+                <a:spcPts val="0"/>
+              </a:spcAft>
+            </a:pPr>
+            <a:r>
+              <a:rPr lang="en-US" altLang="zh-TW" sz="1400" kern="0" dirty="0">
+                <a:solidFill>
+                  <a:srgbClr val="000000"/>
+                </a:solidFill>
+                <a:latin typeface="Courier New" panose="02070309020205020404" pitchFamily="49" charset="0"/>
+                <a:cs typeface="Times New Roman" panose="02020603050405020304" pitchFamily="18" charset="0"/>
+              </a:rPr>
+              <a:t>        self</a:t>
+            </a:r>
+            <a:r>
+              <a:rPr lang="en-US" altLang="zh-TW" sz="1400" b="1" kern="0" dirty="0">
+                <a:solidFill>
+                  <a:srgbClr val="000080"/>
+                </a:solidFill>
+                <a:latin typeface="Courier New" panose="02070309020205020404" pitchFamily="49" charset="0"/>
+                <a:cs typeface="Times New Roman" panose="02020603050405020304" pitchFamily="18" charset="0"/>
+              </a:rPr>
+              <a:t>.</a:t>
+            </a:r>
+            <a:r>
+              <a:rPr lang="zh-TW" altLang="zh-TW" sz="1400" kern="0" dirty="0">
+                <a:solidFill>
+                  <a:srgbClr val="000000"/>
+                </a:solidFill>
+                <a:latin typeface="Courier New" panose="02070309020205020404" pitchFamily="49" charset="0"/>
+                <a:cs typeface="Courier New" panose="02070309020205020404" pitchFamily="49" charset="0"/>
+              </a:rPr>
+              <a:t>框長</a:t>
+            </a:r>
+            <a:r>
+              <a:rPr lang="en-US" altLang="zh-TW" sz="1400" b="1" kern="0" dirty="0">
+                <a:solidFill>
+                  <a:srgbClr val="000080"/>
+                </a:solidFill>
+                <a:latin typeface="Courier New" panose="02070309020205020404" pitchFamily="49" charset="0"/>
+                <a:cs typeface="Times New Roman" panose="02020603050405020304" pitchFamily="18" charset="0"/>
+              </a:rPr>
+              <a:t>=</a:t>
+            </a:r>
+            <a:r>
+              <a:rPr lang="en-US" altLang="zh-TW" sz="1400" kern="0" dirty="0">
+                <a:solidFill>
+                  <a:srgbClr val="000000"/>
+                </a:solidFill>
+                <a:latin typeface="Courier New" panose="02070309020205020404" pitchFamily="49" charset="0"/>
+                <a:cs typeface="Times New Roman" panose="02020603050405020304" pitchFamily="18" charset="0"/>
+              </a:rPr>
+              <a:t>   </a:t>
+            </a:r>
+            <a:r>
+              <a:rPr lang="en-US" altLang="zh-TW" sz="1400" kern="0" dirty="0">
+                <a:solidFill>
+                  <a:srgbClr val="FF0000"/>
+                </a:solidFill>
+                <a:latin typeface="Courier New" panose="02070309020205020404" pitchFamily="49" charset="0"/>
+                <a:cs typeface="Times New Roman" panose="02020603050405020304" pitchFamily="18" charset="0"/>
+              </a:rPr>
+              <a:t>256</a:t>
+            </a:r>
+            <a:r>
+              <a:rPr lang="en-US" altLang="zh-TW" sz="1400" kern="0" dirty="0">
+                <a:solidFill>
+                  <a:srgbClr val="000000"/>
+                </a:solidFill>
+                <a:latin typeface="Courier New" panose="02070309020205020404" pitchFamily="49" charset="0"/>
+                <a:cs typeface="Times New Roman" panose="02020603050405020304" pitchFamily="18" charset="0"/>
+              </a:rPr>
+              <a:t>   </a:t>
+            </a:r>
+            <a:r>
+              <a:rPr lang="en-US" altLang="zh-TW" sz="1400" kern="0" dirty="0">
+                <a:solidFill>
+                  <a:srgbClr val="008000"/>
+                </a:solidFill>
+                <a:latin typeface="Courier New" panose="02070309020205020404" pitchFamily="49" charset="0"/>
+                <a:cs typeface="Times New Roman" panose="02020603050405020304" pitchFamily="18" charset="0"/>
+              </a:rPr>
+              <a:t># </a:t>
+            </a:r>
+            <a:r>
+              <a:rPr lang="zh-TW" altLang="zh-TW" sz="1400" kern="0" dirty="0">
+                <a:solidFill>
+                  <a:srgbClr val="008000"/>
+                </a:solidFill>
+                <a:latin typeface="Courier New" panose="02070309020205020404" pitchFamily="49" charset="0"/>
+                <a:cs typeface="Courier New" panose="02070309020205020404" pitchFamily="49" charset="0"/>
+              </a:rPr>
+              <a:t>點</a:t>
+            </a:r>
+            <a:r>
+              <a:rPr lang="en-US" altLang="zh-TW" sz="1400" kern="0" dirty="0">
+                <a:solidFill>
+                  <a:srgbClr val="008000"/>
+                </a:solidFill>
+                <a:latin typeface="Courier New" panose="02070309020205020404" pitchFamily="49" charset="0"/>
+                <a:cs typeface="Times New Roman" panose="02020603050405020304" pitchFamily="18" charset="0"/>
+              </a:rPr>
+              <a:t>/</a:t>
+            </a:r>
+            <a:r>
+              <a:rPr lang="zh-TW" altLang="zh-TW" sz="1400" kern="0" dirty="0">
+                <a:solidFill>
+                  <a:srgbClr val="008000"/>
+                </a:solidFill>
+                <a:latin typeface="Courier New" panose="02070309020205020404" pitchFamily="49" charset="0"/>
+                <a:cs typeface="Courier New" panose="02070309020205020404" pitchFamily="49" charset="0"/>
+              </a:rPr>
+              <a:t>框</a:t>
+            </a:r>
+            <a:endParaRPr lang="zh-TW" altLang="zh-TW" sz="1400" kern="100" dirty="0">
+              <a:latin typeface="Calibri" panose="020F0502020204030204" pitchFamily="34" charset="0"/>
+              <a:cs typeface="Times New Roman" panose="02020603050405020304" pitchFamily="18" charset="0"/>
+            </a:endParaRPr>
+          </a:p>
+          <a:p>
+            <a:pPr>
+              <a:spcAft>
+                <a:spcPts val="0"/>
+              </a:spcAft>
+            </a:pPr>
+            <a:r>
+              <a:rPr lang="en-US" altLang="zh-TW" sz="1400" kern="0" dirty="0">
+                <a:solidFill>
+                  <a:srgbClr val="000000"/>
+                </a:solidFill>
+                <a:latin typeface="Courier New" panose="02070309020205020404" pitchFamily="49" charset="0"/>
+                <a:cs typeface="Times New Roman" panose="02020603050405020304" pitchFamily="18" charset="0"/>
+              </a:rPr>
+              <a:t>        self</a:t>
+            </a:r>
+            <a:r>
+              <a:rPr lang="en-US" altLang="zh-TW" sz="1400" b="1" kern="0" dirty="0">
+                <a:solidFill>
+                  <a:srgbClr val="000080"/>
+                </a:solidFill>
+                <a:latin typeface="Courier New" panose="02070309020205020404" pitchFamily="49" charset="0"/>
+                <a:cs typeface="Times New Roman" panose="02020603050405020304" pitchFamily="18" charset="0"/>
+              </a:rPr>
+              <a:t>.</a:t>
+            </a:r>
+            <a:r>
+              <a:rPr lang="zh-TW" altLang="zh-TW" sz="1400" kern="0" dirty="0">
+                <a:solidFill>
+                  <a:srgbClr val="000000"/>
+                </a:solidFill>
+                <a:latin typeface="Courier New" panose="02070309020205020404" pitchFamily="49" charset="0"/>
+                <a:cs typeface="Courier New" panose="02070309020205020404" pitchFamily="49" charset="0"/>
+              </a:rPr>
+              <a:t>總秒數</a:t>
+            </a:r>
+            <a:r>
+              <a:rPr lang="en-US" altLang="zh-TW" sz="1400" b="1" kern="0" dirty="0">
+                <a:solidFill>
+                  <a:srgbClr val="000080"/>
+                </a:solidFill>
+                <a:latin typeface="Courier New" panose="02070309020205020404" pitchFamily="49" charset="0"/>
+                <a:cs typeface="Times New Roman" panose="02020603050405020304" pitchFamily="18" charset="0"/>
+              </a:rPr>
+              <a:t>=</a:t>
+            </a:r>
+            <a:r>
+              <a:rPr lang="en-US" altLang="zh-TW" sz="1400" kern="0" dirty="0">
+                <a:solidFill>
+                  <a:srgbClr val="000000"/>
+                </a:solidFill>
+                <a:latin typeface="Courier New" panose="02070309020205020404" pitchFamily="49" charset="0"/>
+                <a:cs typeface="Times New Roman" panose="02020603050405020304" pitchFamily="18" charset="0"/>
+              </a:rPr>
+              <a:t> </a:t>
+            </a:r>
+            <a:r>
+              <a:rPr lang="en-US" altLang="zh-TW" sz="1400" kern="0" dirty="0">
+                <a:solidFill>
+                  <a:srgbClr val="FF0000"/>
+                </a:solidFill>
+                <a:latin typeface="Courier New" panose="02070309020205020404" pitchFamily="49" charset="0"/>
+                <a:cs typeface="Times New Roman" panose="02020603050405020304" pitchFamily="18" charset="0"/>
+              </a:rPr>
+              <a:t>16</a:t>
+            </a:r>
+            <a:r>
+              <a:rPr lang="en-US" altLang="zh-TW" sz="1400" kern="0" dirty="0">
+                <a:solidFill>
+                  <a:srgbClr val="000000"/>
+                </a:solidFill>
+                <a:latin typeface="Courier New" panose="02070309020205020404" pitchFamily="49" charset="0"/>
+                <a:cs typeface="Times New Roman" panose="02020603050405020304" pitchFamily="18" charset="0"/>
+              </a:rPr>
+              <a:t>    </a:t>
+            </a:r>
+            <a:r>
+              <a:rPr lang="en-US" altLang="zh-TW" sz="1400" kern="0" dirty="0">
+                <a:solidFill>
+                  <a:srgbClr val="008000"/>
+                </a:solidFill>
+                <a:latin typeface="Courier New" panose="02070309020205020404" pitchFamily="49" charset="0"/>
+                <a:cs typeface="Times New Roman" panose="02020603050405020304" pitchFamily="18" charset="0"/>
+              </a:rPr>
+              <a:t># </a:t>
+            </a:r>
+            <a:r>
+              <a:rPr lang="zh-TW" altLang="zh-TW" sz="1400" kern="0" dirty="0">
+                <a:solidFill>
+                  <a:srgbClr val="008000"/>
+                </a:solidFill>
+                <a:latin typeface="Courier New" panose="02070309020205020404" pitchFamily="49" charset="0"/>
+                <a:cs typeface="Courier New" panose="02070309020205020404" pitchFamily="49" charset="0"/>
+              </a:rPr>
+              <a:t>秒</a:t>
+            </a:r>
+            <a:endParaRPr lang="zh-TW" altLang="zh-TW" sz="1400" kern="100" dirty="0">
+              <a:latin typeface="Calibri" panose="020F0502020204030204" pitchFamily="34" charset="0"/>
+              <a:cs typeface="Times New Roman" panose="02020603050405020304" pitchFamily="18" charset="0"/>
+            </a:endParaRPr>
+          </a:p>
+          <a:p>
+            <a:pPr>
+              <a:spcAft>
+                <a:spcPts val="0"/>
+              </a:spcAft>
+            </a:pPr>
+            <a:r>
+              <a:rPr lang="en-US" altLang="zh-TW" sz="1400" kern="0" dirty="0">
+                <a:solidFill>
+                  <a:srgbClr val="000000"/>
+                </a:solidFill>
+                <a:latin typeface="Courier New" panose="02070309020205020404" pitchFamily="49" charset="0"/>
+                <a:cs typeface="Times New Roman" panose="02020603050405020304" pitchFamily="18" charset="0"/>
+              </a:rPr>
+              <a:t>        </a:t>
+            </a:r>
+            <a:endParaRPr lang="zh-TW" altLang="zh-TW" sz="1400" kern="100" dirty="0">
+              <a:latin typeface="Calibri" panose="020F0502020204030204" pitchFamily="34" charset="0"/>
+              <a:cs typeface="Times New Roman" panose="02020603050405020304" pitchFamily="18" charset="0"/>
+            </a:endParaRPr>
+          </a:p>
+          <a:p>
+            <a:pPr>
+              <a:spcAft>
+                <a:spcPts val="0"/>
+              </a:spcAft>
+            </a:pPr>
+            <a:r>
+              <a:rPr lang="en-US" altLang="zh-TW" sz="1400" kern="0" dirty="0">
+                <a:solidFill>
+                  <a:srgbClr val="000000"/>
+                </a:solidFill>
+                <a:latin typeface="Courier New" panose="02070309020205020404" pitchFamily="49" charset="0"/>
+                <a:cs typeface="Times New Roman" panose="02020603050405020304" pitchFamily="18" charset="0"/>
+              </a:rPr>
+              <a:t>        self</a:t>
+            </a:r>
+            <a:r>
+              <a:rPr lang="en-US" altLang="zh-TW" sz="1400" b="1" kern="0" dirty="0">
+                <a:solidFill>
+                  <a:srgbClr val="000080"/>
+                </a:solidFill>
+                <a:latin typeface="Courier New" panose="02070309020205020404" pitchFamily="49" charset="0"/>
+                <a:cs typeface="Times New Roman" panose="02020603050405020304" pitchFamily="18" charset="0"/>
+              </a:rPr>
+              <a:t>.</a:t>
+            </a:r>
+            <a:r>
+              <a:rPr lang="zh-TW" altLang="zh-TW" sz="1400" kern="0" dirty="0">
+                <a:solidFill>
+                  <a:srgbClr val="000000"/>
+                </a:solidFill>
+                <a:latin typeface="Courier New" panose="02070309020205020404" pitchFamily="49" charset="0"/>
+                <a:cs typeface="Courier New" panose="02070309020205020404" pitchFamily="49" charset="0"/>
+              </a:rPr>
+              <a:t>流</a:t>
+            </a:r>
+            <a:r>
+              <a:rPr lang="en-US" altLang="zh-TW" sz="1400" b="1" kern="0" dirty="0">
+                <a:solidFill>
+                  <a:srgbClr val="000080"/>
+                </a:solidFill>
+                <a:latin typeface="Courier New" panose="02070309020205020404" pitchFamily="49" charset="0"/>
+                <a:cs typeface="Times New Roman" panose="02020603050405020304" pitchFamily="18" charset="0"/>
+              </a:rPr>
+              <a:t>=</a:t>
+            </a:r>
+            <a:r>
+              <a:rPr lang="en-US" altLang="zh-TW" sz="1400" kern="0" dirty="0">
+                <a:solidFill>
+                  <a:srgbClr val="000000"/>
+                </a:solidFill>
+                <a:latin typeface="Courier New" panose="02070309020205020404" pitchFamily="49" charset="0"/>
+                <a:cs typeface="Times New Roman" panose="02020603050405020304" pitchFamily="18" charset="0"/>
+              </a:rPr>
+              <a:t> self</a:t>
+            </a:r>
+            <a:r>
+              <a:rPr lang="en-US" altLang="zh-TW" sz="1400" b="1" kern="0" dirty="0">
+                <a:solidFill>
+                  <a:srgbClr val="000080"/>
+                </a:solidFill>
+                <a:latin typeface="Courier New" panose="02070309020205020404" pitchFamily="49" charset="0"/>
+                <a:cs typeface="Times New Roman" panose="02020603050405020304" pitchFamily="18" charset="0"/>
+              </a:rPr>
+              <a:t>.</a:t>
+            </a:r>
+            <a:r>
+              <a:rPr lang="zh-TW" altLang="zh-TW" sz="1400" kern="0" dirty="0">
+                <a:solidFill>
+                  <a:srgbClr val="000000"/>
+                </a:solidFill>
+                <a:latin typeface="Courier New" panose="02070309020205020404" pitchFamily="49" charset="0"/>
+                <a:cs typeface="Courier New" panose="02070309020205020404" pitchFamily="49" charset="0"/>
+              </a:rPr>
+              <a:t>音</a:t>
+            </a:r>
+            <a:r>
+              <a:rPr lang="en-US" altLang="zh-TW" sz="1400" b="1" kern="0" dirty="0">
+                <a:solidFill>
+                  <a:srgbClr val="000080"/>
+                </a:solidFill>
+                <a:latin typeface="Courier New" panose="02070309020205020404" pitchFamily="49" charset="0"/>
+                <a:cs typeface="Times New Roman" panose="02020603050405020304" pitchFamily="18" charset="0"/>
+              </a:rPr>
+              <a:t>.</a:t>
+            </a:r>
+            <a:r>
+              <a:rPr lang="en-US" altLang="zh-TW" sz="1400" kern="0" dirty="0">
+                <a:solidFill>
+                  <a:srgbClr val="000000"/>
+                </a:solidFill>
+                <a:latin typeface="Courier New" panose="02070309020205020404" pitchFamily="49" charset="0"/>
+                <a:cs typeface="Times New Roman" panose="02020603050405020304" pitchFamily="18" charset="0"/>
+              </a:rPr>
+              <a:t>open</a:t>
+            </a:r>
+            <a:r>
+              <a:rPr lang="en-US" altLang="zh-TW" sz="1400" b="1" kern="0" dirty="0">
+                <a:solidFill>
+                  <a:srgbClr val="000080"/>
+                </a:solidFill>
+                <a:latin typeface="Courier New" panose="02070309020205020404" pitchFamily="49" charset="0"/>
+                <a:cs typeface="Times New Roman" panose="02020603050405020304" pitchFamily="18" charset="0"/>
+              </a:rPr>
+              <a:t>(</a:t>
+            </a:r>
+            <a:endParaRPr lang="zh-TW" altLang="zh-TW" sz="1400" kern="100" dirty="0">
+              <a:latin typeface="Calibri" panose="020F0502020204030204" pitchFamily="34" charset="0"/>
+              <a:cs typeface="Times New Roman" panose="02020603050405020304" pitchFamily="18" charset="0"/>
+            </a:endParaRPr>
+          </a:p>
+          <a:p>
+            <a:pPr>
+              <a:spcAft>
+                <a:spcPts val="0"/>
+              </a:spcAft>
+            </a:pPr>
+            <a:r>
+              <a:rPr lang="en-US" altLang="zh-TW" sz="1400" kern="0" dirty="0">
+                <a:solidFill>
+                  <a:srgbClr val="000000"/>
+                </a:solidFill>
+                <a:latin typeface="Courier New" panose="02070309020205020404" pitchFamily="49" charset="0"/>
+                <a:cs typeface="Times New Roman" panose="02020603050405020304" pitchFamily="18" charset="0"/>
+              </a:rPr>
+              <a:t>                    format</a:t>
+            </a:r>
+            <a:r>
+              <a:rPr lang="en-US" altLang="zh-TW" sz="1400" b="1" kern="0" dirty="0">
+                <a:solidFill>
+                  <a:srgbClr val="000080"/>
+                </a:solidFill>
+                <a:latin typeface="Courier New" panose="02070309020205020404" pitchFamily="49" charset="0"/>
+                <a:cs typeface="Times New Roman" panose="02020603050405020304" pitchFamily="18" charset="0"/>
+              </a:rPr>
+              <a:t>=</a:t>
+            </a:r>
+            <a:r>
+              <a:rPr lang="en-US" altLang="zh-TW" sz="1400" kern="0" dirty="0">
+                <a:solidFill>
+                  <a:srgbClr val="000000"/>
+                </a:solidFill>
+                <a:latin typeface="Courier New" panose="02070309020205020404" pitchFamily="49" charset="0"/>
+                <a:cs typeface="Times New Roman" panose="02020603050405020304" pitchFamily="18" charset="0"/>
+              </a:rPr>
+              <a:t>   self</a:t>
+            </a:r>
+            <a:r>
+              <a:rPr lang="en-US" altLang="zh-TW" sz="1400" b="1" kern="0" dirty="0">
+                <a:solidFill>
+                  <a:srgbClr val="000080"/>
+                </a:solidFill>
+                <a:latin typeface="Courier New" panose="02070309020205020404" pitchFamily="49" charset="0"/>
+                <a:cs typeface="Times New Roman" panose="02020603050405020304" pitchFamily="18" charset="0"/>
+              </a:rPr>
+              <a:t>.</a:t>
+            </a:r>
+            <a:r>
+              <a:rPr lang="zh-TW" altLang="zh-TW" sz="1400" kern="0" dirty="0">
+                <a:solidFill>
+                  <a:srgbClr val="000000"/>
+                </a:solidFill>
+                <a:latin typeface="Courier New" panose="02070309020205020404" pitchFamily="49" charset="0"/>
+                <a:cs typeface="Courier New" panose="02070309020205020404" pitchFamily="49" charset="0"/>
+              </a:rPr>
+              <a:t>樣本格式</a:t>
+            </a:r>
+            <a:r>
+              <a:rPr lang="en-US" altLang="zh-TW" sz="1400" b="1" kern="0" dirty="0">
+                <a:solidFill>
+                  <a:srgbClr val="000080"/>
+                </a:solidFill>
+                <a:latin typeface="Courier New" panose="02070309020205020404" pitchFamily="49" charset="0"/>
+                <a:cs typeface="Times New Roman" panose="02020603050405020304" pitchFamily="18" charset="0"/>
+              </a:rPr>
+              <a:t>,</a:t>
+            </a:r>
+            <a:r>
+              <a:rPr lang="en-US" altLang="zh-TW" sz="1400" kern="0" dirty="0">
+                <a:solidFill>
+                  <a:srgbClr val="000000"/>
+                </a:solidFill>
+                <a:latin typeface="Courier New" panose="02070309020205020404" pitchFamily="49" charset="0"/>
+                <a:cs typeface="Times New Roman" panose="02020603050405020304" pitchFamily="18" charset="0"/>
+              </a:rPr>
+              <a:t> </a:t>
+            </a:r>
+            <a:endParaRPr lang="zh-TW" altLang="zh-TW" sz="1400" kern="100" dirty="0">
+              <a:latin typeface="Calibri" panose="020F0502020204030204" pitchFamily="34" charset="0"/>
+              <a:cs typeface="Times New Roman" panose="02020603050405020304" pitchFamily="18" charset="0"/>
+            </a:endParaRPr>
+          </a:p>
+          <a:p>
+            <a:pPr>
+              <a:spcAft>
+                <a:spcPts val="0"/>
+              </a:spcAft>
+            </a:pPr>
+            <a:r>
+              <a:rPr lang="en-US" altLang="zh-TW" sz="1400" kern="0" dirty="0">
+                <a:solidFill>
+                  <a:srgbClr val="000000"/>
+                </a:solidFill>
+                <a:latin typeface="Courier New" panose="02070309020205020404" pitchFamily="49" charset="0"/>
+                <a:cs typeface="Times New Roman" panose="02020603050405020304" pitchFamily="18" charset="0"/>
+              </a:rPr>
+              <a:t>                    channels</a:t>
+            </a:r>
+            <a:r>
+              <a:rPr lang="en-US" altLang="zh-TW" sz="1400" b="1" kern="0" dirty="0">
+                <a:solidFill>
+                  <a:srgbClr val="000080"/>
+                </a:solidFill>
+                <a:latin typeface="Courier New" panose="02070309020205020404" pitchFamily="49" charset="0"/>
+                <a:cs typeface="Times New Roman" panose="02020603050405020304" pitchFamily="18" charset="0"/>
+              </a:rPr>
+              <a:t>=</a:t>
+            </a:r>
+            <a:r>
+              <a:rPr lang="en-US" altLang="zh-TW" sz="1400" kern="0" dirty="0">
+                <a:solidFill>
+                  <a:srgbClr val="000000"/>
+                </a:solidFill>
+                <a:latin typeface="Courier New" panose="02070309020205020404" pitchFamily="49" charset="0"/>
+                <a:cs typeface="Times New Roman" panose="02020603050405020304" pitchFamily="18" charset="0"/>
+              </a:rPr>
+              <a:t> self</a:t>
+            </a:r>
+            <a:r>
+              <a:rPr lang="en-US" altLang="zh-TW" sz="1400" b="1" kern="0" dirty="0">
+                <a:solidFill>
+                  <a:srgbClr val="000080"/>
+                </a:solidFill>
+                <a:latin typeface="Courier New" panose="02070309020205020404" pitchFamily="49" charset="0"/>
+                <a:cs typeface="Times New Roman" panose="02020603050405020304" pitchFamily="18" charset="0"/>
+              </a:rPr>
+              <a:t>.</a:t>
+            </a:r>
+            <a:r>
+              <a:rPr lang="zh-TW" altLang="zh-TW" sz="1400" kern="0" dirty="0">
+                <a:solidFill>
+                  <a:srgbClr val="000000"/>
+                </a:solidFill>
+                <a:latin typeface="Courier New" panose="02070309020205020404" pitchFamily="49" charset="0"/>
+                <a:cs typeface="Courier New" panose="02070309020205020404" pitchFamily="49" charset="0"/>
+              </a:rPr>
+              <a:t>通道數</a:t>
+            </a:r>
+            <a:r>
+              <a:rPr lang="en-US" altLang="zh-TW" sz="1400" b="1" kern="0" dirty="0">
+                <a:solidFill>
+                  <a:srgbClr val="000080"/>
+                </a:solidFill>
+                <a:latin typeface="Courier New" panose="02070309020205020404" pitchFamily="49" charset="0"/>
+                <a:cs typeface="Times New Roman" panose="02020603050405020304" pitchFamily="18" charset="0"/>
+              </a:rPr>
+              <a:t>,</a:t>
+            </a:r>
+            <a:endParaRPr lang="zh-TW" altLang="zh-TW" sz="1400" kern="100" dirty="0">
+              <a:latin typeface="Calibri" panose="020F0502020204030204" pitchFamily="34" charset="0"/>
+              <a:cs typeface="Times New Roman" panose="02020603050405020304" pitchFamily="18" charset="0"/>
+            </a:endParaRPr>
+          </a:p>
+          <a:p>
+            <a:pPr>
+              <a:spcAft>
+                <a:spcPts val="0"/>
+              </a:spcAft>
+            </a:pPr>
+            <a:r>
+              <a:rPr lang="en-US" altLang="zh-TW" sz="1400" kern="0" dirty="0">
+                <a:solidFill>
+                  <a:srgbClr val="000000"/>
+                </a:solidFill>
+                <a:latin typeface="Courier New" panose="02070309020205020404" pitchFamily="49" charset="0"/>
+                <a:cs typeface="Times New Roman" panose="02020603050405020304" pitchFamily="18" charset="0"/>
+              </a:rPr>
+              <a:t>                    rate</a:t>
+            </a:r>
+            <a:r>
+              <a:rPr lang="en-US" altLang="zh-TW" sz="1400" b="1" kern="0" dirty="0">
+                <a:solidFill>
+                  <a:srgbClr val="000080"/>
+                </a:solidFill>
+                <a:latin typeface="Courier New" panose="02070309020205020404" pitchFamily="49" charset="0"/>
+                <a:cs typeface="Times New Roman" panose="02020603050405020304" pitchFamily="18" charset="0"/>
+              </a:rPr>
+              <a:t>=</a:t>
+            </a:r>
+            <a:r>
+              <a:rPr lang="en-US" altLang="zh-TW" sz="1400" kern="0" dirty="0">
+                <a:solidFill>
+                  <a:srgbClr val="000000"/>
+                </a:solidFill>
+                <a:latin typeface="Courier New" panose="02070309020205020404" pitchFamily="49" charset="0"/>
+                <a:cs typeface="Times New Roman" panose="02020603050405020304" pitchFamily="18" charset="0"/>
+              </a:rPr>
+              <a:t>     self</a:t>
+            </a:r>
+            <a:r>
+              <a:rPr lang="en-US" altLang="zh-TW" sz="1400" b="1" kern="0" dirty="0">
+                <a:solidFill>
+                  <a:srgbClr val="000080"/>
+                </a:solidFill>
+                <a:latin typeface="Courier New" panose="02070309020205020404" pitchFamily="49" charset="0"/>
+                <a:cs typeface="Times New Roman" panose="02020603050405020304" pitchFamily="18" charset="0"/>
+              </a:rPr>
+              <a:t>.</a:t>
+            </a:r>
+            <a:r>
+              <a:rPr lang="zh-TW" altLang="zh-TW" sz="1400" kern="0" dirty="0">
+                <a:solidFill>
+                  <a:srgbClr val="000000"/>
+                </a:solidFill>
+                <a:latin typeface="Courier New" panose="02070309020205020404" pitchFamily="49" charset="0"/>
+                <a:cs typeface="Courier New" panose="02070309020205020404" pitchFamily="49" charset="0"/>
+              </a:rPr>
+              <a:t>取樣率</a:t>
+            </a:r>
+            <a:r>
+              <a:rPr lang="en-US" altLang="zh-TW" sz="1400" b="1" kern="0" dirty="0">
+                <a:solidFill>
+                  <a:srgbClr val="000080"/>
+                </a:solidFill>
+                <a:latin typeface="Courier New" panose="02070309020205020404" pitchFamily="49" charset="0"/>
+                <a:cs typeface="Times New Roman" panose="02020603050405020304" pitchFamily="18" charset="0"/>
+              </a:rPr>
+              <a:t>,</a:t>
+            </a:r>
+            <a:r>
+              <a:rPr lang="en-US" altLang="zh-TW" sz="1400" kern="0" dirty="0">
+                <a:solidFill>
+                  <a:srgbClr val="000000"/>
+                </a:solidFill>
+                <a:latin typeface="Courier New" panose="02070309020205020404" pitchFamily="49" charset="0"/>
+                <a:cs typeface="Times New Roman" panose="02020603050405020304" pitchFamily="18" charset="0"/>
+              </a:rPr>
+              <a:t> </a:t>
+            </a:r>
+            <a:endParaRPr lang="zh-TW" altLang="zh-TW" sz="1400" kern="100" dirty="0">
+              <a:latin typeface="Calibri" panose="020F0502020204030204" pitchFamily="34" charset="0"/>
+              <a:cs typeface="Times New Roman" panose="02020603050405020304" pitchFamily="18" charset="0"/>
+            </a:endParaRPr>
+          </a:p>
+          <a:p>
+            <a:pPr>
+              <a:spcAft>
+                <a:spcPts val="0"/>
+              </a:spcAft>
+            </a:pPr>
+            <a:r>
+              <a:rPr lang="en-US" altLang="zh-TW" sz="1400" kern="0" dirty="0">
+                <a:solidFill>
+                  <a:srgbClr val="000000"/>
+                </a:solidFill>
+                <a:latin typeface="Courier New" panose="02070309020205020404" pitchFamily="49" charset="0"/>
+                <a:cs typeface="Times New Roman" panose="02020603050405020304" pitchFamily="18" charset="0"/>
+              </a:rPr>
+              <a:t>                    </a:t>
+            </a:r>
+            <a:r>
+              <a:rPr lang="en-US" altLang="zh-TW" sz="1400" kern="0" dirty="0" err="1">
+                <a:solidFill>
+                  <a:srgbClr val="000000"/>
+                </a:solidFill>
+                <a:latin typeface="Courier New" panose="02070309020205020404" pitchFamily="49" charset="0"/>
+                <a:cs typeface="Times New Roman" panose="02020603050405020304" pitchFamily="18" charset="0"/>
+              </a:rPr>
+              <a:t>frames_per_buffer</a:t>
+            </a:r>
+            <a:r>
+              <a:rPr lang="en-US" altLang="zh-TW" sz="1400" b="1" kern="0" dirty="0">
+                <a:solidFill>
+                  <a:srgbClr val="000080"/>
+                </a:solidFill>
+                <a:latin typeface="Courier New" panose="02070309020205020404" pitchFamily="49" charset="0"/>
+                <a:cs typeface="Times New Roman" panose="02020603050405020304" pitchFamily="18" charset="0"/>
+              </a:rPr>
+              <a:t>=</a:t>
+            </a:r>
+            <a:r>
+              <a:rPr lang="en-US" altLang="zh-TW" sz="1400" kern="0" dirty="0">
+                <a:solidFill>
+                  <a:srgbClr val="000000"/>
+                </a:solidFill>
+                <a:latin typeface="Courier New" panose="02070309020205020404" pitchFamily="49" charset="0"/>
+                <a:cs typeface="Times New Roman" panose="02020603050405020304" pitchFamily="18" charset="0"/>
+              </a:rPr>
+              <a:t> self</a:t>
+            </a:r>
+            <a:r>
+              <a:rPr lang="en-US" altLang="zh-TW" sz="1400" b="1" kern="0" dirty="0">
+                <a:solidFill>
+                  <a:srgbClr val="000080"/>
+                </a:solidFill>
+                <a:latin typeface="Courier New" panose="02070309020205020404" pitchFamily="49" charset="0"/>
+                <a:cs typeface="Times New Roman" panose="02020603050405020304" pitchFamily="18" charset="0"/>
+              </a:rPr>
+              <a:t>.</a:t>
+            </a:r>
+            <a:r>
+              <a:rPr lang="zh-TW" altLang="zh-TW" sz="1400" kern="0" dirty="0">
+                <a:solidFill>
+                  <a:srgbClr val="000000"/>
+                </a:solidFill>
+                <a:latin typeface="Courier New" panose="02070309020205020404" pitchFamily="49" charset="0"/>
+                <a:cs typeface="Courier New" panose="02070309020205020404" pitchFamily="49" charset="0"/>
+              </a:rPr>
+              <a:t>框長</a:t>
+            </a:r>
+            <a:r>
+              <a:rPr lang="en-US" altLang="zh-TW" sz="1400" b="1" kern="0" dirty="0">
+                <a:solidFill>
+                  <a:srgbClr val="000080"/>
+                </a:solidFill>
+                <a:latin typeface="Courier New" panose="02070309020205020404" pitchFamily="49" charset="0"/>
+                <a:cs typeface="Times New Roman" panose="02020603050405020304" pitchFamily="18" charset="0"/>
+              </a:rPr>
+              <a:t>,</a:t>
+            </a:r>
+            <a:endParaRPr lang="zh-TW" altLang="zh-TW" sz="1400" kern="100" dirty="0">
+              <a:latin typeface="Calibri" panose="020F0502020204030204" pitchFamily="34" charset="0"/>
+              <a:cs typeface="Times New Roman" panose="02020603050405020304" pitchFamily="18" charset="0"/>
+            </a:endParaRPr>
+          </a:p>
+          <a:p>
+            <a:pPr>
+              <a:spcAft>
+                <a:spcPts val="0"/>
+              </a:spcAft>
+            </a:pPr>
+            <a:r>
+              <a:rPr lang="en-US" altLang="zh-TW" sz="1400" kern="0" dirty="0">
+                <a:solidFill>
+                  <a:srgbClr val="000000"/>
+                </a:solidFill>
+                <a:latin typeface="Courier New" panose="02070309020205020404" pitchFamily="49" charset="0"/>
+                <a:cs typeface="Times New Roman" panose="02020603050405020304" pitchFamily="18" charset="0"/>
+              </a:rPr>
+              <a:t>                    input</a:t>
+            </a:r>
+            <a:r>
+              <a:rPr lang="en-US" altLang="zh-TW" sz="1400" b="1" kern="0" dirty="0">
+                <a:solidFill>
+                  <a:srgbClr val="000080"/>
+                </a:solidFill>
+                <a:latin typeface="Courier New" panose="02070309020205020404" pitchFamily="49" charset="0"/>
+                <a:cs typeface="Times New Roman" panose="02020603050405020304" pitchFamily="18" charset="0"/>
+              </a:rPr>
+              <a:t>=</a:t>
+            </a:r>
+            <a:r>
+              <a:rPr lang="en-US" altLang="zh-TW" sz="1400" kern="0" dirty="0">
+                <a:solidFill>
+                  <a:srgbClr val="000000"/>
+                </a:solidFill>
+                <a:latin typeface="Courier New" panose="02070309020205020404" pitchFamily="49" charset="0"/>
+                <a:cs typeface="Times New Roman" panose="02020603050405020304" pitchFamily="18" charset="0"/>
+              </a:rPr>
+              <a:t>    </a:t>
+            </a:r>
+            <a:r>
+              <a:rPr lang="en-US" altLang="zh-TW" sz="1400" b="1" kern="0" dirty="0">
+                <a:solidFill>
+                  <a:srgbClr val="0000FF"/>
+                </a:solidFill>
+                <a:latin typeface="Courier New" panose="02070309020205020404" pitchFamily="49" charset="0"/>
+                <a:cs typeface="Times New Roman" panose="02020603050405020304" pitchFamily="18" charset="0"/>
+              </a:rPr>
+              <a:t>True</a:t>
+            </a:r>
+            <a:r>
+              <a:rPr lang="en-US" altLang="zh-TW" sz="1400" b="1" kern="0" dirty="0">
+                <a:solidFill>
+                  <a:srgbClr val="000080"/>
+                </a:solidFill>
+                <a:latin typeface="Courier New" panose="02070309020205020404" pitchFamily="49" charset="0"/>
+                <a:cs typeface="Times New Roman" panose="02020603050405020304" pitchFamily="18" charset="0"/>
+              </a:rPr>
+              <a:t>,</a:t>
+            </a:r>
+            <a:r>
+              <a:rPr lang="en-US" altLang="zh-TW" sz="1400" kern="0" dirty="0">
+                <a:solidFill>
+                  <a:srgbClr val="000000"/>
+                </a:solidFill>
+                <a:latin typeface="Courier New" panose="02070309020205020404" pitchFamily="49" charset="0"/>
+                <a:cs typeface="Times New Roman" panose="02020603050405020304" pitchFamily="18" charset="0"/>
+              </a:rPr>
+              <a:t> </a:t>
+            </a:r>
+            <a:endParaRPr lang="zh-TW" altLang="zh-TW" sz="1400" kern="100" dirty="0">
+              <a:latin typeface="Calibri" panose="020F0502020204030204" pitchFamily="34" charset="0"/>
+              <a:cs typeface="Times New Roman" panose="02020603050405020304" pitchFamily="18" charset="0"/>
+            </a:endParaRPr>
+          </a:p>
+          <a:p>
+            <a:pPr>
+              <a:spcAft>
+                <a:spcPts val="0"/>
+              </a:spcAft>
+            </a:pPr>
+            <a:r>
+              <a:rPr lang="en-US" altLang="zh-TW" sz="1400" kern="0" dirty="0">
+                <a:solidFill>
+                  <a:srgbClr val="000000"/>
+                </a:solidFill>
+                <a:latin typeface="Courier New" panose="02070309020205020404" pitchFamily="49" charset="0"/>
+                <a:cs typeface="Times New Roman" panose="02020603050405020304" pitchFamily="18" charset="0"/>
+              </a:rPr>
+              <a:t>                    output</a:t>
+            </a:r>
+            <a:r>
+              <a:rPr lang="en-US" altLang="zh-TW" sz="1400" b="1" kern="0" dirty="0">
+                <a:solidFill>
+                  <a:srgbClr val="000080"/>
+                </a:solidFill>
+                <a:latin typeface="Courier New" panose="02070309020205020404" pitchFamily="49" charset="0"/>
+                <a:cs typeface="Times New Roman" panose="02020603050405020304" pitchFamily="18" charset="0"/>
+              </a:rPr>
+              <a:t>=</a:t>
+            </a:r>
+            <a:r>
+              <a:rPr lang="en-US" altLang="zh-TW" sz="1400" kern="0" dirty="0">
+                <a:solidFill>
+                  <a:srgbClr val="000000"/>
+                </a:solidFill>
+                <a:latin typeface="Courier New" panose="02070309020205020404" pitchFamily="49" charset="0"/>
+                <a:cs typeface="Times New Roman" panose="02020603050405020304" pitchFamily="18" charset="0"/>
+              </a:rPr>
+              <a:t>   </a:t>
+            </a:r>
+            <a:r>
+              <a:rPr lang="en-US" altLang="zh-TW" sz="1400" b="1" kern="0" dirty="0">
+                <a:solidFill>
+                  <a:srgbClr val="0000FF"/>
+                </a:solidFill>
+                <a:latin typeface="Courier New" panose="02070309020205020404" pitchFamily="49" charset="0"/>
+                <a:cs typeface="Times New Roman" panose="02020603050405020304" pitchFamily="18" charset="0"/>
+              </a:rPr>
+              <a:t>True</a:t>
+            </a:r>
+            <a:r>
+              <a:rPr lang="en-US" altLang="zh-TW" sz="1400" b="1" kern="0" dirty="0">
+                <a:solidFill>
+                  <a:srgbClr val="000080"/>
+                </a:solidFill>
+                <a:latin typeface="Courier New" panose="02070309020205020404" pitchFamily="49" charset="0"/>
+                <a:cs typeface="Times New Roman" panose="02020603050405020304" pitchFamily="18" charset="0"/>
+              </a:rPr>
+              <a:t>)</a:t>
+            </a:r>
+            <a:endParaRPr lang="zh-TW" altLang="zh-TW" sz="1400" kern="100" dirty="0">
+              <a:latin typeface="Calibri" panose="020F0502020204030204" pitchFamily="34" charset="0"/>
+              <a:cs typeface="Times New Roman" panose="02020603050405020304" pitchFamily="18" charset="0"/>
+            </a:endParaRPr>
+          </a:p>
+          <a:p>
+            <a:pPr>
+              <a:spcAft>
+                <a:spcPts val="0"/>
+              </a:spcAft>
+            </a:pPr>
+            <a:r>
+              <a:rPr lang="en-US" altLang="zh-TW" sz="1400" kern="0" dirty="0">
+                <a:solidFill>
+                  <a:srgbClr val="000000"/>
+                </a:solidFill>
+                <a:latin typeface="Courier New" panose="02070309020205020404" pitchFamily="49" charset="0"/>
+                <a:cs typeface="Times New Roman" panose="02020603050405020304" pitchFamily="18" charset="0"/>
+              </a:rPr>
+              <a:t> </a:t>
+            </a:r>
+            <a:endParaRPr lang="zh-TW" altLang="zh-TW" sz="1400" kern="100" dirty="0">
+              <a:latin typeface="Calibri" panose="020F0502020204030204" pitchFamily="34" charset="0"/>
+              <a:cs typeface="Times New Roman" panose="02020603050405020304" pitchFamily="18" charset="0"/>
+            </a:endParaRPr>
+          </a:p>
+          <a:p>
+            <a:pPr>
+              <a:spcAft>
+                <a:spcPts val="0"/>
+              </a:spcAft>
+            </a:pPr>
+            <a:r>
+              <a:rPr lang="en-US" altLang="zh-TW" sz="1400" kern="0" dirty="0">
+                <a:solidFill>
+                  <a:srgbClr val="000000"/>
+                </a:solidFill>
+                <a:latin typeface="Courier New" panose="02070309020205020404" pitchFamily="49" charset="0"/>
+                <a:cs typeface="Times New Roman" panose="02020603050405020304" pitchFamily="18" charset="0"/>
+              </a:rPr>
+              <a:t>        self</a:t>
+            </a:r>
+            <a:r>
+              <a:rPr lang="en-US" altLang="zh-TW" sz="1400" b="1" kern="0" dirty="0">
+                <a:solidFill>
+                  <a:srgbClr val="000080"/>
+                </a:solidFill>
+                <a:latin typeface="Courier New" panose="02070309020205020404" pitchFamily="49" charset="0"/>
+                <a:cs typeface="Times New Roman" panose="02020603050405020304" pitchFamily="18" charset="0"/>
+              </a:rPr>
+              <a:t>.</a:t>
+            </a:r>
+            <a:r>
+              <a:rPr lang="zh-TW" altLang="zh-TW" sz="1400" kern="0" dirty="0">
+                <a:solidFill>
+                  <a:srgbClr val="000000"/>
+                </a:solidFill>
+                <a:latin typeface="Courier New" panose="02070309020205020404" pitchFamily="49" charset="0"/>
+                <a:cs typeface="Courier New" panose="02070309020205020404" pitchFamily="49" charset="0"/>
+              </a:rPr>
+              <a:t>框數</a:t>
+            </a:r>
+            <a:r>
+              <a:rPr lang="en-US" altLang="zh-TW" sz="1400" b="1" kern="0" dirty="0">
+                <a:solidFill>
+                  <a:srgbClr val="000080"/>
+                </a:solidFill>
+                <a:latin typeface="Courier New" panose="02070309020205020404" pitchFamily="49" charset="0"/>
+                <a:cs typeface="Times New Roman" panose="02020603050405020304" pitchFamily="18" charset="0"/>
+              </a:rPr>
+              <a:t>=</a:t>
+            </a:r>
+            <a:r>
+              <a:rPr lang="en-US" altLang="zh-TW" sz="1400" kern="0" dirty="0">
+                <a:solidFill>
+                  <a:srgbClr val="000000"/>
+                </a:solidFill>
+                <a:latin typeface="Courier New" panose="02070309020205020404" pitchFamily="49" charset="0"/>
+                <a:cs typeface="Times New Roman" panose="02020603050405020304" pitchFamily="18" charset="0"/>
+              </a:rPr>
+              <a:t>  </a:t>
+            </a:r>
+            <a:r>
+              <a:rPr lang="en-US" altLang="zh-TW" sz="1400" kern="0" dirty="0" err="1">
+                <a:solidFill>
+                  <a:srgbClr val="000000"/>
+                </a:solidFill>
+                <a:latin typeface="Courier New" panose="02070309020205020404" pitchFamily="49" charset="0"/>
+                <a:cs typeface="Times New Roman" panose="02020603050405020304" pitchFamily="18" charset="0"/>
+              </a:rPr>
+              <a:t>int</a:t>
+            </a:r>
+            <a:r>
+              <a:rPr lang="en-US" altLang="zh-TW" sz="1400" b="1" kern="0" dirty="0">
+                <a:solidFill>
+                  <a:srgbClr val="000080"/>
+                </a:solidFill>
+                <a:latin typeface="Courier New" panose="02070309020205020404" pitchFamily="49" charset="0"/>
+                <a:cs typeface="Times New Roman" panose="02020603050405020304" pitchFamily="18" charset="0"/>
+              </a:rPr>
+              <a:t>(</a:t>
+            </a:r>
+            <a:r>
+              <a:rPr lang="en-US" altLang="zh-TW" sz="1400" kern="0" dirty="0">
+                <a:solidFill>
+                  <a:srgbClr val="000000"/>
+                </a:solidFill>
+                <a:latin typeface="Courier New" panose="02070309020205020404" pitchFamily="49" charset="0"/>
+                <a:cs typeface="Times New Roman" panose="02020603050405020304" pitchFamily="18" charset="0"/>
               </a:rPr>
               <a:t>self</a:t>
             </a:r>
             <a:r>
-              <a:rPr lang="en-US" altLang="zh-TW" sz="2400" b="1" dirty="0">
-                <a:solidFill>
-                  <a:srgbClr val="000080"/>
-                </a:solidFill>
-                <a:latin typeface="Courier New" panose="02070309020205020404" pitchFamily="49" charset="0"/>
+              <a:rPr lang="en-US" altLang="zh-TW" sz="1400" b="1" kern="0" dirty="0">
+                <a:solidFill>
+                  <a:srgbClr val="000080"/>
+                </a:solidFill>
+                <a:latin typeface="Courier New" panose="02070309020205020404" pitchFamily="49" charset="0"/>
+                <a:cs typeface="Times New Roman" panose="02020603050405020304" pitchFamily="18" charset="0"/>
               </a:rPr>
               <a:t>.</a:t>
             </a:r>
             <a:r>
-              <a:rPr lang="zh-TW" altLang="en-US" sz="2400" dirty="0">
-                <a:solidFill>
-                  <a:srgbClr val="000000"/>
-                </a:solidFill>
-                <a:latin typeface="Courier New" panose="02070309020205020404" pitchFamily="49" charset="0"/>
-              </a:rPr>
-              <a:t>能量線</a:t>
-            </a:r>
-            <a:r>
-              <a:rPr lang="en-US" altLang="zh-TW" sz="2400" b="1" dirty="0">
-                <a:solidFill>
-                  <a:srgbClr val="000080"/>
-                </a:solidFill>
-                <a:latin typeface="Courier New" panose="02070309020205020404" pitchFamily="49" charset="0"/>
+              <a:rPr lang="zh-TW" altLang="zh-TW" sz="1400" kern="0" dirty="0">
+                <a:solidFill>
+                  <a:srgbClr val="000000"/>
+                </a:solidFill>
+                <a:latin typeface="Courier New" panose="02070309020205020404" pitchFamily="49" charset="0"/>
+                <a:cs typeface="Courier New" panose="02070309020205020404" pitchFamily="49" charset="0"/>
+              </a:rPr>
+              <a:t>取樣率</a:t>
+            </a:r>
+            <a:r>
+              <a:rPr lang="zh-TW" altLang="zh-TW" sz="1400" kern="0" dirty="0">
+                <a:solidFill>
+                  <a:srgbClr val="000000"/>
+                </a:solidFill>
+                <a:latin typeface="Calibri" panose="020F0502020204030204" pitchFamily="34" charset="0"/>
+                <a:ea typeface="Courier New" panose="02070309020205020404" pitchFamily="49" charset="0"/>
+                <a:cs typeface="Times New Roman" panose="02020603050405020304" pitchFamily="18" charset="0"/>
+              </a:rPr>
+              <a:t> </a:t>
+            </a:r>
+            <a:r>
+              <a:rPr lang="en-US" altLang="zh-TW" sz="1400" b="1" kern="0" dirty="0">
+                <a:solidFill>
+                  <a:srgbClr val="000080"/>
+                </a:solidFill>
+                <a:latin typeface="Courier New" panose="02070309020205020404" pitchFamily="49" charset="0"/>
+                <a:cs typeface="Times New Roman" panose="02020603050405020304" pitchFamily="18" charset="0"/>
+              </a:rPr>
+              <a:t>*</a:t>
+            </a:r>
+            <a:r>
+              <a:rPr lang="en-US" altLang="zh-TW" sz="1400" kern="0" dirty="0">
+                <a:solidFill>
+                  <a:srgbClr val="000000"/>
+                </a:solidFill>
+                <a:latin typeface="Courier New" panose="02070309020205020404" pitchFamily="49" charset="0"/>
+                <a:cs typeface="Times New Roman" panose="02020603050405020304" pitchFamily="18" charset="0"/>
+              </a:rPr>
+              <a:t>self</a:t>
+            </a:r>
+            <a:r>
+              <a:rPr lang="en-US" altLang="zh-TW" sz="1400" b="1" kern="0" dirty="0">
+                <a:solidFill>
+                  <a:srgbClr val="000080"/>
+                </a:solidFill>
+                <a:latin typeface="Courier New" panose="02070309020205020404" pitchFamily="49" charset="0"/>
+                <a:cs typeface="Times New Roman" panose="02020603050405020304" pitchFamily="18" charset="0"/>
               </a:rPr>
               <a:t>.</a:t>
             </a:r>
             <a:r>
-              <a:rPr lang="en-US" altLang="zh-TW" sz="2400" dirty="0">
-                <a:solidFill>
-                  <a:srgbClr val="000000"/>
-                </a:solidFill>
-                <a:latin typeface="Courier New" panose="02070309020205020404" pitchFamily="49" charset="0"/>
-              </a:rPr>
-              <a:t>start</a:t>
-            </a:r>
-            <a:r>
-              <a:rPr lang="en-US" altLang="zh-TW" sz="2400" b="1" dirty="0" smtClean="0">
-                <a:solidFill>
-                  <a:srgbClr val="000080"/>
-                </a:solidFill>
-                <a:latin typeface="Courier New" panose="02070309020205020404" pitchFamily="49" charset="0"/>
-              </a:rPr>
-              <a:t>()    # </a:t>
-            </a:r>
-            <a:r>
-              <a:rPr lang="en-US" altLang="zh-TW" sz="2400" b="1" dirty="0" err="1" smtClean="0">
-                <a:solidFill>
-                  <a:srgbClr val="000080"/>
-                </a:solidFill>
-                <a:latin typeface="Courier New" panose="02070309020205020404" pitchFamily="49" charset="0"/>
-              </a:rPr>
-              <a:t>energy_Thread</a:t>
-            </a:r>
-            <a:endParaRPr lang="en-US" altLang="zh-TW" sz="2400" dirty="0" smtClean="0">
-              <a:solidFill>
-                <a:srgbClr val="000000"/>
-              </a:solidFill>
-              <a:latin typeface="Courier New" panose="02070309020205020404" pitchFamily="49" charset="0"/>
+              <a:rPr lang="zh-TW" altLang="zh-TW" sz="1400" kern="0" dirty="0">
+                <a:solidFill>
+                  <a:srgbClr val="000000"/>
+                </a:solidFill>
+                <a:latin typeface="Courier New" panose="02070309020205020404" pitchFamily="49" charset="0"/>
+                <a:cs typeface="Courier New" panose="02070309020205020404" pitchFamily="49" charset="0"/>
+              </a:rPr>
+              <a:t>總秒數</a:t>
+            </a:r>
+            <a:r>
+              <a:rPr lang="zh-TW" altLang="zh-TW" sz="1400" kern="0" dirty="0">
+                <a:solidFill>
+                  <a:srgbClr val="000000"/>
+                </a:solidFill>
+                <a:latin typeface="Calibri" panose="020F0502020204030204" pitchFamily="34" charset="0"/>
+                <a:ea typeface="Courier New" panose="02070309020205020404" pitchFamily="49" charset="0"/>
+                <a:cs typeface="Times New Roman" panose="02020603050405020304" pitchFamily="18" charset="0"/>
+              </a:rPr>
+              <a:t> </a:t>
+            </a:r>
+            <a:r>
+              <a:rPr lang="en-US" altLang="zh-TW" sz="1400" b="1" kern="0" dirty="0">
+                <a:solidFill>
+                  <a:srgbClr val="000080"/>
+                </a:solidFill>
+                <a:latin typeface="Courier New" panose="02070309020205020404" pitchFamily="49" charset="0"/>
+                <a:cs typeface="Times New Roman" panose="02020603050405020304" pitchFamily="18" charset="0"/>
+              </a:rPr>
+              <a:t>/</a:t>
+            </a:r>
+            <a:r>
+              <a:rPr lang="en-US" altLang="zh-TW" sz="1400" kern="0" dirty="0">
+                <a:solidFill>
+                  <a:srgbClr val="000000"/>
+                </a:solidFill>
+                <a:latin typeface="Courier New" panose="02070309020205020404" pitchFamily="49" charset="0"/>
+                <a:cs typeface="Times New Roman" panose="02020603050405020304" pitchFamily="18" charset="0"/>
+              </a:rPr>
+              <a:t>self</a:t>
+            </a:r>
+            <a:r>
+              <a:rPr lang="en-US" altLang="zh-TW" sz="1400" b="1" kern="0" dirty="0">
+                <a:solidFill>
+                  <a:srgbClr val="000080"/>
+                </a:solidFill>
+                <a:latin typeface="Courier New" panose="02070309020205020404" pitchFamily="49" charset="0"/>
+                <a:cs typeface="Times New Roman" panose="02020603050405020304" pitchFamily="18" charset="0"/>
+              </a:rPr>
+              <a:t>.</a:t>
+            </a:r>
+            <a:r>
+              <a:rPr lang="zh-TW" altLang="zh-TW" sz="1400" kern="0" dirty="0">
+                <a:solidFill>
+                  <a:srgbClr val="000000"/>
+                </a:solidFill>
+                <a:latin typeface="Courier New" panose="02070309020205020404" pitchFamily="49" charset="0"/>
+                <a:cs typeface="Courier New" panose="02070309020205020404" pitchFamily="49" charset="0"/>
+              </a:rPr>
+              <a:t>框長</a:t>
+            </a:r>
+            <a:r>
+              <a:rPr lang="zh-TW" altLang="zh-TW" sz="1400" kern="0" dirty="0">
+                <a:solidFill>
+                  <a:srgbClr val="000000"/>
+                </a:solidFill>
+                <a:latin typeface="Calibri" panose="020F0502020204030204" pitchFamily="34" charset="0"/>
+                <a:ea typeface="Courier New" panose="02070309020205020404" pitchFamily="49" charset="0"/>
+                <a:cs typeface="Times New Roman" panose="02020603050405020304" pitchFamily="18" charset="0"/>
+              </a:rPr>
+              <a:t> </a:t>
+            </a:r>
+            <a:r>
+              <a:rPr lang="en-US" altLang="zh-TW" sz="1400" b="1" kern="0" dirty="0" smtClean="0">
+                <a:solidFill>
+                  <a:srgbClr val="000080"/>
+                </a:solidFill>
+                <a:latin typeface="Courier New" panose="02070309020205020404" pitchFamily="49" charset="0"/>
+                <a:cs typeface="Times New Roman" panose="02020603050405020304" pitchFamily="18" charset="0"/>
+              </a:rPr>
+              <a:t>)</a:t>
+            </a:r>
+          </a:p>
+          <a:p>
+            <a:pPr>
+              <a:spcAft>
+                <a:spcPts val="0"/>
+              </a:spcAft>
+            </a:pPr>
+            <a:endParaRPr lang="zh-TW" altLang="zh-TW" sz="1400" kern="100" dirty="0">
+              <a:latin typeface="Calibri" panose="020F0502020204030204" pitchFamily="34" charset="0"/>
+              <a:cs typeface="Times New Roman" panose="02020603050405020304" pitchFamily="18" charset="0"/>
             </a:endParaRPr>
           </a:p>
           <a:p>
-            <a:pPr lvl="1"/>
-            <a:r>
-              <a:rPr lang="en-US" altLang="zh-TW" sz="2400" dirty="0">
-                <a:solidFill>
-                  <a:srgbClr val="000000"/>
-                </a:solidFill>
-                <a:latin typeface="Courier New" panose="02070309020205020404" pitchFamily="49" charset="0"/>
-              </a:rPr>
-              <a:t>	</a:t>
-            </a:r>
-            <a:r>
-              <a:rPr lang="en-US" altLang="zh-TW" sz="2400" dirty="0" smtClean="0">
-                <a:solidFill>
-                  <a:srgbClr val="000000"/>
-                </a:solidFill>
-                <a:latin typeface="Courier New" panose="02070309020205020404" pitchFamily="49" charset="0"/>
+            <a:pPr>
+              <a:spcAft>
+                <a:spcPts val="0"/>
+              </a:spcAft>
+            </a:pPr>
+            <a:r>
+              <a:rPr lang="en-US" altLang="zh-TW" sz="1400" kern="0" dirty="0">
+                <a:solidFill>
+                  <a:srgbClr val="000000"/>
+                </a:solidFill>
+                <a:latin typeface="Courier New" panose="02070309020205020404" pitchFamily="49" charset="0"/>
+                <a:cs typeface="Times New Roman" panose="02020603050405020304" pitchFamily="18" charset="0"/>
+              </a:rPr>
+              <a:t>        </a:t>
+            </a:r>
+            <a:r>
+              <a:rPr lang="en-US" altLang="zh-TW" sz="1400" kern="0" dirty="0" smtClean="0">
+                <a:solidFill>
+                  <a:srgbClr val="000000"/>
+                </a:solidFill>
+                <a:latin typeface="Courier New" panose="02070309020205020404" pitchFamily="49" charset="0"/>
+                <a:cs typeface="Times New Roman" panose="02020603050405020304" pitchFamily="18" charset="0"/>
               </a:rPr>
               <a:t>self</a:t>
             </a:r>
             <a:r>
-              <a:rPr lang="en-US" altLang="zh-TW" sz="2400" b="1" dirty="0">
-                <a:solidFill>
-                  <a:srgbClr val="000080"/>
-                </a:solidFill>
-                <a:latin typeface="Courier New" panose="02070309020205020404" pitchFamily="49" charset="0"/>
+              <a:rPr lang="en-US" altLang="zh-TW" sz="1400" b="1" kern="0" dirty="0">
+                <a:solidFill>
+                  <a:srgbClr val="000080"/>
+                </a:solidFill>
+                <a:latin typeface="Courier New" panose="02070309020205020404" pitchFamily="49" charset="0"/>
+                <a:cs typeface="Times New Roman" panose="02020603050405020304" pitchFamily="18" charset="0"/>
               </a:rPr>
               <a:t>.</a:t>
             </a:r>
             <a:r>
-              <a:rPr lang="zh-TW" altLang="en-US" sz="2400" dirty="0">
-                <a:solidFill>
-                  <a:srgbClr val="000000"/>
-                </a:solidFill>
-                <a:latin typeface="Courier New" panose="02070309020205020404" pitchFamily="49" charset="0"/>
-              </a:rPr>
-              <a:t>基頻線</a:t>
-            </a:r>
-            <a:r>
-              <a:rPr lang="en-US" altLang="zh-TW" sz="2400" b="1" dirty="0">
-                <a:solidFill>
-                  <a:srgbClr val="000080"/>
-                </a:solidFill>
-                <a:latin typeface="Courier New" panose="02070309020205020404" pitchFamily="49" charset="0"/>
+              <a:rPr lang="zh-TW" altLang="zh-TW" sz="1400" kern="0" dirty="0">
+                <a:solidFill>
+                  <a:srgbClr val="000000"/>
+                </a:solidFill>
+                <a:latin typeface="Courier New" panose="02070309020205020404" pitchFamily="49" charset="0"/>
+                <a:cs typeface="Courier New" panose="02070309020205020404" pitchFamily="49" charset="0"/>
+              </a:rPr>
+              <a:t>錄音框們</a:t>
+            </a:r>
+            <a:r>
+              <a:rPr lang="en-US" altLang="zh-TW" sz="1400" b="1" kern="0" dirty="0">
+                <a:solidFill>
+                  <a:srgbClr val="000080"/>
+                </a:solidFill>
+                <a:latin typeface="Courier New" panose="02070309020205020404" pitchFamily="49" charset="0"/>
+                <a:cs typeface="Times New Roman" panose="02020603050405020304" pitchFamily="18" charset="0"/>
+              </a:rPr>
+              <a:t>=</a:t>
+            </a:r>
+            <a:r>
+              <a:rPr lang="en-US" altLang="zh-TW" sz="1400" kern="0" dirty="0">
+                <a:solidFill>
+                  <a:srgbClr val="000000"/>
+                </a:solidFill>
+                <a:latin typeface="Courier New" panose="02070309020205020404" pitchFamily="49" charset="0"/>
+                <a:cs typeface="Times New Roman" panose="02020603050405020304" pitchFamily="18" charset="0"/>
+              </a:rPr>
+              <a:t>  </a:t>
+            </a:r>
+            <a:r>
+              <a:rPr lang="en-US" altLang="zh-TW" sz="1400" b="1" kern="0" dirty="0">
+                <a:solidFill>
+                  <a:srgbClr val="000080"/>
+                </a:solidFill>
+                <a:latin typeface="Courier New" panose="02070309020205020404" pitchFamily="49" charset="0"/>
+                <a:cs typeface="Times New Roman" panose="02020603050405020304" pitchFamily="18" charset="0"/>
+              </a:rPr>
+              <a:t>[[]</a:t>
+            </a:r>
+            <a:r>
+              <a:rPr lang="en-US" altLang="zh-TW" sz="1400" kern="0" dirty="0">
+                <a:solidFill>
+                  <a:srgbClr val="000000"/>
+                </a:solidFill>
+                <a:latin typeface="Courier New" panose="02070309020205020404" pitchFamily="49" charset="0"/>
+                <a:cs typeface="Times New Roman" panose="02020603050405020304" pitchFamily="18" charset="0"/>
+              </a:rPr>
+              <a:t> </a:t>
+            </a:r>
+            <a:r>
+              <a:rPr lang="en-US" altLang="zh-TW" sz="1400" b="1" kern="0" dirty="0">
+                <a:solidFill>
+                  <a:srgbClr val="0000FF"/>
+                </a:solidFill>
+                <a:latin typeface="Courier New" panose="02070309020205020404" pitchFamily="49" charset="0"/>
+                <a:cs typeface="Times New Roman" panose="02020603050405020304" pitchFamily="18" charset="0"/>
+              </a:rPr>
+              <a:t>for</a:t>
+            </a:r>
+            <a:r>
+              <a:rPr lang="en-US" altLang="zh-TW" sz="1400" kern="0" dirty="0">
+                <a:solidFill>
+                  <a:srgbClr val="000000"/>
+                </a:solidFill>
+                <a:latin typeface="Courier New" panose="02070309020205020404" pitchFamily="49" charset="0"/>
+                <a:cs typeface="Times New Roman" panose="02020603050405020304" pitchFamily="18" charset="0"/>
+              </a:rPr>
+              <a:t> </a:t>
+            </a:r>
+            <a:r>
+              <a:rPr lang="en-US" altLang="zh-TW" sz="1400" kern="0" dirty="0" err="1">
+                <a:solidFill>
+                  <a:srgbClr val="000000"/>
+                </a:solidFill>
+                <a:latin typeface="Courier New" panose="02070309020205020404" pitchFamily="49" charset="0"/>
+                <a:cs typeface="Times New Roman" panose="02020603050405020304" pitchFamily="18" charset="0"/>
+              </a:rPr>
+              <a:t>i</a:t>
+            </a:r>
+            <a:r>
+              <a:rPr lang="en-US" altLang="zh-TW" sz="1400" kern="0" dirty="0">
+                <a:solidFill>
+                  <a:srgbClr val="000000"/>
+                </a:solidFill>
+                <a:latin typeface="Courier New" panose="02070309020205020404" pitchFamily="49" charset="0"/>
+                <a:cs typeface="Times New Roman" panose="02020603050405020304" pitchFamily="18" charset="0"/>
+              </a:rPr>
+              <a:t> </a:t>
+            </a:r>
+            <a:r>
+              <a:rPr lang="en-US" altLang="zh-TW" sz="1400" b="1" kern="0" dirty="0">
+                <a:solidFill>
+                  <a:srgbClr val="0000FF"/>
+                </a:solidFill>
+                <a:latin typeface="Courier New" panose="02070309020205020404" pitchFamily="49" charset="0"/>
+                <a:cs typeface="Times New Roman" panose="02020603050405020304" pitchFamily="18" charset="0"/>
+              </a:rPr>
+              <a:t>in</a:t>
+            </a:r>
+            <a:r>
+              <a:rPr lang="en-US" altLang="zh-TW" sz="1400" kern="0" dirty="0">
+                <a:solidFill>
+                  <a:srgbClr val="000000"/>
+                </a:solidFill>
+                <a:latin typeface="Courier New" panose="02070309020205020404" pitchFamily="49" charset="0"/>
+                <a:cs typeface="Times New Roman" panose="02020603050405020304" pitchFamily="18" charset="0"/>
+              </a:rPr>
+              <a:t> range</a:t>
+            </a:r>
+            <a:r>
+              <a:rPr lang="en-US" altLang="zh-TW" sz="1400" b="1" kern="0" dirty="0">
+                <a:solidFill>
+                  <a:srgbClr val="000080"/>
+                </a:solidFill>
+                <a:latin typeface="Courier New" panose="02070309020205020404" pitchFamily="49" charset="0"/>
+                <a:cs typeface="Times New Roman" panose="02020603050405020304" pitchFamily="18" charset="0"/>
+              </a:rPr>
+              <a:t>(</a:t>
+            </a:r>
+            <a:r>
+              <a:rPr lang="en-US" altLang="zh-TW" sz="1400" kern="0" dirty="0">
+                <a:solidFill>
+                  <a:srgbClr val="000000"/>
+                </a:solidFill>
+                <a:latin typeface="Courier New" panose="02070309020205020404" pitchFamily="49" charset="0"/>
+                <a:cs typeface="Times New Roman" panose="02020603050405020304" pitchFamily="18" charset="0"/>
+              </a:rPr>
+              <a:t>self</a:t>
+            </a:r>
+            <a:r>
+              <a:rPr lang="en-US" altLang="zh-TW" sz="1400" b="1" kern="0" dirty="0">
+                <a:solidFill>
+                  <a:srgbClr val="000080"/>
+                </a:solidFill>
+                <a:latin typeface="Courier New" panose="02070309020205020404" pitchFamily="49" charset="0"/>
+                <a:cs typeface="Times New Roman" panose="02020603050405020304" pitchFamily="18" charset="0"/>
               </a:rPr>
               <a:t>.</a:t>
             </a:r>
             <a:r>
-              <a:rPr lang="en-US" altLang="zh-TW" sz="2400" dirty="0">
-                <a:solidFill>
-                  <a:srgbClr val="000000"/>
-                </a:solidFill>
-                <a:latin typeface="Courier New" panose="02070309020205020404" pitchFamily="49" charset="0"/>
-              </a:rPr>
-              <a:t>start</a:t>
-            </a:r>
-            <a:r>
-              <a:rPr lang="en-US" altLang="zh-TW" sz="2400" b="1" dirty="0" smtClean="0">
-                <a:solidFill>
-                  <a:srgbClr val="000080"/>
-                </a:solidFill>
-                <a:latin typeface="Courier New" panose="02070309020205020404" pitchFamily="49" charset="0"/>
-              </a:rPr>
-              <a:t>()    # F0_Thread</a:t>
-            </a:r>
-            <a:r>
-              <a:rPr lang="en-US" altLang="zh-TW" sz="2400" dirty="0" smtClean="0">
-                <a:solidFill>
-                  <a:srgbClr val="000000"/>
-                </a:solidFill>
-                <a:latin typeface="Courier New" panose="02070309020205020404" pitchFamily="49" charset="0"/>
-              </a:rPr>
-              <a:t> </a:t>
-            </a:r>
-          </a:p>
-          <a:p>
-            <a:pPr lvl="1"/>
-            <a:r>
-              <a:rPr lang="en-US" altLang="zh-TW" sz="2400" dirty="0">
-                <a:solidFill>
-                  <a:srgbClr val="000000"/>
-                </a:solidFill>
-                <a:latin typeface="Courier New" panose="02070309020205020404" pitchFamily="49" charset="0"/>
-              </a:rPr>
-              <a:t>	</a:t>
-            </a:r>
-            <a:r>
-              <a:rPr lang="en-US" altLang="zh-TW" sz="2400" dirty="0" smtClean="0">
-                <a:solidFill>
-                  <a:srgbClr val="000000"/>
-                </a:solidFill>
-                <a:latin typeface="Courier New" panose="02070309020205020404" pitchFamily="49" charset="0"/>
-              </a:rPr>
-              <a:t>self</a:t>
-            </a:r>
-            <a:r>
-              <a:rPr lang="en-US" altLang="zh-TW" sz="2400" b="1" dirty="0">
-                <a:solidFill>
-                  <a:srgbClr val="000080"/>
-                </a:solidFill>
-                <a:latin typeface="Courier New" panose="02070309020205020404" pitchFamily="49" charset="0"/>
-              </a:rPr>
-              <a:t>.</a:t>
-            </a:r>
-            <a:r>
-              <a:rPr lang="zh-TW" altLang="en-US" sz="2400" dirty="0">
-                <a:solidFill>
-                  <a:srgbClr val="000000"/>
-                </a:solidFill>
-                <a:latin typeface="Courier New" panose="02070309020205020404" pitchFamily="49" charset="0"/>
-              </a:rPr>
-              <a:t>語音辨認線</a:t>
-            </a:r>
-            <a:r>
-              <a:rPr lang="en-US" altLang="zh-TW" sz="2400" b="1" dirty="0">
-                <a:solidFill>
-                  <a:srgbClr val="000080"/>
-                </a:solidFill>
-                <a:latin typeface="Courier New" panose="02070309020205020404" pitchFamily="49" charset="0"/>
-              </a:rPr>
-              <a:t>.</a:t>
-            </a:r>
-            <a:r>
-              <a:rPr lang="en-US" altLang="zh-TW" sz="2400" dirty="0">
-                <a:solidFill>
-                  <a:srgbClr val="000000"/>
-                </a:solidFill>
-                <a:latin typeface="Courier New" panose="02070309020205020404" pitchFamily="49" charset="0"/>
-              </a:rPr>
-              <a:t>start</a:t>
-            </a:r>
-            <a:r>
-              <a:rPr lang="en-US" altLang="zh-TW" sz="2400" b="1" dirty="0" smtClean="0">
-                <a:solidFill>
-                  <a:srgbClr val="000080"/>
-                </a:solidFill>
-                <a:latin typeface="Courier New" panose="02070309020205020404" pitchFamily="49" charset="0"/>
-              </a:rPr>
-              <a:t>() # </a:t>
-            </a:r>
-            <a:r>
-              <a:rPr lang="en-US" altLang="zh-TW" sz="2400" b="1" dirty="0" err="1" smtClean="0">
-                <a:solidFill>
-                  <a:srgbClr val="000080"/>
-                </a:solidFill>
-                <a:latin typeface="Courier New" panose="02070309020205020404" pitchFamily="49" charset="0"/>
-              </a:rPr>
-              <a:t>ASR_Thread</a:t>
-            </a:r>
-            <a:r>
-              <a:rPr lang="en-US" altLang="zh-TW" sz="2400" dirty="0" smtClean="0">
-                <a:solidFill>
-                  <a:srgbClr val="000000"/>
-                </a:solidFill>
-                <a:latin typeface="Courier New" panose="02070309020205020404" pitchFamily="49" charset="0"/>
-              </a:rPr>
-              <a:t> </a:t>
-            </a:r>
+              <a:rPr lang="zh-TW" altLang="zh-TW" sz="1400" kern="0" dirty="0">
+                <a:solidFill>
+                  <a:srgbClr val="000000"/>
+                </a:solidFill>
+                <a:latin typeface="Courier New" panose="02070309020205020404" pitchFamily="49" charset="0"/>
+                <a:cs typeface="Courier New" panose="02070309020205020404" pitchFamily="49" charset="0"/>
+              </a:rPr>
+              <a:t>框數</a:t>
+            </a:r>
+            <a:r>
+              <a:rPr lang="en-US" altLang="zh-TW" sz="1400" b="1" kern="0" dirty="0" smtClean="0">
+                <a:solidFill>
+                  <a:srgbClr val="000080"/>
+                </a:solidFill>
+                <a:latin typeface="Courier New" panose="02070309020205020404" pitchFamily="49" charset="0"/>
+                <a:cs typeface="Times New Roman" panose="02020603050405020304" pitchFamily="18" charset="0"/>
+              </a:rPr>
+              <a:t>)]</a:t>
+            </a:r>
+          </a:p>
+        </p:txBody>
+      </p:sp>
+      <p:sp>
+        <p:nvSpPr>
+          <p:cNvPr id="5" name="標題 4"/>
+          <p:cNvSpPr>
+            <a:spLocks noGrp="1"/>
+          </p:cNvSpPr>
+          <p:nvPr>
+            <p:ph type="title" idx="4294967295"/>
+          </p:nvPr>
+        </p:nvSpPr>
+        <p:spPr>
+          <a:xfrm>
+            <a:off x="0" y="0"/>
+            <a:ext cx="7886700" cy="1325563"/>
+          </a:xfrm>
+        </p:spPr>
+        <p:txBody>
+          <a:bodyPr/>
+          <a:lstStyle/>
+          <a:p>
+            <a:r>
+              <a:rPr lang="en-US" altLang="zh-TW" dirty="0" smtClean="0"/>
+              <a:t>The </a:t>
+            </a:r>
+            <a:r>
+              <a:rPr lang="en-US" altLang="zh-TW" dirty="0" err="1" smtClean="0"/>
+              <a:t>AudioClass</a:t>
+            </a:r>
+            <a:endParaRPr lang="zh-TW" altLang="en-US" dirty="0"/>
           </a:p>
         </p:txBody>
       </p:sp>
     </p:spTree>
     <p:extLst>
       <p:ext uri="{BB962C8B-B14F-4D97-AF65-F5344CB8AC3E}">
-        <p14:creationId xmlns:p14="http://schemas.microsoft.com/office/powerpoint/2010/main" val="2590742399"/>
+        <p14:creationId xmlns:p14="http://schemas.microsoft.com/office/powerpoint/2010/main" val="723711979"/>
       </p:ext>
     </p:extLst>
   </p:cSld>
@@ -5352,6 +7199,2097 @@
             <a:fld id="{71A47924-2553-4480-8979-2F0EB2BE039C}" type="slidenum">
               <a:rPr lang="zh-TW" altLang="en-US" smtClean="0"/>
               <a:t>6</a:t>
+            </a:fld>
+            <a:endParaRPr lang="zh-TW" altLang="en-US"/>
+          </a:p>
+        </p:txBody>
+      </p:sp>
+      <p:sp>
+        <p:nvSpPr>
+          <p:cNvPr id="3" name="矩形 2"/>
+          <p:cNvSpPr/>
+          <p:nvPr/>
+        </p:nvSpPr>
+        <p:spPr>
+          <a:xfrm>
+            <a:off x="0" y="1855798"/>
+            <a:ext cx="8874492" cy="3970318"/>
+          </a:xfrm>
+          <a:prstGeom prst="rect">
+            <a:avLst/>
+          </a:prstGeom>
+        </p:spPr>
+        <p:txBody>
+          <a:bodyPr wrap="square">
+            <a:spAutoFit/>
+          </a:bodyPr>
+          <a:lstStyle/>
+          <a:p>
+            <a:pPr>
+              <a:spcAft>
+                <a:spcPts val="0"/>
+              </a:spcAft>
+            </a:pPr>
+            <a:r>
+              <a:rPr lang="en-US" altLang="zh-TW" kern="0" dirty="0">
+                <a:solidFill>
+                  <a:srgbClr val="000000"/>
+                </a:solidFill>
+                <a:latin typeface="Courier New" panose="02070309020205020404" pitchFamily="49" charset="0"/>
+                <a:cs typeface="Times New Roman" panose="02020603050405020304" pitchFamily="18" charset="0"/>
+              </a:rPr>
+              <a:t> </a:t>
+            </a:r>
+            <a:r>
+              <a:rPr lang="zh-TW" altLang="en-US" kern="0" dirty="0" smtClean="0">
+                <a:solidFill>
+                  <a:srgbClr val="000000"/>
+                </a:solidFill>
+                <a:latin typeface="Courier New" panose="02070309020205020404" pitchFamily="49" charset="0"/>
+                <a:cs typeface="Times New Roman" panose="02020603050405020304" pitchFamily="18" charset="0"/>
+              </a:rPr>
+              <a:t>   </a:t>
+            </a:r>
+            <a:r>
+              <a:rPr lang="en-US" altLang="zh-TW" b="1" kern="0" dirty="0" err="1" smtClean="0">
+                <a:solidFill>
+                  <a:srgbClr val="0000FF"/>
+                </a:solidFill>
+                <a:latin typeface="Courier New" panose="02070309020205020404" pitchFamily="49" charset="0"/>
+                <a:cs typeface="Times New Roman" panose="02020603050405020304" pitchFamily="18" charset="0"/>
+              </a:rPr>
+              <a:t>def</a:t>
+            </a:r>
+            <a:r>
+              <a:rPr lang="en-US" altLang="zh-TW" kern="0" dirty="0" smtClean="0">
+                <a:solidFill>
+                  <a:srgbClr val="000000"/>
+                </a:solidFill>
+                <a:latin typeface="Courier New" panose="02070309020205020404" pitchFamily="49" charset="0"/>
+                <a:cs typeface="Times New Roman" panose="02020603050405020304" pitchFamily="18" charset="0"/>
+              </a:rPr>
+              <a:t> </a:t>
+            </a:r>
+            <a:r>
+              <a:rPr lang="en-US" altLang="zh-TW" kern="0" dirty="0" err="1" smtClean="0">
+                <a:solidFill>
+                  <a:srgbClr val="FF00FF"/>
+                </a:solidFill>
+                <a:latin typeface="Courier New" panose="02070309020205020404" pitchFamily="49" charset="0"/>
+                <a:cs typeface="Times New Roman" panose="02020603050405020304" pitchFamily="18" charset="0"/>
+              </a:rPr>
+              <a:t>init</a:t>
+            </a:r>
+            <a:r>
+              <a:rPr lang="en-US" altLang="zh-TW" b="1" kern="0" dirty="0" smtClean="0">
+                <a:solidFill>
+                  <a:srgbClr val="000080"/>
+                </a:solidFill>
+                <a:latin typeface="Courier New" panose="02070309020205020404" pitchFamily="49" charset="0"/>
+                <a:cs typeface="Times New Roman" panose="02020603050405020304" pitchFamily="18" charset="0"/>
+              </a:rPr>
+              <a:t>(</a:t>
+            </a:r>
+            <a:r>
+              <a:rPr lang="en-US" altLang="zh-TW" kern="0" dirty="0" smtClean="0">
+                <a:solidFill>
+                  <a:srgbClr val="000000"/>
+                </a:solidFill>
+                <a:latin typeface="Courier New" panose="02070309020205020404" pitchFamily="49" charset="0"/>
+                <a:cs typeface="Times New Roman" panose="02020603050405020304" pitchFamily="18" charset="0"/>
+              </a:rPr>
+              <a:t>self</a:t>
+            </a:r>
+            <a:r>
+              <a:rPr lang="en-US" altLang="zh-TW" b="1" kern="0" dirty="0" smtClean="0">
+                <a:solidFill>
+                  <a:srgbClr val="000080"/>
+                </a:solidFill>
+                <a:latin typeface="Courier New" panose="02070309020205020404" pitchFamily="49" charset="0"/>
+                <a:cs typeface="Times New Roman" panose="02020603050405020304" pitchFamily="18" charset="0"/>
+              </a:rPr>
+              <a:t>):</a:t>
+            </a:r>
+          </a:p>
+          <a:p>
+            <a:pPr>
+              <a:spcAft>
+                <a:spcPts val="0"/>
+              </a:spcAft>
+            </a:pPr>
+            <a:r>
+              <a:rPr lang="en-US" altLang="zh-TW" kern="0" dirty="0" smtClean="0">
+                <a:solidFill>
+                  <a:srgbClr val="000000"/>
+                </a:solidFill>
+                <a:latin typeface="Courier New" panose="02070309020205020404" pitchFamily="49" charset="0"/>
+                <a:cs typeface="Times New Roman" panose="02020603050405020304" pitchFamily="18" charset="0"/>
+              </a:rPr>
+              <a:t> </a:t>
+            </a:r>
+            <a:r>
+              <a:rPr lang="zh-TW" altLang="en-US" kern="0" dirty="0" smtClean="0">
+                <a:solidFill>
+                  <a:srgbClr val="000000"/>
+                </a:solidFill>
+                <a:latin typeface="Courier New" panose="02070309020205020404" pitchFamily="49" charset="0"/>
+                <a:cs typeface="Times New Roman" panose="02020603050405020304" pitchFamily="18" charset="0"/>
+              </a:rPr>
+              <a:t>       </a:t>
+            </a:r>
+            <a:endParaRPr lang="en-US" altLang="zh-TW" kern="0" dirty="0" smtClean="0">
+              <a:solidFill>
+                <a:srgbClr val="000000"/>
+              </a:solidFill>
+              <a:latin typeface="Courier New" panose="02070309020205020404" pitchFamily="49" charset="0"/>
+              <a:cs typeface="Times New Roman" panose="02020603050405020304" pitchFamily="18" charset="0"/>
+            </a:endParaRPr>
+          </a:p>
+          <a:p>
+            <a:pPr>
+              <a:spcAft>
+                <a:spcPts val="0"/>
+              </a:spcAft>
+            </a:pPr>
+            <a:r>
+              <a:rPr lang="zh-TW" altLang="en-US" kern="0" dirty="0">
+                <a:solidFill>
+                  <a:srgbClr val="000000"/>
+                </a:solidFill>
+                <a:latin typeface="Courier New" panose="02070309020205020404" pitchFamily="49" charset="0"/>
+                <a:cs typeface="Times New Roman" panose="02020603050405020304" pitchFamily="18" charset="0"/>
+              </a:rPr>
+              <a:t> </a:t>
+            </a:r>
+            <a:r>
+              <a:rPr lang="zh-TW" altLang="en-US" kern="0" dirty="0" smtClean="0">
+                <a:solidFill>
+                  <a:srgbClr val="000000"/>
+                </a:solidFill>
+                <a:latin typeface="Courier New" panose="02070309020205020404" pitchFamily="49" charset="0"/>
+                <a:cs typeface="Times New Roman" panose="02020603050405020304" pitchFamily="18" charset="0"/>
+              </a:rPr>
+              <a:t>       </a:t>
+            </a:r>
+            <a:r>
+              <a:rPr lang="en-US" altLang="zh-TW" kern="0" dirty="0" smtClean="0">
+                <a:solidFill>
+                  <a:srgbClr val="000000"/>
+                </a:solidFill>
+                <a:latin typeface="Courier New" panose="02070309020205020404" pitchFamily="49" charset="0"/>
+                <a:cs typeface="Times New Roman" panose="02020603050405020304" pitchFamily="18" charset="0"/>
+              </a:rPr>
+              <a:t>self</a:t>
+            </a:r>
+            <a:r>
+              <a:rPr lang="en-US" altLang="zh-TW" b="1" kern="0" dirty="0">
+                <a:solidFill>
+                  <a:srgbClr val="000080"/>
+                </a:solidFill>
+                <a:latin typeface="Courier New" panose="02070309020205020404" pitchFamily="49" charset="0"/>
+                <a:cs typeface="Times New Roman" panose="02020603050405020304" pitchFamily="18" charset="0"/>
+              </a:rPr>
+              <a:t>.</a:t>
+            </a:r>
+            <a:r>
+              <a:rPr lang="zh-TW" altLang="zh-TW" kern="0" dirty="0">
+                <a:solidFill>
+                  <a:srgbClr val="000000"/>
+                </a:solidFill>
+                <a:latin typeface="Courier New" panose="02070309020205020404" pitchFamily="49" charset="0"/>
+                <a:cs typeface="Courier New" panose="02070309020205020404" pitchFamily="49" charset="0"/>
+              </a:rPr>
+              <a:t>錄音線</a:t>
+            </a:r>
+            <a:r>
+              <a:rPr lang="en-US" altLang="zh-TW" b="1" kern="0" dirty="0">
+                <a:solidFill>
+                  <a:srgbClr val="000080"/>
+                </a:solidFill>
+                <a:latin typeface="Courier New" panose="02070309020205020404" pitchFamily="49" charset="0"/>
+                <a:cs typeface="Times New Roman" panose="02020603050405020304" pitchFamily="18" charset="0"/>
+              </a:rPr>
+              <a:t>=</a:t>
+            </a:r>
+            <a:r>
+              <a:rPr lang="en-US" altLang="zh-TW" kern="0" dirty="0">
+                <a:solidFill>
+                  <a:srgbClr val="000000"/>
+                </a:solidFill>
+                <a:latin typeface="Courier New" panose="02070309020205020404" pitchFamily="49" charset="0"/>
+                <a:cs typeface="Times New Roman" panose="02020603050405020304" pitchFamily="18" charset="0"/>
+              </a:rPr>
+              <a:t> </a:t>
+            </a:r>
+            <a:r>
+              <a:rPr lang="en-US" altLang="zh-TW" kern="0" dirty="0" err="1">
+                <a:solidFill>
+                  <a:srgbClr val="000000"/>
+                </a:solidFill>
+                <a:latin typeface="Courier New" panose="02070309020205020404" pitchFamily="49" charset="0"/>
+                <a:cs typeface="Times New Roman" panose="02020603050405020304" pitchFamily="18" charset="0"/>
+              </a:rPr>
+              <a:t>threading</a:t>
+            </a:r>
+            <a:r>
+              <a:rPr lang="en-US" altLang="zh-TW" b="1" kern="0" dirty="0" err="1">
+                <a:solidFill>
+                  <a:srgbClr val="000080"/>
+                </a:solidFill>
+                <a:latin typeface="Courier New" panose="02070309020205020404" pitchFamily="49" charset="0"/>
+                <a:cs typeface="Times New Roman" panose="02020603050405020304" pitchFamily="18" charset="0"/>
+              </a:rPr>
+              <a:t>.</a:t>
+            </a:r>
+            <a:r>
+              <a:rPr lang="en-US" altLang="zh-TW" kern="0" dirty="0" err="1">
+                <a:solidFill>
+                  <a:srgbClr val="000000"/>
+                </a:solidFill>
+                <a:latin typeface="Courier New" panose="02070309020205020404" pitchFamily="49" charset="0"/>
+                <a:cs typeface="Times New Roman" panose="02020603050405020304" pitchFamily="18" charset="0"/>
+              </a:rPr>
+              <a:t>Thread</a:t>
+            </a:r>
+            <a:r>
+              <a:rPr lang="en-US" altLang="zh-TW" b="1" kern="0" dirty="0">
+                <a:solidFill>
+                  <a:srgbClr val="000080"/>
+                </a:solidFill>
+                <a:latin typeface="Courier New" panose="02070309020205020404" pitchFamily="49" charset="0"/>
+                <a:cs typeface="Times New Roman" panose="02020603050405020304" pitchFamily="18" charset="0"/>
+              </a:rPr>
+              <a:t>(</a:t>
+            </a:r>
+            <a:r>
+              <a:rPr lang="en-US" altLang="zh-TW" kern="0" dirty="0">
+                <a:solidFill>
+                  <a:srgbClr val="000000"/>
+                </a:solidFill>
+                <a:latin typeface="Courier New" panose="02070309020205020404" pitchFamily="49" charset="0"/>
+                <a:cs typeface="Times New Roman" panose="02020603050405020304" pitchFamily="18" charset="0"/>
+              </a:rPr>
+              <a:t>target</a:t>
+            </a:r>
+            <a:r>
+              <a:rPr lang="en-US" altLang="zh-TW" b="1" kern="0" dirty="0">
+                <a:solidFill>
+                  <a:srgbClr val="000080"/>
+                </a:solidFill>
+                <a:latin typeface="Courier New" panose="02070309020205020404" pitchFamily="49" charset="0"/>
+                <a:cs typeface="Times New Roman" panose="02020603050405020304" pitchFamily="18" charset="0"/>
+              </a:rPr>
+              <a:t>=</a:t>
+            </a:r>
+            <a:r>
+              <a:rPr lang="en-US" altLang="zh-TW" kern="0" dirty="0">
+                <a:solidFill>
+                  <a:srgbClr val="000000"/>
+                </a:solidFill>
+                <a:latin typeface="Courier New" panose="02070309020205020404" pitchFamily="49" charset="0"/>
+                <a:cs typeface="Times New Roman" panose="02020603050405020304" pitchFamily="18" charset="0"/>
+              </a:rPr>
+              <a:t> self</a:t>
+            </a:r>
+            <a:r>
+              <a:rPr lang="en-US" altLang="zh-TW" b="1" kern="0" dirty="0">
+                <a:solidFill>
+                  <a:srgbClr val="000080"/>
+                </a:solidFill>
+                <a:latin typeface="Courier New" panose="02070309020205020404" pitchFamily="49" charset="0"/>
+                <a:cs typeface="Times New Roman" panose="02020603050405020304" pitchFamily="18" charset="0"/>
+              </a:rPr>
+              <a:t>.</a:t>
+            </a:r>
+            <a:r>
+              <a:rPr lang="zh-TW" altLang="zh-TW" kern="0" dirty="0">
+                <a:solidFill>
+                  <a:srgbClr val="000000"/>
+                </a:solidFill>
+                <a:latin typeface="Courier New" panose="02070309020205020404" pitchFamily="49" charset="0"/>
+                <a:cs typeface="Courier New" panose="02070309020205020404" pitchFamily="49" charset="0"/>
+              </a:rPr>
+              <a:t>錄音線程</a:t>
+            </a:r>
+            <a:r>
+              <a:rPr lang="en-US" altLang="zh-TW" b="1" kern="0" dirty="0">
+                <a:solidFill>
+                  <a:srgbClr val="000080"/>
+                </a:solidFill>
+                <a:latin typeface="Courier New" panose="02070309020205020404" pitchFamily="49" charset="0"/>
+                <a:cs typeface="Times New Roman" panose="02020603050405020304" pitchFamily="18" charset="0"/>
+              </a:rPr>
+              <a:t>)</a:t>
+            </a:r>
+            <a:endParaRPr lang="zh-TW" altLang="zh-TW" kern="100" dirty="0">
+              <a:latin typeface="Calibri" panose="020F0502020204030204" pitchFamily="34" charset="0"/>
+              <a:cs typeface="Times New Roman" panose="02020603050405020304" pitchFamily="18" charset="0"/>
+            </a:endParaRPr>
+          </a:p>
+          <a:p>
+            <a:pPr>
+              <a:spcAft>
+                <a:spcPts val="0"/>
+              </a:spcAft>
+            </a:pPr>
+            <a:r>
+              <a:rPr lang="en-US" altLang="zh-TW" kern="0" dirty="0">
+                <a:solidFill>
+                  <a:srgbClr val="000000"/>
+                </a:solidFill>
+                <a:latin typeface="Courier New" panose="02070309020205020404" pitchFamily="49" charset="0"/>
+                <a:cs typeface="Times New Roman" panose="02020603050405020304" pitchFamily="18" charset="0"/>
+              </a:rPr>
+              <a:t>        self</a:t>
+            </a:r>
+            <a:r>
+              <a:rPr lang="en-US" altLang="zh-TW" b="1" kern="0" dirty="0">
+                <a:solidFill>
+                  <a:srgbClr val="000080"/>
+                </a:solidFill>
+                <a:latin typeface="Courier New" panose="02070309020205020404" pitchFamily="49" charset="0"/>
+                <a:cs typeface="Times New Roman" panose="02020603050405020304" pitchFamily="18" charset="0"/>
+              </a:rPr>
+              <a:t>.</a:t>
+            </a:r>
+            <a:r>
+              <a:rPr lang="zh-TW" altLang="zh-TW" kern="0" dirty="0">
+                <a:solidFill>
+                  <a:srgbClr val="000000"/>
+                </a:solidFill>
+                <a:latin typeface="Courier New" panose="02070309020205020404" pitchFamily="49" charset="0"/>
+                <a:cs typeface="Courier New" panose="02070309020205020404" pitchFamily="49" charset="0"/>
+              </a:rPr>
+              <a:t>能量線</a:t>
+            </a:r>
+            <a:r>
+              <a:rPr lang="en-US" altLang="zh-TW" b="1" kern="0" dirty="0">
+                <a:solidFill>
+                  <a:srgbClr val="000080"/>
+                </a:solidFill>
+                <a:latin typeface="Courier New" panose="02070309020205020404" pitchFamily="49" charset="0"/>
+                <a:cs typeface="Times New Roman" panose="02020603050405020304" pitchFamily="18" charset="0"/>
+              </a:rPr>
+              <a:t>=</a:t>
+            </a:r>
+            <a:r>
+              <a:rPr lang="en-US" altLang="zh-TW" kern="0" dirty="0">
+                <a:solidFill>
+                  <a:srgbClr val="000000"/>
+                </a:solidFill>
+                <a:latin typeface="Courier New" panose="02070309020205020404" pitchFamily="49" charset="0"/>
+                <a:cs typeface="Times New Roman" panose="02020603050405020304" pitchFamily="18" charset="0"/>
+              </a:rPr>
+              <a:t> </a:t>
+            </a:r>
+            <a:r>
+              <a:rPr lang="en-US" altLang="zh-TW" kern="0" dirty="0" err="1">
+                <a:solidFill>
+                  <a:srgbClr val="000000"/>
+                </a:solidFill>
+                <a:latin typeface="Courier New" panose="02070309020205020404" pitchFamily="49" charset="0"/>
+                <a:cs typeface="Times New Roman" panose="02020603050405020304" pitchFamily="18" charset="0"/>
+              </a:rPr>
+              <a:t>threading</a:t>
+            </a:r>
+            <a:r>
+              <a:rPr lang="en-US" altLang="zh-TW" b="1" kern="0" dirty="0" err="1">
+                <a:solidFill>
+                  <a:srgbClr val="000080"/>
+                </a:solidFill>
+                <a:latin typeface="Courier New" panose="02070309020205020404" pitchFamily="49" charset="0"/>
+                <a:cs typeface="Times New Roman" panose="02020603050405020304" pitchFamily="18" charset="0"/>
+              </a:rPr>
+              <a:t>.</a:t>
+            </a:r>
+            <a:r>
+              <a:rPr lang="en-US" altLang="zh-TW" kern="0" dirty="0" err="1">
+                <a:solidFill>
+                  <a:srgbClr val="000000"/>
+                </a:solidFill>
+                <a:latin typeface="Courier New" panose="02070309020205020404" pitchFamily="49" charset="0"/>
+                <a:cs typeface="Times New Roman" panose="02020603050405020304" pitchFamily="18" charset="0"/>
+              </a:rPr>
+              <a:t>Thread</a:t>
+            </a:r>
+            <a:r>
+              <a:rPr lang="en-US" altLang="zh-TW" b="1" kern="0" dirty="0">
+                <a:solidFill>
+                  <a:srgbClr val="000080"/>
+                </a:solidFill>
+                <a:latin typeface="Courier New" panose="02070309020205020404" pitchFamily="49" charset="0"/>
+                <a:cs typeface="Times New Roman" panose="02020603050405020304" pitchFamily="18" charset="0"/>
+              </a:rPr>
+              <a:t>(</a:t>
+            </a:r>
+            <a:r>
+              <a:rPr lang="en-US" altLang="zh-TW" kern="0" dirty="0">
+                <a:solidFill>
+                  <a:srgbClr val="000000"/>
+                </a:solidFill>
+                <a:latin typeface="Courier New" panose="02070309020205020404" pitchFamily="49" charset="0"/>
+                <a:cs typeface="Times New Roman" panose="02020603050405020304" pitchFamily="18" charset="0"/>
+              </a:rPr>
+              <a:t>target</a:t>
+            </a:r>
+            <a:r>
+              <a:rPr lang="en-US" altLang="zh-TW" b="1" kern="0" dirty="0">
+                <a:solidFill>
+                  <a:srgbClr val="000080"/>
+                </a:solidFill>
+                <a:latin typeface="Courier New" panose="02070309020205020404" pitchFamily="49" charset="0"/>
+                <a:cs typeface="Times New Roman" panose="02020603050405020304" pitchFamily="18" charset="0"/>
+              </a:rPr>
+              <a:t>=</a:t>
+            </a:r>
+            <a:r>
+              <a:rPr lang="en-US" altLang="zh-TW" kern="0" dirty="0">
+                <a:solidFill>
+                  <a:srgbClr val="000000"/>
+                </a:solidFill>
+                <a:latin typeface="Courier New" panose="02070309020205020404" pitchFamily="49" charset="0"/>
+                <a:cs typeface="Times New Roman" panose="02020603050405020304" pitchFamily="18" charset="0"/>
+              </a:rPr>
+              <a:t> self</a:t>
+            </a:r>
+            <a:r>
+              <a:rPr lang="en-US" altLang="zh-TW" b="1" kern="0" dirty="0">
+                <a:solidFill>
+                  <a:srgbClr val="000080"/>
+                </a:solidFill>
+                <a:latin typeface="Courier New" panose="02070309020205020404" pitchFamily="49" charset="0"/>
+                <a:cs typeface="Times New Roman" panose="02020603050405020304" pitchFamily="18" charset="0"/>
+              </a:rPr>
+              <a:t>.</a:t>
+            </a:r>
+            <a:r>
+              <a:rPr lang="en-US" altLang="zh-TW" kern="0" dirty="0">
+                <a:solidFill>
+                  <a:srgbClr val="000000"/>
+                </a:solidFill>
+                <a:latin typeface="Courier New" panose="02070309020205020404" pitchFamily="49" charset="0"/>
+                <a:cs typeface="Times New Roman" panose="02020603050405020304" pitchFamily="18" charset="0"/>
+              </a:rPr>
+              <a:t>f1_</a:t>
+            </a:r>
+            <a:r>
+              <a:rPr lang="zh-TW" altLang="zh-TW" kern="0" dirty="0">
+                <a:solidFill>
+                  <a:srgbClr val="000000"/>
+                </a:solidFill>
+                <a:latin typeface="Courier New" panose="02070309020205020404" pitchFamily="49" charset="0"/>
+                <a:cs typeface="Courier New" panose="02070309020205020404" pitchFamily="49" charset="0"/>
+              </a:rPr>
+              <a:t>能量</a:t>
+            </a:r>
+            <a:r>
+              <a:rPr lang="en-US" altLang="zh-TW" b="1" kern="0" dirty="0">
+                <a:solidFill>
+                  <a:srgbClr val="000080"/>
+                </a:solidFill>
+                <a:latin typeface="Courier New" panose="02070309020205020404" pitchFamily="49" charset="0"/>
+                <a:cs typeface="Times New Roman" panose="02020603050405020304" pitchFamily="18" charset="0"/>
+              </a:rPr>
+              <a:t>)</a:t>
+            </a:r>
+            <a:endParaRPr lang="zh-TW" altLang="zh-TW" kern="100" dirty="0">
+              <a:latin typeface="Calibri" panose="020F0502020204030204" pitchFamily="34" charset="0"/>
+              <a:cs typeface="Times New Roman" panose="02020603050405020304" pitchFamily="18" charset="0"/>
+            </a:endParaRPr>
+          </a:p>
+          <a:p>
+            <a:pPr>
+              <a:spcAft>
+                <a:spcPts val="0"/>
+              </a:spcAft>
+            </a:pPr>
+            <a:r>
+              <a:rPr lang="en-US" altLang="zh-TW" kern="0" dirty="0">
+                <a:solidFill>
+                  <a:srgbClr val="000000"/>
+                </a:solidFill>
+                <a:latin typeface="Courier New" panose="02070309020205020404" pitchFamily="49" charset="0"/>
+                <a:cs typeface="Times New Roman" panose="02020603050405020304" pitchFamily="18" charset="0"/>
+              </a:rPr>
+              <a:t>        self</a:t>
+            </a:r>
+            <a:r>
+              <a:rPr lang="en-US" altLang="zh-TW" b="1" kern="0" dirty="0">
+                <a:solidFill>
+                  <a:srgbClr val="000080"/>
+                </a:solidFill>
+                <a:latin typeface="Courier New" panose="02070309020205020404" pitchFamily="49" charset="0"/>
+                <a:cs typeface="Times New Roman" panose="02020603050405020304" pitchFamily="18" charset="0"/>
+              </a:rPr>
+              <a:t>.</a:t>
+            </a:r>
+            <a:r>
+              <a:rPr lang="zh-TW" altLang="zh-TW" kern="0" dirty="0">
+                <a:solidFill>
+                  <a:srgbClr val="000000"/>
+                </a:solidFill>
+                <a:latin typeface="Courier New" panose="02070309020205020404" pitchFamily="49" charset="0"/>
+                <a:cs typeface="Courier New" panose="02070309020205020404" pitchFamily="49" charset="0"/>
+              </a:rPr>
+              <a:t>基頻線</a:t>
+            </a:r>
+            <a:r>
+              <a:rPr lang="en-US" altLang="zh-TW" b="1" kern="0" dirty="0">
+                <a:solidFill>
+                  <a:srgbClr val="000080"/>
+                </a:solidFill>
+                <a:latin typeface="Courier New" panose="02070309020205020404" pitchFamily="49" charset="0"/>
+                <a:cs typeface="Times New Roman" panose="02020603050405020304" pitchFamily="18" charset="0"/>
+              </a:rPr>
+              <a:t>=</a:t>
+            </a:r>
+            <a:r>
+              <a:rPr lang="en-US" altLang="zh-TW" kern="0" dirty="0">
+                <a:solidFill>
+                  <a:srgbClr val="000000"/>
+                </a:solidFill>
+                <a:latin typeface="Courier New" panose="02070309020205020404" pitchFamily="49" charset="0"/>
+                <a:cs typeface="Times New Roman" panose="02020603050405020304" pitchFamily="18" charset="0"/>
+              </a:rPr>
+              <a:t> </a:t>
+            </a:r>
+            <a:r>
+              <a:rPr lang="en-US" altLang="zh-TW" kern="0" dirty="0" err="1">
+                <a:solidFill>
+                  <a:srgbClr val="000000"/>
+                </a:solidFill>
+                <a:latin typeface="Courier New" panose="02070309020205020404" pitchFamily="49" charset="0"/>
+                <a:cs typeface="Times New Roman" panose="02020603050405020304" pitchFamily="18" charset="0"/>
+              </a:rPr>
+              <a:t>threading</a:t>
+            </a:r>
+            <a:r>
+              <a:rPr lang="en-US" altLang="zh-TW" b="1" kern="0" dirty="0" err="1">
+                <a:solidFill>
+                  <a:srgbClr val="000080"/>
+                </a:solidFill>
+                <a:latin typeface="Courier New" panose="02070309020205020404" pitchFamily="49" charset="0"/>
+                <a:cs typeface="Times New Roman" panose="02020603050405020304" pitchFamily="18" charset="0"/>
+              </a:rPr>
+              <a:t>.</a:t>
+            </a:r>
+            <a:r>
+              <a:rPr lang="en-US" altLang="zh-TW" kern="0" dirty="0" err="1">
+                <a:solidFill>
+                  <a:srgbClr val="000000"/>
+                </a:solidFill>
+                <a:latin typeface="Courier New" panose="02070309020205020404" pitchFamily="49" charset="0"/>
+                <a:cs typeface="Times New Roman" panose="02020603050405020304" pitchFamily="18" charset="0"/>
+              </a:rPr>
+              <a:t>Thread</a:t>
+            </a:r>
+            <a:r>
+              <a:rPr lang="en-US" altLang="zh-TW" b="1" kern="0" dirty="0">
+                <a:solidFill>
+                  <a:srgbClr val="000080"/>
+                </a:solidFill>
+                <a:latin typeface="Courier New" panose="02070309020205020404" pitchFamily="49" charset="0"/>
+                <a:cs typeface="Times New Roman" panose="02020603050405020304" pitchFamily="18" charset="0"/>
+              </a:rPr>
+              <a:t>(</a:t>
+            </a:r>
+            <a:r>
+              <a:rPr lang="en-US" altLang="zh-TW" kern="0" dirty="0">
+                <a:solidFill>
+                  <a:srgbClr val="000000"/>
+                </a:solidFill>
+                <a:latin typeface="Courier New" panose="02070309020205020404" pitchFamily="49" charset="0"/>
+                <a:cs typeface="Times New Roman" panose="02020603050405020304" pitchFamily="18" charset="0"/>
+              </a:rPr>
+              <a:t>target</a:t>
+            </a:r>
+            <a:r>
+              <a:rPr lang="en-US" altLang="zh-TW" b="1" kern="0" dirty="0">
+                <a:solidFill>
+                  <a:srgbClr val="000080"/>
+                </a:solidFill>
+                <a:latin typeface="Courier New" panose="02070309020205020404" pitchFamily="49" charset="0"/>
+                <a:cs typeface="Times New Roman" panose="02020603050405020304" pitchFamily="18" charset="0"/>
+              </a:rPr>
+              <a:t>=</a:t>
+            </a:r>
+            <a:r>
+              <a:rPr lang="en-US" altLang="zh-TW" kern="0" dirty="0">
+                <a:solidFill>
+                  <a:srgbClr val="000000"/>
+                </a:solidFill>
+                <a:latin typeface="Courier New" panose="02070309020205020404" pitchFamily="49" charset="0"/>
+                <a:cs typeface="Times New Roman" panose="02020603050405020304" pitchFamily="18" charset="0"/>
+              </a:rPr>
+              <a:t> self</a:t>
+            </a:r>
+            <a:r>
+              <a:rPr lang="en-US" altLang="zh-TW" b="1" kern="0" dirty="0">
+                <a:solidFill>
+                  <a:srgbClr val="000080"/>
+                </a:solidFill>
+                <a:latin typeface="Courier New" panose="02070309020205020404" pitchFamily="49" charset="0"/>
+                <a:cs typeface="Times New Roman" panose="02020603050405020304" pitchFamily="18" charset="0"/>
+              </a:rPr>
+              <a:t>.</a:t>
+            </a:r>
+            <a:r>
+              <a:rPr lang="en-US" altLang="zh-TW" kern="0" dirty="0">
+                <a:solidFill>
+                  <a:srgbClr val="000000"/>
+                </a:solidFill>
+                <a:latin typeface="Courier New" panose="02070309020205020404" pitchFamily="49" charset="0"/>
+                <a:cs typeface="Times New Roman" panose="02020603050405020304" pitchFamily="18" charset="0"/>
+              </a:rPr>
+              <a:t>f4_</a:t>
+            </a:r>
+            <a:r>
+              <a:rPr lang="zh-TW" altLang="zh-TW" kern="0" dirty="0">
+                <a:solidFill>
+                  <a:srgbClr val="000000"/>
+                </a:solidFill>
+                <a:latin typeface="Courier New" panose="02070309020205020404" pitchFamily="49" charset="0"/>
+                <a:cs typeface="Courier New" panose="02070309020205020404" pitchFamily="49" charset="0"/>
+              </a:rPr>
+              <a:t>基頻</a:t>
+            </a:r>
+            <a:r>
+              <a:rPr lang="en-US" altLang="zh-TW" b="1" kern="0" dirty="0">
+                <a:solidFill>
+                  <a:srgbClr val="000080"/>
+                </a:solidFill>
+                <a:latin typeface="Courier New" panose="02070309020205020404" pitchFamily="49" charset="0"/>
+                <a:cs typeface="Times New Roman" panose="02020603050405020304" pitchFamily="18" charset="0"/>
+              </a:rPr>
+              <a:t>)</a:t>
+            </a:r>
+            <a:endParaRPr lang="zh-TW" altLang="zh-TW" kern="100" dirty="0">
+              <a:latin typeface="Calibri" panose="020F0502020204030204" pitchFamily="34" charset="0"/>
+              <a:cs typeface="Times New Roman" panose="02020603050405020304" pitchFamily="18" charset="0"/>
+            </a:endParaRPr>
+          </a:p>
+          <a:p>
+            <a:pPr>
+              <a:spcAft>
+                <a:spcPts val="0"/>
+              </a:spcAft>
+            </a:pPr>
+            <a:r>
+              <a:rPr lang="en-US" altLang="zh-TW" kern="0" dirty="0">
+                <a:solidFill>
+                  <a:srgbClr val="000000"/>
+                </a:solidFill>
+                <a:latin typeface="Courier New" panose="02070309020205020404" pitchFamily="49" charset="0"/>
+                <a:cs typeface="Times New Roman" panose="02020603050405020304" pitchFamily="18" charset="0"/>
+              </a:rPr>
+              <a:t>        self</a:t>
+            </a:r>
+            <a:r>
+              <a:rPr lang="en-US" altLang="zh-TW" b="1" kern="0" dirty="0">
+                <a:solidFill>
+                  <a:srgbClr val="000080"/>
+                </a:solidFill>
+                <a:latin typeface="Courier New" panose="02070309020205020404" pitchFamily="49" charset="0"/>
+                <a:cs typeface="Times New Roman" panose="02020603050405020304" pitchFamily="18" charset="0"/>
+              </a:rPr>
+              <a:t>.</a:t>
+            </a:r>
+            <a:r>
+              <a:rPr lang="zh-TW" altLang="zh-TW" kern="0" dirty="0">
+                <a:solidFill>
+                  <a:srgbClr val="000000"/>
+                </a:solidFill>
+                <a:latin typeface="Courier New" panose="02070309020205020404" pitchFamily="49" charset="0"/>
+                <a:cs typeface="Courier New" panose="02070309020205020404" pitchFamily="49" charset="0"/>
+              </a:rPr>
+              <a:t>語音辨認線</a:t>
+            </a:r>
+            <a:r>
+              <a:rPr lang="en-US" altLang="zh-TW" b="1" kern="0" dirty="0">
+                <a:solidFill>
+                  <a:srgbClr val="000080"/>
+                </a:solidFill>
+                <a:latin typeface="Courier New" panose="02070309020205020404" pitchFamily="49" charset="0"/>
+                <a:cs typeface="Times New Roman" panose="02020603050405020304" pitchFamily="18" charset="0"/>
+              </a:rPr>
+              <a:t>=</a:t>
+            </a:r>
+            <a:r>
+              <a:rPr lang="en-US" altLang="zh-TW" kern="0" dirty="0">
+                <a:solidFill>
+                  <a:srgbClr val="000000"/>
+                </a:solidFill>
+                <a:latin typeface="Courier New" panose="02070309020205020404" pitchFamily="49" charset="0"/>
+                <a:cs typeface="Times New Roman" panose="02020603050405020304" pitchFamily="18" charset="0"/>
+              </a:rPr>
+              <a:t> </a:t>
+            </a:r>
+            <a:r>
+              <a:rPr lang="en-US" altLang="zh-TW" kern="0" dirty="0" err="1">
+                <a:solidFill>
+                  <a:srgbClr val="000000"/>
+                </a:solidFill>
+                <a:latin typeface="Courier New" panose="02070309020205020404" pitchFamily="49" charset="0"/>
+                <a:cs typeface="Times New Roman" panose="02020603050405020304" pitchFamily="18" charset="0"/>
+              </a:rPr>
+              <a:t>threading</a:t>
+            </a:r>
+            <a:r>
+              <a:rPr lang="en-US" altLang="zh-TW" b="1" kern="0" dirty="0" err="1">
+                <a:solidFill>
+                  <a:srgbClr val="000080"/>
+                </a:solidFill>
+                <a:latin typeface="Courier New" panose="02070309020205020404" pitchFamily="49" charset="0"/>
+                <a:cs typeface="Times New Roman" panose="02020603050405020304" pitchFamily="18" charset="0"/>
+              </a:rPr>
+              <a:t>.</a:t>
+            </a:r>
+            <a:r>
+              <a:rPr lang="en-US" altLang="zh-TW" kern="0" dirty="0" err="1">
+                <a:solidFill>
+                  <a:srgbClr val="000000"/>
+                </a:solidFill>
+                <a:latin typeface="Courier New" panose="02070309020205020404" pitchFamily="49" charset="0"/>
+                <a:cs typeface="Times New Roman" panose="02020603050405020304" pitchFamily="18" charset="0"/>
+              </a:rPr>
+              <a:t>Thread</a:t>
+            </a:r>
+            <a:r>
+              <a:rPr lang="en-US" altLang="zh-TW" b="1" kern="0" dirty="0">
+                <a:solidFill>
+                  <a:srgbClr val="000080"/>
+                </a:solidFill>
+                <a:latin typeface="Courier New" panose="02070309020205020404" pitchFamily="49" charset="0"/>
+                <a:cs typeface="Times New Roman" panose="02020603050405020304" pitchFamily="18" charset="0"/>
+              </a:rPr>
+              <a:t>(</a:t>
+            </a:r>
+            <a:r>
+              <a:rPr lang="en-US" altLang="zh-TW" kern="0" dirty="0">
+                <a:solidFill>
+                  <a:srgbClr val="000000"/>
+                </a:solidFill>
+                <a:latin typeface="Courier New" panose="02070309020205020404" pitchFamily="49" charset="0"/>
+                <a:cs typeface="Times New Roman" panose="02020603050405020304" pitchFamily="18" charset="0"/>
+              </a:rPr>
+              <a:t>target</a:t>
+            </a:r>
+            <a:r>
+              <a:rPr lang="en-US" altLang="zh-TW" b="1" kern="0" dirty="0">
+                <a:solidFill>
+                  <a:srgbClr val="000080"/>
+                </a:solidFill>
+                <a:latin typeface="Courier New" panose="02070309020205020404" pitchFamily="49" charset="0"/>
+                <a:cs typeface="Times New Roman" panose="02020603050405020304" pitchFamily="18" charset="0"/>
+              </a:rPr>
+              <a:t>=</a:t>
+            </a:r>
+            <a:r>
+              <a:rPr lang="en-US" altLang="zh-TW" kern="0" dirty="0">
+                <a:solidFill>
+                  <a:srgbClr val="000000"/>
+                </a:solidFill>
+                <a:latin typeface="Courier New" panose="02070309020205020404" pitchFamily="49" charset="0"/>
+                <a:cs typeface="Times New Roman" panose="02020603050405020304" pitchFamily="18" charset="0"/>
+              </a:rPr>
+              <a:t> self</a:t>
+            </a:r>
+            <a:r>
+              <a:rPr lang="en-US" altLang="zh-TW" b="1" kern="0" dirty="0">
+                <a:solidFill>
+                  <a:srgbClr val="000080"/>
+                </a:solidFill>
+                <a:latin typeface="Courier New" panose="02070309020205020404" pitchFamily="49" charset="0"/>
+                <a:cs typeface="Times New Roman" panose="02020603050405020304" pitchFamily="18" charset="0"/>
+              </a:rPr>
+              <a:t>.</a:t>
+            </a:r>
+            <a:r>
+              <a:rPr lang="en-US" altLang="zh-TW" kern="0" dirty="0">
+                <a:solidFill>
+                  <a:srgbClr val="000000"/>
+                </a:solidFill>
+                <a:latin typeface="Courier New" panose="02070309020205020404" pitchFamily="49" charset="0"/>
+                <a:cs typeface="Times New Roman" panose="02020603050405020304" pitchFamily="18" charset="0"/>
+              </a:rPr>
+              <a:t>f6_</a:t>
+            </a:r>
+            <a:r>
+              <a:rPr lang="zh-TW" altLang="zh-TW" kern="0" dirty="0">
+                <a:solidFill>
+                  <a:srgbClr val="000000"/>
+                </a:solidFill>
+                <a:latin typeface="Courier New" panose="02070309020205020404" pitchFamily="49" charset="0"/>
+                <a:cs typeface="Courier New" panose="02070309020205020404" pitchFamily="49" charset="0"/>
+              </a:rPr>
+              <a:t>語音辨認</a:t>
+            </a:r>
+            <a:r>
+              <a:rPr lang="en-US" altLang="zh-TW" b="1" kern="0" dirty="0">
+                <a:solidFill>
+                  <a:srgbClr val="000080"/>
+                </a:solidFill>
+                <a:latin typeface="Courier New" panose="02070309020205020404" pitchFamily="49" charset="0"/>
+                <a:cs typeface="Times New Roman" panose="02020603050405020304" pitchFamily="18" charset="0"/>
+              </a:rPr>
+              <a:t>)</a:t>
+            </a:r>
+            <a:r>
+              <a:rPr lang="en-US" altLang="zh-TW" kern="0" dirty="0">
+                <a:solidFill>
+                  <a:srgbClr val="000000"/>
+                </a:solidFill>
+                <a:latin typeface="Courier New" panose="02070309020205020404" pitchFamily="49" charset="0"/>
+                <a:cs typeface="Times New Roman" panose="02020603050405020304" pitchFamily="18" charset="0"/>
+              </a:rPr>
+              <a:t> </a:t>
+            </a:r>
+            <a:endParaRPr lang="zh-TW" altLang="zh-TW" kern="100" dirty="0">
+              <a:latin typeface="Calibri" panose="020F0502020204030204" pitchFamily="34" charset="0"/>
+              <a:cs typeface="Times New Roman" panose="02020603050405020304" pitchFamily="18" charset="0"/>
+            </a:endParaRPr>
+          </a:p>
+          <a:p>
+            <a:pPr>
+              <a:spcAft>
+                <a:spcPts val="0"/>
+              </a:spcAft>
+            </a:pPr>
+            <a:r>
+              <a:rPr lang="en-US" altLang="zh-TW" kern="0" dirty="0">
+                <a:latin typeface="新細明體" panose="02020500000000000000" pitchFamily="18" charset="-120"/>
+                <a:cs typeface="新細明體" panose="02020500000000000000" pitchFamily="18" charset="-120"/>
+              </a:rPr>
+              <a:t> </a:t>
+            </a:r>
+            <a:endParaRPr lang="zh-TW" altLang="zh-TW" kern="100" dirty="0">
+              <a:latin typeface="Calibri" panose="020F0502020204030204" pitchFamily="34" charset="0"/>
+              <a:cs typeface="Times New Roman" panose="02020603050405020304" pitchFamily="18" charset="0"/>
+            </a:endParaRPr>
+          </a:p>
+          <a:p>
+            <a:pPr>
+              <a:spcAft>
+                <a:spcPts val="0"/>
+              </a:spcAft>
+            </a:pPr>
+            <a:r>
+              <a:rPr lang="en-US" altLang="zh-TW" b="1" kern="0" dirty="0">
+                <a:solidFill>
+                  <a:srgbClr val="0000FF"/>
+                </a:solidFill>
+                <a:latin typeface="Courier New" panose="02070309020205020404" pitchFamily="49" charset="0"/>
+                <a:cs typeface="Times New Roman" panose="02020603050405020304" pitchFamily="18" charset="0"/>
+              </a:rPr>
+              <a:t> </a:t>
+            </a:r>
+            <a:endParaRPr lang="zh-TW" altLang="zh-TW" kern="100" dirty="0">
+              <a:latin typeface="Calibri" panose="020F0502020204030204" pitchFamily="34" charset="0"/>
+              <a:cs typeface="Times New Roman" panose="02020603050405020304" pitchFamily="18" charset="0"/>
+            </a:endParaRPr>
+          </a:p>
+          <a:p>
+            <a:pPr>
+              <a:spcAft>
+                <a:spcPts val="0"/>
+              </a:spcAft>
+            </a:pPr>
+            <a:r>
+              <a:rPr lang="en-US" altLang="zh-TW" kern="0" dirty="0">
+                <a:solidFill>
+                  <a:srgbClr val="000000"/>
+                </a:solidFill>
+                <a:latin typeface="Courier New" panose="02070309020205020404" pitchFamily="49" charset="0"/>
+                <a:cs typeface="Times New Roman" panose="02020603050405020304" pitchFamily="18" charset="0"/>
+              </a:rPr>
+              <a:t>    </a:t>
+            </a:r>
+            <a:r>
+              <a:rPr lang="en-US" altLang="zh-TW" b="1" kern="0" dirty="0" err="1">
+                <a:solidFill>
+                  <a:srgbClr val="0000FF"/>
+                </a:solidFill>
+                <a:latin typeface="Courier New" panose="02070309020205020404" pitchFamily="49" charset="0"/>
+                <a:cs typeface="Times New Roman" panose="02020603050405020304" pitchFamily="18" charset="0"/>
+              </a:rPr>
+              <a:t>def</a:t>
+            </a:r>
+            <a:r>
+              <a:rPr lang="en-US" altLang="zh-TW" kern="0" dirty="0">
+                <a:solidFill>
+                  <a:srgbClr val="000000"/>
+                </a:solidFill>
+                <a:latin typeface="Courier New" panose="02070309020205020404" pitchFamily="49" charset="0"/>
+                <a:cs typeface="Times New Roman" panose="02020603050405020304" pitchFamily="18" charset="0"/>
+              </a:rPr>
+              <a:t> </a:t>
+            </a:r>
+            <a:r>
+              <a:rPr lang="en-US" altLang="zh-TW" kern="0" dirty="0">
+                <a:solidFill>
+                  <a:srgbClr val="FF00FF"/>
+                </a:solidFill>
+                <a:latin typeface="Courier New" panose="02070309020205020404" pitchFamily="49" charset="0"/>
+                <a:cs typeface="Times New Roman" panose="02020603050405020304" pitchFamily="18" charset="0"/>
+              </a:rPr>
+              <a:t>start</a:t>
+            </a:r>
+            <a:r>
+              <a:rPr lang="en-US" altLang="zh-TW" b="1" kern="0" dirty="0">
+                <a:solidFill>
+                  <a:srgbClr val="000080"/>
+                </a:solidFill>
+                <a:latin typeface="Courier New" panose="02070309020205020404" pitchFamily="49" charset="0"/>
+                <a:cs typeface="Times New Roman" panose="02020603050405020304" pitchFamily="18" charset="0"/>
+              </a:rPr>
+              <a:t>(</a:t>
+            </a:r>
+            <a:r>
+              <a:rPr lang="en-US" altLang="zh-TW" kern="0" dirty="0">
+                <a:solidFill>
+                  <a:srgbClr val="000000"/>
+                </a:solidFill>
+                <a:latin typeface="Courier New" panose="02070309020205020404" pitchFamily="49" charset="0"/>
+                <a:cs typeface="Times New Roman" panose="02020603050405020304" pitchFamily="18" charset="0"/>
+              </a:rPr>
+              <a:t>self</a:t>
+            </a:r>
+            <a:r>
+              <a:rPr lang="en-US" altLang="zh-TW" b="1" kern="0" dirty="0">
+                <a:solidFill>
+                  <a:srgbClr val="000080"/>
+                </a:solidFill>
+                <a:latin typeface="Courier New" panose="02070309020205020404" pitchFamily="49" charset="0"/>
+                <a:cs typeface="Times New Roman" panose="02020603050405020304" pitchFamily="18" charset="0"/>
+              </a:rPr>
+              <a:t>):</a:t>
+            </a:r>
+            <a:endParaRPr lang="zh-TW" altLang="zh-TW" kern="100" dirty="0">
+              <a:latin typeface="Calibri" panose="020F0502020204030204" pitchFamily="34" charset="0"/>
+              <a:cs typeface="Times New Roman" panose="02020603050405020304" pitchFamily="18" charset="0"/>
+            </a:endParaRPr>
+          </a:p>
+          <a:p>
+            <a:pPr>
+              <a:spcAft>
+                <a:spcPts val="0"/>
+              </a:spcAft>
+            </a:pPr>
+            <a:r>
+              <a:rPr lang="en-US" altLang="zh-TW" kern="0" dirty="0">
+                <a:solidFill>
+                  <a:srgbClr val="000000"/>
+                </a:solidFill>
+                <a:latin typeface="Courier New" panose="02070309020205020404" pitchFamily="49" charset="0"/>
+                <a:cs typeface="Times New Roman" panose="02020603050405020304" pitchFamily="18" charset="0"/>
+              </a:rPr>
+              <a:t>              </a:t>
+            </a:r>
+            <a:endParaRPr lang="zh-TW" altLang="zh-TW" kern="100" dirty="0">
+              <a:latin typeface="Calibri" panose="020F0502020204030204" pitchFamily="34" charset="0"/>
+              <a:cs typeface="Times New Roman" panose="02020603050405020304" pitchFamily="18" charset="0"/>
+            </a:endParaRPr>
+          </a:p>
+          <a:p>
+            <a:pPr>
+              <a:spcAft>
+                <a:spcPts val="0"/>
+              </a:spcAft>
+            </a:pPr>
+            <a:r>
+              <a:rPr lang="en-US" altLang="zh-TW" kern="0" dirty="0">
+                <a:solidFill>
+                  <a:srgbClr val="000000"/>
+                </a:solidFill>
+                <a:latin typeface="Courier New" panose="02070309020205020404" pitchFamily="49" charset="0"/>
+                <a:cs typeface="Times New Roman" panose="02020603050405020304" pitchFamily="18" charset="0"/>
+              </a:rPr>
+              <a:t>        self</a:t>
+            </a:r>
+            <a:r>
+              <a:rPr lang="en-US" altLang="zh-TW" b="1" kern="0" dirty="0">
+                <a:solidFill>
+                  <a:srgbClr val="000080"/>
+                </a:solidFill>
+                <a:latin typeface="Courier New" panose="02070309020205020404" pitchFamily="49" charset="0"/>
+                <a:cs typeface="Times New Roman" panose="02020603050405020304" pitchFamily="18" charset="0"/>
+              </a:rPr>
+              <a:t>.</a:t>
+            </a:r>
+            <a:r>
+              <a:rPr lang="zh-TW" altLang="zh-TW" kern="0" dirty="0">
+                <a:solidFill>
+                  <a:srgbClr val="000000"/>
+                </a:solidFill>
+                <a:latin typeface="Courier New" panose="02070309020205020404" pitchFamily="49" charset="0"/>
+                <a:cs typeface="Courier New" panose="02070309020205020404" pitchFamily="49" charset="0"/>
+              </a:rPr>
+              <a:t>錄音線</a:t>
+            </a:r>
+            <a:r>
+              <a:rPr lang="en-US" altLang="zh-TW" b="1" kern="0" dirty="0">
+                <a:solidFill>
+                  <a:srgbClr val="000080"/>
+                </a:solidFill>
+                <a:latin typeface="Courier New" panose="02070309020205020404" pitchFamily="49" charset="0"/>
+                <a:cs typeface="Times New Roman" panose="02020603050405020304" pitchFamily="18" charset="0"/>
+              </a:rPr>
+              <a:t>.</a:t>
+            </a:r>
+            <a:r>
+              <a:rPr lang="en-US" altLang="zh-TW" kern="0" dirty="0">
+                <a:solidFill>
+                  <a:srgbClr val="000000"/>
+                </a:solidFill>
+                <a:latin typeface="Courier New" panose="02070309020205020404" pitchFamily="49" charset="0"/>
+                <a:cs typeface="Times New Roman" panose="02020603050405020304" pitchFamily="18" charset="0"/>
+              </a:rPr>
+              <a:t>start</a:t>
+            </a:r>
+            <a:r>
+              <a:rPr lang="en-US" altLang="zh-TW" b="1" kern="0" dirty="0">
+                <a:solidFill>
+                  <a:srgbClr val="000080"/>
+                </a:solidFill>
+                <a:latin typeface="Courier New" panose="02070309020205020404" pitchFamily="49" charset="0"/>
+                <a:cs typeface="Times New Roman" panose="02020603050405020304" pitchFamily="18" charset="0"/>
+              </a:rPr>
+              <a:t>()</a:t>
+            </a:r>
+            <a:endParaRPr lang="zh-TW" altLang="zh-TW" kern="100" dirty="0">
+              <a:latin typeface="Calibri" panose="020F0502020204030204" pitchFamily="34" charset="0"/>
+              <a:cs typeface="Times New Roman" panose="02020603050405020304" pitchFamily="18" charset="0"/>
+            </a:endParaRPr>
+          </a:p>
+          <a:p>
+            <a:pPr>
+              <a:spcAft>
+                <a:spcPts val="0"/>
+              </a:spcAft>
+            </a:pPr>
+            <a:r>
+              <a:rPr lang="en-US" altLang="zh-TW" kern="0" dirty="0">
+                <a:solidFill>
+                  <a:srgbClr val="000000"/>
+                </a:solidFill>
+                <a:latin typeface="Courier New" panose="02070309020205020404" pitchFamily="49" charset="0"/>
+                <a:cs typeface="Times New Roman" panose="02020603050405020304" pitchFamily="18" charset="0"/>
+              </a:rPr>
+              <a:t>        self</a:t>
+            </a:r>
+            <a:r>
+              <a:rPr lang="en-US" altLang="zh-TW" b="1" kern="0" dirty="0">
+                <a:solidFill>
+                  <a:srgbClr val="000080"/>
+                </a:solidFill>
+                <a:latin typeface="Courier New" panose="02070309020205020404" pitchFamily="49" charset="0"/>
+                <a:cs typeface="Times New Roman" panose="02020603050405020304" pitchFamily="18" charset="0"/>
+              </a:rPr>
+              <a:t>.</a:t>
+            </a:r>
+            <a:r>
+              <a:rPr lang="zh-TW" altLang="zh-TW" kern="0" dirty="0">
+                <a:solidFill>
+                  <a:srgbClr val="000000"/>
+                </a:solidFill>
+                <a:latin typeface="Courier New" panose="02070309020205020404" pitchFamily="49" charset="0"/>
+                <a:cs typeface="Courier New" panose="02070309020205020404" pitchFamily="49" charset="0"/>
+              </a:rPr>
+              <a:t>能量線</a:t>
+            </a:r>
+            <a:r>
+              <a:rPr lang="en-US" altLang="zh-TW" b="1" kern="0" dirty="0">
+                <a:solidFill>
+                  <a:srgbClr val="000080"/>
+                </a:solidFill>
+                <a:latin typeface="Courier New" panose="02070309020205020404" pitchFamily="49" charset="0"/>
+                <a:cs typeface="Times New Roman" panose="02020603050405020304" pitchFamily="18" charset="0"/>
+              </a:rPr>
+              <a:t>.</a:t>
+            </a:r>
+            <a:r>
+              <a:rPr lang="en-US" altLang="zh-TW" kern="0" dirty="0">
+                <a:solidFill>
+                  <a:srgbClr val="000000"/>
+                </a:solidFill>
+                <a:latin typeface="Courier New" panose="02070309020205020404" pitchFamily="49" charset="0"/>
+                <a:cs typeface="Times New Roman" panose="02020603050405020304" pitchFamily="18" charset="0"/>
+              </a:rPr>
+              <a:t>start</a:t>
+            </a:r>
+            <a:r>
+              <a:rPr lang="en-US" altLang="zh-TW" b="1" kern="0" dirty="0">
+                <a:solidFill>
+                  <a:srgbClr val="000080"/>
+                </a:solidFill>
+                <a:latin typeface="Courier New" panose="02070309020205020404" pitchFamily="49" charset="0"/>
+                <a:cs typeface="Times New Roman" panose="02020603050405020304" pitchFamily="18" charset="0"/>
+              </a:rPr>
+              <a:t>()</a:t>
+            </a:r>
+            <a:endParaRPr lang="zh-TW" altLang="zh-TW" kern="100" dirty="0">
+              <a:latin typeface="Calibri" panose="020F0502020204030204" pitchFamily="34" charset="0"/>
+              <a:cs typeface="Times New Roman" panose="02020603050405020304" pitchFamily="18" charset="0"/>
+            </a:endParaRPr>
+          </a:p>
+          <a:p>
+            <a:pPr>
+              <a:spcAft>
+                <a:spcPts val="0"/>
+              </a:spcAft>
+            </a:pPr>
+            <a:r>
+              <a:rPr lang="en-US" altLang="zh-TW" kern="0" dirty="0">
+                <a:solidFill>
+                  <a:srgbClr val="000000"/>
+                </a:solidFill>
+                <a:latin typeface="Courier New" panose="02070309020205020404" pitchFamily="49" charset="0"/>
+                <a:cs typeface="Times New Roman" panose="02020603050405020304" pitchFamily="18" charset="0"/>
+              </a:rPr>
+              <a:t>        self</a:t>
+            </a:r>
+            <a:r>
+              <a:rPr lang="en-US" altLang="zh-TW" b="1" kern="0" dirty="0">
+                <a:solidFill>
+                  <a:srgbClr val="000080"/>
+                </a:solidFill>
+                <a:latin typeface="Courier New" panose="02070309020205020404" pitchFamily="49" charset="0"/>
+                <a:cs typeface="Times New Roman" panose="02020603050405020304" pitchFamily="18" charset="0"/>
+              </a:rPr>
+              <a:t>.</a:t>
+            </a:r>
+            <a:r>
+              <a:rPr lang="zh-TW" altLang="zh-TW" kern="0" dirty="0">
+                <a:solidFill>
+                  <a:srgbClr val="000000"/>
+                </a:solidFill>
+                <a:latin typeface="Courier New" panose="02070309020205020404" pitchFamily="49" charset="0"/>
+                <a:cs typeface="Courier New" panose="02070309020205020404" pitchFamily="49" charset="0"/>
+              </a:rPr>
+              <a:t>基頻線</a:t>
+            </a:r>
+            <a:r>
+              <a:rPr lang="en-US" altLang="zh-TW" b="1" kern="0" dirty="0">
+                <a:solidFill>
+                  <a:srgbClr val="000080"/>
+                </a:solidFill>
+                <a:latin typeface="Courier New" panose="02070309020205020404" pitchFamily="49" charset="0"/>
+                <a:cs typeface="Times New Roman" panose="02020603050405020304" pitchFamily="18" charset="0"/>
+              </a:rPr>
+              <a:t>.</a:t>
+            </a:r>
+            <a:r>
+              <a:rPr lang="en-US" altLang="zh-TW" kern="0" dirty="0">
+                <a:solidFill>
+                  <a:srgbClr val="000000"/>
+                </a:solidFill>
+                <a:latin typeface="Courier New" panose="02070309020205020404" pitchFamily="49" charset="0"/>
+                <a:cs typeface="Times New Roman" panose="02020603050405020304" pitchFamily="18" charset="0"/>
+              </a:rPr>
+              <a:t>start</a:t>
+            </a:r>
+            <a:r>
+              <a:rPr lang="en-US" altLang="zh-TW" b="1" kern="0" dirty="0">
+                <a:solidFill>
+                  <a:srgbClr val="000080"/>
+                </a:solidFill>
+                <a:latin typeface="Courier New" panose="02070309020205020404" pitchFamily="49" charset="0"/>
+                <a:cs typeface="Times New Roman" panose="02020603050405020304" pitchFamily="18" charset="0"/>
+              </a:rPr>
+              <a:t>()</a:t>
+            </a:r>
+            <a:endParaRPr lang="zh-TW" altLang="zh-TW" kern="100" dirty="0">
+              <a:latin typeface="Calibri" panose="020F0502020204030204" pitchFamily="34" charset="0"/>
+              <a:cs typeface="Times New Roman" panose="02020603050405020304" pitchFamily="18" charset="0"/>
+            </a:endParaRPr>
+          </a:p>
+          <a:p>
+            <a:pPr>
+              <a:spcAft>
+                <a:spcPts val="0"/>
+              </a:spcAft>
+            </a:pPr>
+            <a:r>
+              <a:rPr lang="en-US" altLang="zh-TW" kern="0" dirty="0">
+                <a:solidFill>
+                  <a:srgbClr val="000000"/>
+                </a:solidFill>
+                <a:latin typeface="Courier New" panose="02070309020205020404" pitchFamily="49" charset="0"/>
+                <a:cs typeface="Times New Roman" panose="02020603050405020304" pitchFamily="18" charset="0"/>
+              </a:rPr>
+              <a:t>        self</a:t>
+            </a:r>
+            <a:r>
+              <a:rPr lang="en-US" altLang="zh-TW" b="1" kern="0" dirty="0">
+                <a:solidFill>
+                  <a:srgbClr val="000080"/>
+                </a:solidFill>
+                <a:latin typeface="Courier New" panose="02070309020205020404" pitchFamily="49" charset="0"/>
+                <a:cs typeface="Times New Roman" panose="02020603050405020304" pitchFamily="18" charset="0"/>
+              </a:rPr>
+              <a:t>.</a:t>
+            </a:r>
+            <a:r>
+              <a:rPr lang="zh-TW" altLang="zh-TW" kern="0" dirty="0">
+                <a:solidFill>
+                  <a:srgbClr val="000000"/>
+                </a:solidFill>
+                <a:latin typeface="Courier New" panose="02070309020205020404" pitchFamily="49" charset="0"/>
+                <a:cs typeface="Courier New" panose="02070309020205020404" pitchFamily="49" charset="0"/>
+              </a:rPr>
+              <a:t>語音辨認線</a:t>
+            </a:r>
+            <a:r>
+              <a:rPr lang="en-US" altLang="zh-TW" b="1" kern="0" dirty="0">
+                <a:solidFill>
+                  <a:srgbClr val="000080"/>
+                </a:solidFill>
+                <a:latin typeface="Courier New" panose="02070309020205020404" pitchFamily="49" charset="0"/>
+                <a:cs typeface="Times New Roman" panose="02020603050405020304" pitchFamily="18" charset="0"/>
+              </a:rPr>
+              <a:t>.</a:t>
+            </a:r>
+            <a:r>
+              <a:rPr lang="en-US" altLang="zh-TW" kern="0" dirty="0">
+                <a:solidFill>
+                  <a:srgbClr val="000000"/>
+                </a:solidFill>
+                <a:latin typeface="Courier New" panose="02070309020205020404" pitchFamily="49" charset="0"/>
+                <a:cs typeface="Times New Roman" panose="02020603050405020304" pitchFamily="18" charset="0"/>
+              </a:rPr>
+              <a:t>start</a:t>
+            </a:r>
+            <a:r>
+              <a:rPr lang="en-US" altLang="zh-TW" b="1" kern="0" dirty="0">
+                <a:solidFill>
+                  <a:srgbClr val="000080"/>
+                </a:solidFill>
+                <a:latin typeface="Courier New" panose="02070309020205020404" pitchFamily="49" charset="0"/>
+                <a:cs typeface="Times New Roman" panose="02020603050405020304" pitchFamily="18" charset="0"/>
+              </a:rPr>
+              <a:t>()</a:t>
+            </a:r>
+            <a:endParaRPr lang="zh-TW" altLang="en-US" dirty="0"/>
+          </a:p>
+        </p:txBody>
+      </p:sp>
+      <p:sp>
+        <p:nvSpPr>
+          <p:cNvPr id="5" name="標題 4"/>
+          <p:cNvSpPr>
+            <a:spLocks noGrp="1"/>
+          </p:cNvSpPr>
+          <p:nvPr>
+            <p:ph type="title" idx="4294967295"/>
+          </p:nvPr>
+        </p:nvSpPr>
+        <p:spPr>
+          <a:xfrm>
+            <a:off x="0" y="0"/>
+            <a:ext cx="7886700" cy="1325563"/>
+          </a:xfrm>
+        </p:spPr>
+        <p:txBody>
+          <a:bodyPr/>
+          <a:lstStyle/>
+          <a:p>
+            <a:r>
+              <a:rPr lang="en-US" altLang="zh-TW" dirty="0" smtClean="0"/>
+              <a:t>Using Threading</a:t>
+            </a:r>
+            <a:endParaRPr lang="zh-TW" altLang="en-US" dirty="0"/>
+          </a:p>
+        </p:txBody>
+      </p:sp>
+    </p:spTree>
+    <p:extLst>
+      <p:ext uri="{BB962C8B-B14F-4D97-AF65-F5344CB8AC3E}">
+        <p14:creationId xmlns:p14="http://schemas.microsoft.com/office/powerpoint/2010/main" val="581162928"/>
+      </p:ext>
+    </p:extLst>
+  </p:cSld>
+  <p:clrMapOvr>
+    <a:masterClrMapping/>
+  </p:clrMapOvr>
+</p:sld>
+</file>
+
+<file path=ppt/slides/slide7.xml><?xml version="1.0" encoding="utf-8"?>
+<p:sld xmlns:a="http://schemas.openxmlformats.org/drawingml/2006/main" xmlns:r="http://schemas.openxmlformats.org/officeDocument/2006/relationships" xmlns:p="http://schemas.openxmlformats.org/presentationml/2006/main">
+  <p:cSld>
+    <p:spTree>
+      <p:nvGrpSpPr>
+        <p:cNvPr id="1" name=""/>
+        <p:cNvGrpSpPr/>
+        <p:nvPr/>
+      </p:nvGrpSpPr>
+      <p:grpSpPr>
+        <a:xfrm>
+          <a:off x="0" y="0"/>
+          <a:ext cx="0" cy="0"/>
+          <a:chOff x="0" y="0"/>
+          <a:chExt cx="0" cy="0"/>
+        </a:xfrm>
+      </p:grpSpPr>
+      <p:sp>
+        <p:nvSpPr>
+          <p:cNvPr id="2" name="投影片編號版面配置區 1"/>
+          <p:cNvSpPr>
+            <a:spLocks noGrp="1"/>
+          </p:cNvSpPr>
+          <p:nvPr>
+            <p:ph type="sldNum" sz="quarter" idx="12"/>
+          </p:nvPr>
+        </p:nvSpPr>
+        <p:spPr/>
+        <p:txBody>
+          <a:bodyPr/>
+          <a:lstStyle/>
+          <a:p>
+            <a:fld id="{71A47924-2553-4480-8979-2F0EB2BE039C}" type="slidenum">
+              <a:rPr lang="zh-TW" altLang="en-US" smtClean="0"/>
+              <a:t>7</a:t>
+            </a:fld>
+            <a:endParaRPr lang="zh-TW" altLang="en-US"/>
+          </a:p>
+        </p:txBody>
+      </p:sp>
+      <p:sp>
+        <p:nvSpPr>
+          <p:cNvPr id="7" name="矩形 6"/>
+          <p:cNvSpPr/>
+          <p:nvPr/>
+        </p:nvSpPr>
+        <p:spPr>
+          <a:xfrm>
+            <a:off x="291645" y="2086631"/>
+            <a:ext cx="6992753" cy="1754326"/>
+          </a:xfrm>
+          <a:prstGeom prst="rect">
+            <a:avLst/>
+          </a:prstGeom>
+        </p:spPr>
+        <p:txBody>
+          <a:bodyPr wrap="square">
+            <a:spAutoFit/>
+          </a:bodyPr>
+          <a:lstStyle/>
+          <a:p>
+            <a:pPr>
+              <a:spcAft>
+                <a:spcPts val="0"/>
+              </a:spcAft>
+            </a:pPr>
+            <a:r>
+              <a:rPr lang="en-US" altLang="zh-TW" kern="0" dirty="0">
+                <a:solidFill>
+                  <a:srgbClr val="000000"/>
+                </a:solidFill>
+                <a:latin typeface="Courier New" panose="02070309020205020404" pitchFamily="49" charset="0"/>
+                <a:cs typeface="Times New Roman" panose="02020603050405020304" pitchFamily="18" charset="0"/>
+              </a:rPr>
+              <a:t> </a:t>
+            </a:r>
+            <a:r>
+              <a:rPr lang="en-US" altLang="zh-TW" b="1" kern="0" dirty="0" err="1">
+                <a:solidFill>
+                  <a:srgbClr val="0000FF"/>
+                </a:solidFill>
+                <a:latin typeface="Courier New" panose="02070309020205020404" pitchFamily="49" charset="0"/>
+                <a:cs typeface="Times New Roman" panose="02020603050405020304" pitchFamily="18" charset="0"/>
+              </a:rPr>
+              <a:t>def</a:t>
+            </a:r>
+            <a:r>
+              <a:rPr lang="en-US" altLang="zh-TW" kern="0" dirty="0">
+                <a:solidFill>
+                  <a:srgbClr val="000000"/>
+                </a:solidFill>
+                <a:latin typeface="Courier New" panose="02070309020205020404" pitchFamily="49" charset="0"/>
+                <a:cs typeface="Times New Roman" panose="02020603050405020304" pitchFamily="18" charset="0"/>
+              </a:rPr>
+              <a:t> </a:t>
+            </a:r>
+            <a:r>
+              <a:rPr lang="zh-TW" altLang="zh-TW" kern="0" dirty="0">
+                <a:solidFill>
+                  <a:srgbClr val="000000"/>
+                </a:solidFill>
+                <a:latin typeface="Courier New" panose="02070309020205020404" pitchFamily="49" charset="0"/>
+                <a:cs typeface="Courier New" panose="02070309020205020404" pitchFamily="49" charset="0"/>
+              </a:rPr>
+              <a:t>錄音線程</a:t>
+            </a:r>
+            <a:r>
+              <a:rPr lang="en-US" altLang="zh-TW" b="1" kern="0" dirty="0">
+                <a:solidFill>
+                  <a:srgbClr val="000080"/>
+                </a:solidFill>
+                <a:latin typeface="Courier New" panose="02070309020205020404" pitchFamily="49" charset="0"/>
+                <a:cs typeface="Times New Roman" panose="02020603050405020304" pitchFamily="18" charset="0"/>
+              </a:rPr>
+              <a:t>(</a:t>
+            </a:r>
+            <a:r>
+              <a:rPr lang="en-US" altLang="zh-TW" kern="0" dirty="0">
+                <a:solidFill>
+                  <a:srgbClr val="000000"/>
+                </a:solidFill>
+                <a:latin typeface="Courier New" panose="02070309020205020404" pitchFamily="49" charset="0"/>
+                <a:cs typeface="Times New Roman" panose="02020603050405020304" pitchFamily="18" charset="0"/>
+              </a:rPr>
+              <a:t>self</a:t>
+            </a:r>
+            <a:r>
+              <a:rPr lang="en-US" altLang="zh-TW" b="1" kern="0" dirty="0">
+                <a:solidFill>
+                  <a:srgbClr val="000080"/>
+                </a:solidFill>
+                <a:latin typeface="Courier New" panose="02070309020205020404" pitchFamily="49" charset="0"/>
+                <a:cs typeface="Times New Roman" panose="02020603050405020304" pitchFamily="18" charset="0"/>
+              </a:rPr>
+              <a:t>):</a:t>
+            </a:r>
+            <a:endParaRPr lang="zh-TW" altLang="zh-TW" sz="2800" kern="100" dirty="0">
+              <a:latin typeface="Calibri" panose="020F0502020204030204" pitchFamily="34" charset="0"/>
+              <a:cs typeface="Times New Roman" panose="02020603050405020304" pitchFamily="18" charset="0"/>
+            </a:endParaRPr>
+          </a:p>
+          <a:p>
+            <a:pPr>
+              <a:spcAft>
+                <a:spcPts val="0"/>
+              </a:spcAft>
+            </a:pPr>
+            <a:r>
+              <a:rPr lang="en-US" altLang="zh-TW" kern="0" dirty="0">
+                <a:solidFill>
+                  <a:srgbClr val="000000"/>
+                </a:solidFill>
+                <a:latin typeface="Courier New" panose="02070309020205020404" pitchFamily="49" charset="0"/>
+                <a:cs typeface="Times New Roman" panose="02020603050405020304" pitchFamily="18" charset="0"/>
+              </a:rPr>
+              <a:t>        </a:t>
+            </a:r>
+            <a:endParaRPr lang="zh-TW" altLang="zh-TW" sz="2800" kern="100" dirty="0">
+              <a:latin typeface="Calibri" panose="020F0502020204030204" pitchFamily="34" charset="0"/>
+              <a:cs typeface="Times New Roman" panose="02020603050405020304" pitchFamily="18" charset="0"/>
+            </a:endParaRPr>
+          </a:p>
+          <a:p>
+            <a:pPr>
+              <a:spcAft>
+                <a:spcPts val="0"/>
+              </a:spcAft>
+            </a:pPr>
+            <a:r>
+              <a:rPr lang="en-US" altLang="zh-TW" kern="0" dirty="0">
+                <a:solidFill>
+                  <a:srgbClr val="000000"/>
+                </a:solidFill>
+                <a:latin typeface="Courier New" panose="02070309020205020404" pitchFamily="49" charset="0"/>
+                <a:cs typeface="Times New Roman" panose="02020603050405020304" pitchFamily="18" charset="0"/>
+              </a:rPr>
+              <a:t>        </a:t>
+            </a:r>
+            <a:r>
+              <a:rPr lang="en-US" altLang="zh-TW" b="1" kern="0" dirty="0">
+                <a:solidFill>
+                  <a:srgbClr val="0000FF"/>
+                </a:solidFill>
+                <a:latin typeface="Courier New" panose="02070309020205020404" pitchFamily="49" charset="0"/>
+                <a:cs typeface="Times New Roman" panose="02020603050405020304" pitchFamily="18" charset="0"/>
+              </a:rPr>
+              <a:t>while</a:t>
+            </a:r>
+            <a:r>
+              <a:rPr lang="en-US" altLang="zh-TW" kern="0" dirty="0">
+                <a:solidFill>
+                  <a:srgbClr val="000000"/>
+                </a:solidFill>
+                <a:latin typeface="Courier New" panose="02070309020205020404" pitchFamily="49" charset="0"/>
+                <a:cs typeface="Times New Roman" panose="02020603050405020304" pitchFamily="18" charset="0"/>
+              </a:rPr>
+              <a:t> </a:t>
+            </a:r>
+            <a:r>
+              <a:rPr lang="en-US" altLang="zh-TW" b="1" kern="0" dirty="0">
+                <a:solidFill>
+                  <a:srgbClr val="000080"/>
+                </a:solidFill>
+                <a:latin typeface="Courier New" panose="02070309020205020404" pitchFamily="49" charset="0"/>
+                <a:cs typeface="Times New Roman" panose="02020603050405020304" pitchFamily="18" charset="0"/>
+              </a:rPr>
+              <a:t>(</a:t>
+            </a:r>
+            <a:r>
+              <a:rPr lang="en-US" altLang="zh-TW" kern="0" dirty="0">
+                <a:solidFill>
+                  <a:srgbClr val="000000"/>
+                </a:solidFill>
+                <a:latin typeface="Courier New" panose="02070309020205020404" pitchFamily="49" charset="0"/>
+                <a:cs typeface="Times New Roman" panose="02020603050405020304" pitchFamily="18" charset="0"/>
+              </a:rPr>
+              <a:t>self</a:t>
+            </a:r>
+            <a:r>
+              <a:rPr lang="en-US" altLang="zh-TW" b="1" kern="0" dirty="0">
+                <a:solidFill>
+                  <a:srgbClr val="000080"/>
+                </a:solidFill>
+                <a:latin typeface="Courier New" panose="02070309020205020404" pitchFamily="49" charset="0"/>
+                <a:cs typeface="Times New Roman" panose="02020603050405020304" pitchFamily="18" charset="0"/>
+              </a:rPr>
+              <a:t>.</a:t>
+            </a:r>
+            <a:r>
+              <a:rPr lang="zh-TW" altLang="zh-TW" kern="0" dirty="0">
+                <a:solidFill>
+                  <a:srgbClr val="000000"/>
+                </a:solidFill>
+                <a:latin typeface="Courier New" panose="02070309020205020404" pitchFamily="49" charset="0"/>
+                <a:cs typeface="Courier New" panose="02070309020205020404" pitchFamily="49" charset="0"/>
+              </a:rPr>
+              <a:t>錄音中</a:t>
+            </a:r>
+            <a:r>
+              <a:rPr lang="en-US" altLang="zh-TW" b="1" kern="0" dirty="0">
+                <a:solidFill>
+                  <a:srgbClr val="000080"/>
+                </a:solidFill>
+                <a:latin typeface="Courier New" panose="02070309020205020404" pitchFamily="49" charset="0"/>
+                <a:cs typeface="Times New Roman" panose="02020603050405020304" pitchFamily="18" charset="0"/>
+              </a:rPr>
+              <a:t>==</a:t>
+            </a:r>
+            <a:r>
+              <a:rPr lang="en-US" altLang="zh-TW" b="1" kern="0" dirty="0">
+                <a:solidFill>
+                  <a:srgbClr val="0000FF"/>
+                </a:solidFill>
+                <a:latin typeface="Courier New" panose="02070309020205020404" pitchFamily="49" charset="0"/>
+                <a:cs typeface="Times New Roman" panose="02020603050405020304" pitchFamily="18" charset="0"/>
+              </a:rPr>
+              <a:t>True</a:t>
+            </a:r>
+            <a:r>
+              <a:rPr lang="en-US" altLang="zh-TW" b="1" kern="0" dirty="0">
+                <a:solidFill>
+                  <a:srgbClr val="000080"/>
+                </a:solidFill>
+                <a:latin typeface="Courier New" panose="02070309020205020404" pitchFamily="49" charset="0"/>
+                <a:cs typeface="Times New Roman" panose="02020603050405020304" pitchFamily="18" charset="0"/>
+              </a:rPr>
+              <a:t>):</a:t>
+            </a:r>
+            <a:endParaRPr lang="zh-TW" altLang="zh-TW" sz="2800" kern="100" dirty="0">
+              <a:latin typeface="Calibri" panose="020F0502020204030204" pitchFamily="34" charset="0"/>
+              <a:cs typeface="Times New Roman" panose="02020603050405020304" pitchFamily="18" charset="0"/>
+            </a:endParaRPr>
+          </a:p>
+          <a:p>
+            <a:pPr>
+              <a:spcAft>
+                <a:spcPts val="0"/>
+              </a:spcAft>
+            </a:pPr>
+            <a:r>
+              <a:rPr lang="en-US" altLang="zh-TW" kern="0" dirty="0">
+                <a:solidFill>
+                  <a:srgbClr val="000000"/>
+                </a:solidFill>
+                <a:latin typeface="Courier New" panose="02070309020205020404" pitchFamily="49" charset="0"/>
+                <a:cs typeface="Times New Roman" panose="02020603050405020304" pitchFamily="18" charset="0"/>
+              </a:rPr>
+              <a:t>            </a:t>
+            </a:r>
+            <a:r>
+              <a:rPr lang="zh-TW" altLang="zh-TW" kern="0" dirty="0">
+                <a:solidFill>
+                  <a:srgbClr val="000000"/>
+                </a:solidFill>
+                <a:latin typeface="Courier New" panose="02070309020205020404" pitchFamily="49" charset="0"/>
+                <a:cs typeface="Courier New" panose="02070309020205020404" pitchFamily="49" charset="0"/>
+              </a:rPr>
+              <a:t>框</a:t>
+            </a:r>
+            <a:r>
+              <a:rPr lang="en-US" altLang="zh-TW" b="1" kern="0" dirty="0">
+                <a:solidFill>
+                  <a:srgbClr val="000080"/>
+                </a:solidFill>
+                <a:latin typeface="Courier New" panose="02070309020205020404" pitchFamily="49" charset="0"/>
+                <a:cs typeface="Times New Roman" panose="02020603050405020304" pitchFamily="18" charset="0"/>
+              </a:rPr>
+              <a:t>=</a:t>
+            </a:r>
+            <a:r>
+              <a:rPr lang="en-US" altLang="zh-TW" kern="0" dirty="0">
+                <a:solidFill>
+                  <a:srgbClr val="000000"/>
+                </a:solidFill>
+                <a:latin typeface="Courier New" panose="02070309020205020404" pitchFamily="49" charset="0"/>
+                <a:cs typeface="Times New Roman" panose="02020603050405020304" pitchFamily="18" charset="0"/>
+              </a:rPr>
+              <a:t> self</a:t>
+            </a:r>
+            <a:r>
+              <a:rPr lang="en-US" altLang="zh-TW" b="1" kern="0" dirty="0">
+                <a:solidFill>
+                  <a:srgbClr val="000080"/>
+                </a:solidFill>
+                <a:latin typeface="Courier New" panose="02070309020205020404" pitchFamily="49" charset="0"/>
+                <a:cs typeface="Times New Roman" panose="02020603050405020304" pitchFamily="18" charset="0"/>
+              </a:rPr>
+              <a:t>.</a:t>
+            </a:r>
+            <a:r>
+              <a:rPr lang="zh-TW" altLang="zh-TW" kern="0" dirty="0">
+                <a:solidFill>
+                  <a:srgbClr val="000000"/>
+                </a:solidFill>
+                <a:latin typeface="Courier New" panose="02070309020205020404" pitchFamily="49" charset="0"/>
+                <a:cs typeface="Courier New" panose="02070309020205020404" pitchFamily="49" charset="0"/>
+              </a:rPr>
+              <a:t>流</a:t>
+            </a:r>
+            <a:r>
+              <a:rPr lang="en-US" altLang="zh-TW" b="1" kern="0" dirty="0">
+                <a:solidFill>
+                  <a:srgbClr val="000080"/>
+                </a:solidFill>
+                <a:latin typeface="Courier New" panose="02070309020205020404" pitchFamily="49" charset="0"/>
+                <a:cs typeface="Times New Roman" panose="02020603050405020304" pitchFamily="18" charset="0"/>
+              </a:rPr>
+              <a:t>.</a:t>
+            </a:r>
+            <a:r>
+              <a:rPr lang="en-US" altLang="zh-TW" kern="0" dirty="0">
+                <a:solidFill>
+                  <a:srgbClr val="000000"/>
+                </a:solidFill>
+                <a:latin typeface="Courier New" panose="02070309020205020404" pitchFamily="49" charset="0"/>
+                <a:cs typeface="Times New Roman" panose="02020603050405020304" pitchFamily="18" charset="0"/>
+              </a:rPr>
+              <a:t>read</a:t>
+            </a:r>
+            <a:r>
+              <a:rPr lang="en-US" altLang="zh-TW" b="1" kern="0" dirty="0">
+                <a:solidFill>
+                  <a:srgbClr val="000080"/>
+                </a:solidFill>
+                <a:latin typeface="Courier New" panose="02070309020205020404" pitchFamily="49" charset="0"/>
+                <a:cs typeface="Times New Roman" panose="02020603050405020304" pitchFamily="18" charset="0"/>
+              </a:rPr>
+              <a:t>(</a:t>
+            </a:r>
+            <a:r>
+              <a:rPr lang="en-US" altLang="zh-TW" kern="0" dirty="0">
+                <a:solidFill>
+                  <a:srgbClr val="000000"/>
+                </a:solidFill>
+                <a:latin typeface="Courier New" panose="02070309020205020404" pitchFamily="49" charset="0"/>
+                <a:cs typeface="Times New Roman" panose="02020603050405020304" pitchFamily="18" charset="0"/>
+              </a:rPr>
+              <a:t>self</a:t>
+            </a:r>
+            <a:r>
+              <a:rPr lang="en-US" altLang="zh-TW" b="1" kern="0" dirty="0">
+                <a:solidFill>
+                  <a:srgbClr val="000080"/>
+                </a:solidFill>
+                <a:latin typeface="Courier New" panose="02070309020205020404" pitchFamily="49" charset="0"/>
+                <a:cs typeface="Times New Roman" panose="02020603050405020304" pitchFamily="18" charset="0"/>
+              </a:rPr>
+              <a:t>.</a:t>
+            </a:r>
+            <a:r>
+              <a:rPr lang="zh-TW" altLang="zh-TW" kern="0" dirty="0">
+                <a:solidFill>
+                  <a:srgbClr val="000000"/>
+                </a:solidFill>
+                <a:latin typeface="Courier New" panose="02070309020205020404" pitchFamily="49" charset="0"/>
+                <a:cs typeface="Courier New" panose="02070309020205020404" pitchFamily="49" charset="0"/>
+              </a:rPr>
+              <a:t>框長</a:t>
+            </a:r>
+            <a:r>
+              <a:rPr lang="en-US" altLang="zh-TW" b="1" kern="0" dirty="0">
+                <a:solidFill>
+                  <a:srgbClr val="000080"/>
+                </a:solidFill>
+                <a:latin typeface="Courier New" panose="02070309020205020404" pitchFamily="49" charset="0"/>
+                <a:cs typeface="Times New Roman" panose="02020603050405020304" pitchFamily="18" charset="0"/>
+              </a:rPr>
+              <a:t>)</a:t>
+            </a:r>
+            <a:endParaRPr lang="zh-TW" altLang="zh-TW" sz="2800" kern="100" dirty="0">
+              <a:latin typeface="Calibri" panose="020F0502020204030204" pitchFamily="34" charset="0"/>
+              <a:cs typeface="Times New Roman" panose="02020603050405020304" pitchFamily="18" charset="0"/>
+            </a:endParaRPr>
+          </a:p>
+          <a:p>
+            <a:pPr>
+              <a:spcAft>
+                <a:spcPts val="0"/>
+              </a:spcAft>
+            </a:pPr>
+            <a:r>
+              <a:rPr lang="en-US" altLang="zh-TW" kern="0" dirty="0">
+                <a:solidFill>
+                  <a:srgbClr val="000000"/>
+                </a:solidFill>
+                <a:latin typeface="Courier New" panose="02070309020205020404" pitchFamily="49" charset="0"/>
+                <a:cs typeface="Times New Roman" panose="02020603050405020304" pitchFamily="18" charset="0"/>
+              </a:rPr>
+              <a:t>            self</a:t>
+            </a:r>
+            <a:r>
+              <a:rPr lang="en-US" altLang="zh-TW" b="1" kern="0" dirty="0">
+                <a:solidFill>
+                  <a:srgbClr val="000080"/>
+                </a:solidFill>
+                <a:latin typeface="Courier New" panose="02070309020205020404" pitchFamily="49" charset="0"/>
+                <a:cs typeface="Times New Roman" panose="02020603050405020304" pitchFamily="18" charset="0"/>
+              </a:rPr>
+              <a:t>.</a:t>
+            </a:r>
+            <a:r>
+              <a:rPr lang="zh-TW" altLang="zh-TW" kern="0" dirty="0">
+                <a:solidFill>
+                  <a:srgbClr val="000000"/>
+                </a:solidFill>
+                <a:latin typeface="Courier New" panose="02070309020205020404" pitchFamily="49" charset="0"/>
+                <a:cs typeface="Courier New" panose="02070309020205020404" pitchFamily="49" charset="0"/>
+              </a:rPr>
+              <a:t>錄音框們</a:t>
+            </a:r>
+            <a:r>
+              <a:rPr lang="en-US" altLang="zh-TW" b="1" kern="0" dirty="0">
+                <a:solidFill>
+                  <a:srgbClr val="000080"/>
+                </a:solidFill>
+                <a:latin typeface="Courier New" panose="02070309020205020404" pitchFamily="49" charset="0"/>
+                <a:cs typeface="Times New Roman" panose="02020603050405020304" pitchFamily="18" charset="0"/>
+              </a:rPr>
+              <a:t>[</a:t>
+            </a:r>
+            <a:r>
+              <a:rPr lang="en-US" altLang="zh-TW" kern="0" dirty="0" err="1">
+                <a:solidFill>
+                  <a:srgbClr val="000000"/>
+                </a:solidFill>
+                <a:latin typeface="Courier New" panose="02070309020205020404" pitchFamily="49" charset="0"/>
+                <a:cs typeface="Times New Roman" panose="02020603050405020304" pitchFamily="18" charset="0"/>
+              </a:rPr>
+              <a:t>self</a:t>
+            </a:r>
+            <a:r>
+              <a:rPr lang="en-US" altLang="zh-TW" b="1" kern="0" dirty="0" err="1">
+                <a:solidFill>
+                  <a:srgbClr val="000080"/>
+                </a:solidFill>
+                <a:latin typeface="Courier New" panose="02070309020205020404" pitchFamily="49" charset="0"/>
+                <a:cs typeface="Times New Roman" panose="02020603050405020304" pitchFamily="18" charset="0"/>
+              </a:rPr>
+              <a:t>.</a:t>
+            </a:r>
+            <a:r>
+              <a:rPr lang="en-US" altLang="zh-TW" kern="0" dirty="0" err="1">
+                <a:solidFill>
+                  <a:srgbClr val="000000"/>
+                </a:solidFill>
+                <a:latin typeface="Courier New" panose="02070309020205020404" pitchFamily="49" charset="0"/>
+                <a:cs typeface="Times New Roman" panose="02020603050405020304" pitchFamily="18" charset="0"/>
+              </a:rPr>
+              <a:t>i</a:t>
+            </a:r>
+            <a:r>
+              <a:rPr lang="zh-TW" altLang="zh-TW" kern="0" dirty="0">
+                <a:solidFill>
+                  <a:srgbClr val="000000"/>
+                </a:solidFill>
+                <a:latin typeface="Courier New" panose="02070309020205020404" pitchFamily="49" charset="0"/>
+                <a:cs typeface="Courier New" panose="02070309020205020404" pitchFamily="49" charset="0"/>
+              </a:rPr>
+              <a:t>現框</a:t>
+            </a:r>
+            <a:r>
+              <a:rPr lang="en-US" altLang="zh-TW" b="1" kern="0" dirty="0">
+                <a:solidFill>
+                  <a:srgbClr val="000080"/>
+                </a:solidFill>
+                <a:latin typeface="Courier New" panose="02070309020205020404" pitchFamily="49" charset="0"/>
+                <a:cs typeface="Times New Roman" panose="02020603050405020304" pitchFamily="18" charset="0"/>
+              </a:rPr>
+              <a:t>%</a:t>
+            </a:r>
+            <a:r>
+              <a:rPr lang="en-US" altLang="zh-TW" kern="0" dirty="0">
+                <a:solidFill>
+                  <a:srgbClr val="000000"/>
+                </a:solidFill>
+                <a:latin typeface="Courier New" panose="02070309020205020404" pitchFamily="49" charset="0"/>
+                <a:cs typeface="Times New Roman" panose="02020603050405020304" pitchFamily="18" charset="0"/>
+              </a:rPr>
+              <a:t>self</a:t>
+            </a:r>
+            <a:r>
+              <a:rPr lang="en-US" altLang="zh-TW" b="1" kern="0" dirty="0">
+                <a:solidFill>
+                  <a:srgbClr val="000080"/>
+                </a:solidFill>
+                <a:latin typeface="Courier New" panose="02070309020205020404" pitchFamily="49" charset="0"/>
+                <a:cs typeface="Times New Roman" panose="02020603050405020304" pitchFamily="18" charset="0"/>
+              </a:rPr>
+              <a:t>.</a:t>
+            </a:r>
+            <a:r>
+              <a:rPr lang="zh-TW" altLang="zh-TW" kern="0" dirty="0">
+                <a:solidFill>
+                  <a:srgbClr val="000000"/>
+                </a:solidFill>
+                <a:latin typeface="Courier New" panose="02070309020205020404" pitchFamily="49" charset="0"/>
+                <a:cs typeface="Courier New" panose="02070309020205020404" pitchFamily="49" charset="0"/>
+              </a:rPr>
+              <a:t>框數</a:t>
+            </a:r>
+            <a:r>
+              <a:rPr lang="en-US" altLang="zh-TW" b="1" kern="0" dirty="0">
+                <a:solidFill>
+                  <a:srgbClr val="000080"/>
+                </a:solidFill>
+                <a:latin typeface="Courier New" panose="02070309020205020404" pitchFamily="49" charset="0"/>
+                <a:cs typeface="Times New Roman" panose="02020603050405020304" pitchFamily="18" charset="0"/>
+              </a:rPr>
+              <a:t>]=</a:t>
+            </a:r>
+            <a:r>
+              <a:rPr lang="en-US" altLang="zh-TW" kern="0" dirty="0">
+                <a:solidFill>
+                  <a:srgbClr val="000000"/>
+                </a:solidFill>
+                <a:latin typeface="Courier New" panose="02070309020205020404" pitchFamily="49" charset="0"/>
+                <a:cs typeface="Times New Roman" panose="02020603050405020304" pitchFamily="18" charset="0"/>
+              </a:rPr>
+              <a:t> </a:t>
+            </a:r>
+            <a:r>
+              <a:rPr lang="zh-TW" altLang="zh-TW" kern="0" dirty="0">
+                <a:solidFill>
+                  <a:srgbClr val="000000"/>
+                </a:solidFill>
+                <a:latin typeface="Courier New" panose="02070309020205020404" pitchFamily="49" charset="0"/>
+                <a:cs typeface="Courier New" panose="02070309020205020404" pitchFamily="49" charset="0"/>
+              </a:rPr>
+              <a:t>框</a:t>
+            </a:r>
+            <a:endParaRPr lang="zh-TW" altLang="zh-TW" sz="2800" kern="100" dirty="0">
+              <a:latin typeface="Calibri" panose="020F0502020204030204" pitchFamily="34" charset="0"/>
+              <a:cs typeface="Times New Roman" panose="02020603050405020304" pitchFamily="18" charset="0"/>
+            </a:endParaRPr>
+          </a:p>
+          <a:p>
+            <a:pPr>
+              <a:spcAft>
+                <a:spcPts val="0"/>
+              </a:spcAft>
+            </a:pPr>
+            <a:r>
+              <a:rPr lang="en-US" altLang="zh-TW" kern="0" dirty="0">
+                <a:solidFill>
+                  <a:srgbClr val="000000"/>
+                </a:solidFill>
+                <a:latin typeface="Courier New" panose="02070309020205020404" pitchFamily="49" charset="0"/>
+                <a:cs typeface="Times New Roman" panose="02020603050405020304" pitchFamily="18" charset="0"/>
+              </a:rPr>
+              <a:t>            </a:t>
+            </a:r>
+            <a:r>
+              <a:rPr lang="en-US" altLang="zh-TW" kern="0" dirty="0" err="1">
+                <a:solidFill>
+                  <a:srgbClr val="000000"/>
+                </a:solidFill>
+                <a:latin typeface="Courier New" panose="02070309020205020404" pitchFamily="49" charset="0"/>
+                <a:cs typeface="Times New Roman" panose="02020603050405020304" pitchFamily="18" charset="0"/>
+              </a:rPr>
+              <a:t>self</a:t>
+            </a:r>
+            <a:r>
+              <a:rPr lang="en-US" altLang="zh-TW" b="1" kern="0" dirty="0" err="1">
+                <a:solidFill>
+                  <a:srgbClr val="000080"/>
+                </a:solidFill>
+                <a:latin typeface="Courier New" panose="02070309020205020404" pitchFamily="49" charset="0"/>
+                <a:cs typeface="Times New Roman" panose="02020603050405020304" pitchFamily="18" charset="0"/>
+              </a:rPr>
+              <a:t>.</a:t>
+            </a:r>
+            <a:r>
+              <a:rPr lang="en-US" altLang="zh-TW" kern="0" dirty="0" err="1">
+                <a:solidFill>
+                  <a:srgbClr val="000000"/>
+                </a:solidFill>
+                <a:latin typeface="Courier New" panose="02070309020205020404" pitchFamily="49" charset="0"/>
+                <a:cs typeface="Times New Roman" panose="02020603050405020304" pitchFamily="18" charset="0"/>
+              </a:rPr>
+              <a:t>i</a:t>
+            </a:r>
+            <a:r>
+              <a:rPr lang="zh-TW" altLang="zh-TW" kern="0" dirty="0">
+                <a:solidFill>
+                  <a:srgbClr val="000000"/>
+                </a:solidFill>
+                <a:latin typeface="Courier New" panose="02070309020205020404" pitchFamily="49" charset="0"/>
+                <a:cs typeface="Courier New" panose="02070309020205020404" pitchFamily="49" charset="0"/>
+              </a:rPr>
+              <a:t>現框</a:t>
+            </a:r>
+            <a:r>
+              <a:rPr lang="zh-TW" altLang="zh-TW" kern="0" dirty="0">
+                <a:solidFill>
+                  <a:srgbClr val="000000"/>
+                </a:solidFill>
+                <a:latin typeface="Calibri" panose="020F0502020204030204" pitchFamily="34" charset="0"/>
+                <a:ea typeface="Courier New" panose="02070309020205020404" pitchFamily="49" charset="0"/>
+                <a:cs typeface="Times New Roman" panose="02020603050405020304" pitchFamily="18" charset="0"/>
+              </a:rPr>
+              <a:t> </a:t>
+            </a:r>
+            <a:r>
+              <a:rPr lang="en-US" altLang="zh-TW" b="1" kern="0" dirty="0">
+                <a:solidFill>
+                  <a:srgbClr val="000080"/>
+                </a:solidFill>
+                <a:latin typeface="Courier New" panose="02070309020205020404" pitchFamily="49" charset="0"/>
+                <a:cs typeface="Times New Roman" panose="02020603050405020304" pitchFamily="18" charset="0"/>
+              </a:rPr>
+              <a:t>+=</a:t>
+            </a:r>
+            <a:r>
+              <a:rPr lang="en-US" altLang="zh-TW" kern="0" dirty="0">
+                <a:solidFill>
+                  <a:srgbClr val="000000"/>
+                </a:solidFill>
+                <a:latin typeface="Courier New" panose="02070309020205020404" pitchFamily="49" charset="0"/>
+                <a:cs typeface="Times New Roman" panose="02020603050405020304" pitchFamily="18" charset="0"/>
+              </a:rPr>
+              <a:t> </a:t>
+            </a:r>
+            <a:r>
+              <a:rPr lang="en-US" altLang="zh-TW" kern="0" dirty="0">
+                <a:solidFill>
+                  <a:srgbClr val="FF0000"/>
+                </a:solidFill>
+                <a:latin typeface="Courier New" panose="02070309020205020404" pitchFamily="49" charset="0"/>
+                <a:cs typeface="Times New Roman" panose="02020603050405020304" pitchFamily="18" charset="0"/>
+              </a:rPr>
+              <a:t>1</a:t>
+            </a:r>
+            <a:endParaRPr lang="zh-TW" altLang="en-US" dirty="0"/>
+          </a:p>
+        </p:txBody>
+      </p:sp>
+      <p:sp>
+        <p:nvSpPr>
+          <p:cNvPr id="9" name="標題 8"/>
+          <p:cNvSpPr>
+            <a:spLocks noGrp="1"/>
+          </p:cNvSpPr>
+          <p:nvPr>
+            <p:ph type="title" idx="4294967295"/>
+          </p:nvPr>
+        </p:nvSpPr>
+        <p:spPr>
+          <a:xfrm>
+            <a:off x="0" y="0"/>
+            <a:ext cx="7886700" cy="1325563"/>
+          </a:xfrm>
+        </p:spPr>
+        <p:txBody>
+          <a:bodyPr/>
+          <a:lstStyle/>
+          <a:p>
+            <a:r>
+              <a:rPr lang="en-US" altLang="zh-TW" dirty="0" smtClean="0"/>
+              <a:t>The Recording Thread</a:t>
+            </a:r>
+            <a:endParaRPr lang="zh-TW" altLang="en-US" dirty="0"/>
+          </a:p>
+        </p:txBody>
+      </p:sp>
+      <p:pic>
+        <p:nvPicPr>
+          <p:cNvPr id="10" name="圖片 9"/>
+          <p:cNvPicPr>
+            <a:picLocks noChangeAspect="1"/>
+          </p:cNvPicPr>
+          <p:nvPr/>
+        </p:nvPicPr>
+        <p:blipFill>
+          <a:blip r:embed="rId2"/>
+          <a:stretch>
+            <a:fillRect/>
+          </a:stretch>
+        </p:blipFill>
+        <p:spPr>
+          <a:xfrm>
+            <a:off x="1064573" y="4797261"/>
+            <a:ext cx="6219825" cy="1000125"/>
+          </a:xfrm>
+          <a:prstGeom prst="rect">
+            <a:avLst/>
+          </a:prstGeom>
+        </p:spPr>
+      </p:pic>
+    </p:spTree>
+    <p:extLst>
+      <p:ext uri="{BB962C8B-B14F-4D97-AF65-F5344CB8AC3E}">
+        <p14:creationId xmlns:p14="http://schemas.microsoft.com/office/powerpoint/2010/main" val="3877684991"/>
+      </p:ext>
+    </p:extLst>
+  </p:cSld>
+  <p:clrMapOvr>
+    <a:masterClrMapping/>
+  </p:clrMapOvr>
+</p:sld>
+</file>
+
+<file path=ppt/slides/slide8.xml><?xml version="1.0" encoding="utf-8"?>
+<p:sld xmlns:a="http://schemas.openxmlformats.org/drawingml/2006/main" xmlns:r="http://schemas.openxmlformats.org/officeDocument/2006/relationships" xmlns:p="http://schemas.openxmlformats.org/presentationml/2006/main">
+  <p:cSld>
+    <p:spTree>
+      <p:nvGrpSpPr>
+        <p:cNvPr id="1" name=""/>
+        <p:cNvGrpSpPr/>
+        <p:nvPr/>
+      </p:nvGrpSpPr>
+      <p:grpSpPr>
+        <a:xfrm>
+          <a:off x="0" y="0"/>
+          <a:ext cx="0" cy="0"/>
+          <a:chOff x="0" y="0"/>
+          <a:chExt cx="0" cy="0"/>
+        </a:xfrm>
+      </p:grpSpPr>
+      <p:sp>
+        <p:nvSpPr>
+          <p:cNvPr id="2" name="投影片編號版面配置區 1"/>
+          <p:cNvSpPr>
+            <a:spLocks noGrp="1"/>
+          </p:cNvSpPr>
+          <p:nvPr>
+            <p:ph type="sldNum" sz="quarter" idx="12"/>
+          </p:nvPr>
+        </p:nvSpPr>
+        <p:spPr/>
+        <p:txBody>
+          <a:bodyPr/>
+          <a:lstStyle/>
+          <a:p>
+            <a:fld id="{71A47924-2553-4480-8979-2F0EB2BE039C}" type="slidenum">
+              <a:rPr lang="zh-TW" altLang="en-US" smtClean="0"/>
+              <a:t>8</a:t>
             </a:fld>
             <a:endParaRPr lang="zh-TW" altLang="en-US"/>
           </a:p>
@@ -7594,10 +11532,392 @@
           </p:style>
         </p:cxnSp>
       </p:grpSp>
+      <p:sp>
+        <p:nvSpPr>
+          <p:cNvPr id="16" name="標題 15"/>
+          <p:cNvSpPr>
+            <a:spLocks noGrp="1"/>
+          </p:cNvSpPr>
+          <p:nvPr>
+            <p:ph type="title" idx="4294967295"/>
+          </p:nvPr>
+        </p:nvSpPr>
+        <p:spPr>
+          <a:xfrm>
+            <a:off x="4706112" y="-7808"/>
+            <a:ext cx="4437888" cy="867485"/>
+          </a:xfrm>
+        </p:spPr>
+        <p:txBody>
+          <a:bodyPr/>
+          <a:lstStyle/>
+          <a:p>
+            <a:r>
+              <a:rPr lang="zh-TW" altLang="en-US" dirty="0" smtClean="0"/>
+              <a:t>T</a:t>
+            </a:r>
+            <a:r>
+              <a:rPr lang="en-US" altLang="zh-TW" dirty="0" smtClean="0"/>
+              <a:t>he ASR Thread</a:t>
+            </a:r>
+            <a:endParaRPr lang="zh-TW" altLang="en-US" dirty="0"/>
+          </a:p>
+        </p:txBody>
+      </p:sp>
     </p:spTree>
     <p:extLst>
       <p:ext uri="{BB962C8B-B14F-4D97-AF65-F5344CB8AC3E}">
         <p14:creationId xmlns:p14="http://schemas.microsoft.com/office/powerpoint/2010/main" val="2795276078"/>
+      </p:ext>
+    </p:extLst>
+  </p:cSld>
+  <p:clrMapOvr>
+    <a:masterClrMapping/>
+  </p:clrMapOvr>
+</p:sld>
+</file>
+
+<file path=ppt/slides/slide9.xml><?xml version="1.0" encoding="utf-8"?>
+<p:sld xmlns:a="http://schemas.openxmlformats.org/drawingml/2006/main" xmlns:r="http://schemas.openxmlformats.org/officeDocument/2006/relationships" xmlns:p="http://schemas.openxmlformats.org/presentationml/2006/main">
+  <p:cSld>
+    <p:spTree>
+      <p:nvGrpSpPr>
+        <p:cNvPr id="1" name=""/>
+        <p:cNvGrpSpPr/>
+        <p:nvPr/>
+      </p:nvGrpSpPr>
+      <p:grpSpPr>
+        <a:xfrm>
+          <a:off x="0" y="0"/>
+          <a:ext cx="0" cy="0"/>
+          <a:chOff x="0" y="0"/>
+          <a:chExt cx="0" cy="0"/>
+        </a:xfrm>
+      </p:grpSpPr>
+      <p:sp>
+        <p:nvSpPr>
+          <p:cNvPr id="2" name="投影片編號版面配置區 1"/>
+          <p:cNvSpPr>
+            <a:spLocks noGrp="1"/>
+          </p:cNvSpPr>
+          <p:nvPr>
+            <p:ph type="sldNum" sz="quarter" idx="12"/>
+          </p:nvPr>
+        </p:nvSpPr>
+        <p:spPr/>
+        <p:txBody>
+          <a:bodyPr/>
+          <a:lstStyle/>
+          <a:p>
+            <a:fld id="{71A47924-2553-4480-8979-2F0EB2BE039C}" type="slidenum">
+              <a:rPr lang="zh-TW" altLang="en-US" smtClean="0"/>
+              <a:t>9</a:t>
+            </a:fld>
+            <a:endParaRPr lang="zh-TW" altLang="en-US"/>
+          </a:p>
+        </p:txBody>
+      </p:sp>
+      <p:sp>
+        <p:nvSpPr>
+          <p:cNvPr id="3" name="矩形 2"/>
+          <p:cNvSpPr/>
+          <p:nvPr/>
+        </p:nvSpPr>
+        <p:spPr>
+          <a:xfrm>
+            <a:off x="4699590" y="906602"/>
+            <a:ext cx="4207373" cy="5632311"/>
+          </a:xfrm>
+          <a:prstGeom prst="rect">
+            <a:avLst/>
+          </a:prstGeom>
+        </p:spPr>
+        <p:txBody>
+          <a:bodyPr wrap="square">
+            <a:spAutoFit/>
+          </a:bodyPr>
+          <a:lstStyle/>
+          <a:p>
+            <a:r>
+              <a:rPr lang="ja-JP" altLang="en-US" dirty="0"/>
+              <a:t>きらきら</a:t>
+            </a:r>
+            <a:r>
+              <a:rPr lang="zh-TW" altLang="en-US" dirty="0"/>
+              <a:t>光</a:t>
+            </a:r>
+            <a:r>
+              <a:rPr lang="ja-JP" altLang="en-US" dirty="0"/>
+              <a:t>る　　お</a:t>
+            </a:r>
+            <a:r>
+              <a:rPr lang="zh-TW" altLang="en-US" dirty="0"/>
+              <a:t>空</a:t>
+            </a:r>
+            <a:r>
+              <a:rPr lang="ja-JP" altLang="en-US" dirty="0"/>
+              <a:t>の</a:t>
+            </a:r>
+            <a:r>
+              <a:rPr lang="zh-TW" altLang="en-US" dirty="0"/>
+              <a:t>星</a:t>
+            </a:r>
+            <a:r>
+              <a:rPr lang="ja-JP" altLang="en-US" dirty="0"/>
+              <a:t>よ</a:t>
+            </a:r>
+          </a:p>
+          <a:p>
+            <a:r>
+              <a:rPr lang="zh-TW" altLang="en-US" dirty="0"/>
+              <a:t>瞬</a:t>
+            </a:r>
+            <a:r>
+              <a:rPr lang="ja-JP" altLang="en-US" dirty="0"/>
+              <a:t>きしては　　　</a:t>
+            </a:r>
+            <a:r>
+              <a:rPr lang="zh-TW" altLang="en-US" dirty="0"/>
+              <a:t>皆</a:t>
+            </a:r>
+            <a:r>
+              <a:rPr lang="ja-JP" altLang="en-US" dirty="0"/>
+              <a:t>を</a:t>
+            </a:r>
+            <a:r>
+              <a:rPr lang="zh-TW" altLang="en-US" dirty="0"/>
+              <a:t>見</a:t>
+            </a:r>
+            <a:r>
+              <a:rPr lang="ja-JP" altLang="en-US" dirty="0"/>
+              <a:t>てる</a:t>
+            </a:r>
+          </a:p>
+          <a:p>
+            <a:r>
+              <a:rPr lang="ja-JP" altLang="en-US" dirty="0"/>
+              <a:t>きらきら</a:t>
+            </a:r>
+            <a:r>
+              <a:rPr lang="zh-TW" altLang="en-US" dirty="0"/>
+              <a:t>光</a:t>
+            </a:r>
+            <a:r>
+              <a:rPr lang="ja-JP" altLang="en-US" dirty="0"/>
+              <a:t>る　　お</a:t>
+            </a:r>
+            <a:r>
+              <a:rPr lang="zh-TW" altLang="en-US" dirty="0"/>
+              <a:t>空</a:t>
+            </a:r>
+            <a:r>
+              <a:rPr lang="ja-JP" altLang="en-US" dirty="0"/>
+              <a:t>の</a:t>
+            </a:r>
+            <a:r>
+              <a:rPr lang="zh-TW" altLang="en-US" dirty="0"/>
+              <a:t>星</a:t>
+            </a:r>
+            <a:r>
+              <a:rPr lang="ja-JP" altLang="en-US" dirty="0"/>
+              <a:t>よ</a:t>
+            </a:r>
+          </a:p>
+          <a:p>
+            <a:endParaRPr lang="ja-JP" altLang="en-US" dirty="0"/>
+          </a:p>
+          <a:p>
+            <a:r>
+              <a:rPr lang="ja-JP" altLang="en-US" dirty="0"/>
+              <a:t>きらきらひかる　おそらのほしよ</a:t>
+            </a:r>
+          </a:p>
+          <a:p>
+            <a:r>
+              <a:rPr lang="ja-JP" altLang="en-US" dirty="0"/>
+              <a:t>まばたきしては　みんなをみてる</a:t>
+            </a:r>
+          </a:p>
+          <a:p>
+            <a:r>
+              <a:rPr lang="ja-JP" altLang="en-US" dirty="0"/>
+              <a:t>きらきらひかる　おそらのほしよ</a:t>
+            </a:r>
+          </a:p>
+          <a:p>
+            <a:r>
+              <a:rPr lang="ja-JP" altLang="en-US" dirty="0"/>
+              <a:t>　</a:t>
+            </a:r>
+          </a:p>
+          <a:p>
+            <a:r>
+              <a:rPr lang="zh-TW" altLang="en-US" dirty="0"/>
+              <a:t>一閃一閃亮晶晶，滿天都是小星星</a:t>
+            </a:r>
+          </a:p>
+          <a:p>
+            <a:r>
+              <a:rPr lang="zh-TW" altLang="en-US" dirty="0"/>
+              <a:t>掛在天上放光明，好像許多小眼睛</a:t>
+            </a:r>
+          </a:p>
+          <a:p>
+            <a:r>
+              <a:rPr lang="zh-TW" altLang="en-US" dirty="0"/>
+              <a:t>一閃一閃亮晶晶，滿天都是小星星</a:t>
+            </a:r>
+          </a:p>
+          <a:p>
+            <a:endParaRPr lang="zh-TW" altLang="en-US" dirty="0"/>
+          </a:p>
+          <a:p>
+            <a:r>
+              <a:rPr lang="en-US" altLang="zh-TW" dirty="0"/>
+              <a:t>Twinkle, twinkle, little star, </a:t>
+            </a:r>
+          </a:p>
+          <a:p>
+            <a:r>
+              <a:rPr lang="en-US" altLang="zh-TW" dirty="0"/>
+              <a:t>How I wonder what you are. </a:t>
+            </a:r>
+          </a:p>
+          <a:p>
+            <a:r>
+              <a:rPr lang="en-US" altLang="zh-TW" dirty="0"/>
+              <a:t> </a:t>
+            </a:r>
+          </a:p>
+          <a:p>
+            <a:r>
+              <a:rPr lang="en-US" altLang="zh-TW" dirty="0"/>
+              <a:t>Up above the world so high, </a:t>
+            </a:r>
+          </a:p>
+          <a:p>
+            <a:r>
+              <a:rPr lang="en-US" altLang="zh-TW" dirty="0"/>
+              <a:t>Like a diamond in the sky. </a:t>
+            </a:r>
+          </a:p>
+          <a:p>
+            <a:r>
+              <a:rPr lang="en-US" altLang="zh-TW" dirty="0"/>
+              <a:t> </a:t>
+            </a:r>
+          </a:p>
+          <a:p>
+            <a:r>
+              <a:rPr lang="en-US" altLang="zh-TW" dirty="0"/>
+              <a:t>Twinkle, twinkle, little star, </a:t>
+            </a:r>
+          </a:p>
+          <a:p>
+            <a:r>
+              <a:rPr lang="en-US" altLang="zh-TW" dirty="0"/>
+              <a:t>How I wonder what you are! </a:t>
+            </a:r>
+            <a:endParaRPr lang="zh-TW" altLang="en-US" dirty="0"/>
+          </a:p>
+        </p:txBody>
+      </p:sp>
+      <p:sp>
+        <p:nvSpPr>
+          <p:cNvPr id="4" name="標題 3"/>
+          <p:cNvSpPr>
+            <a:spLocks noGrp="1"/>
+          </p:cNvSpPr>
+          <p:nvPr>
+            <p:ph type="title" idx="4294967295"/>
+          </p:nvPr>
+        </p:nvSpPr>
+        <p:spPr/>
+        <p:txBody>
+          <a:bodyPr/>
+          <a:lstStyle/>
+          <a:p>
+            <a:r>
+              <a:rPr lang="en-US" altLang="zh-TW" dirty="0" smtClean="0"/>
+              <a:t>A</a:t>
+            </a:r>
+            <a:r>
+              <a:rPr lang="zh-TW" altLang="en-US" dirty="0" smtClean="0"/>
+              <a:t> </a:t>
+            </a:r>
+            <a:r>
+              <a:rPr lang="en-US" altLang="zh-TW" dirty="0" smtClean="0"/>
+              <a:t>Test</a:t>
+            </a:r>
+            <a:endParaRPr lang="zh-TW" altLang="en-US" dirty="0"/>
+          </a:p>
+        </p:txBody>
+      </p:sp>
+      <p:sp>
+        <p:nvSpPr>
+          <p:cNvPr id="5" name="矩形 4"/>
+          <p:cNvSpPr/>
+          <p:nvPr/>
+        </p:nvSpPr>
+        <p:spPr>
+          <a:xfrm>
+            <a:off x="415999" y="2319301"/>
+            <a:ext cx="3214213" cy="369332"/>
+          </a:xfrm>
+          <a:prstGeom prst="rect">
+            <a:avLst/>
+          </a:prstGeom>
+        </p:spPr>
+        <p:txBody>
+          <a:bodyPr wrap="none">
+            <a:spAutoFit/>
+          </a:bodyPr>
+          <a:lstStyle/>
+          <a:p>
+            <a:r>
+              <a:rPr lang="en-US" altLang="zh-TW" dirty="0">
+                <a:hlinkClick r:id="rId3"/>
+              </a:rPr>
+              <a:t>https://</a:t>
+            </a:r>
+            <a:r>
+              <a:rPr lang="en-US" altLang="zh-TW" dirty="0" smtClean="0">
+                <a:hlinkClick r:id="rId3"/>
+              </a:rPr>
+              <a:t>youtu.be/DmwsR7rVonE</a:t>
+            </a:r>
+            <a:endParaRPr lang="en-US" altLang="zh-TW" dirty="0" smtClean="0"/>
+          </a:p>
+        </p:txBody>
+      </p:sp>
+      <p:pic>
+        <p:nvPicPr>
+          <p:cNvPr id="6" name="圖片 5"/>
+          <p:cNvPicPr>
+            <a:picLocks noChangeAspect="1"/>
+          </p:cNvPicPr>
+          <p:nvPr/>
+        </p:nvPicPr>
+        <p:blipFill>
+          <a:blip r:embed="rId4"/>
+          <a:stretch>
+            <a:fillRect/>
+          </a:stretch>
+        </p:blipFill>
+        <p:spPr>
+          <a:xfrm>
+            <a:off x="33820" y="3429000"/>
+            <a:ext cx="4131081" cy="2857219"/>
+          </a:xfrm>
+          <a:prstGeom prst="rect">
+            <a:avLst/>
+          </a:prstGeom>
+        </p:spPr>
+      </p:pic>
+    </p:spTree>
+    <p:extLst>
+      <p:ext uri="{BB962C8B-B14F-4D97-AF65-F5344CB8AC3E}">
+        <p14:creationId xmlns:p14="http://schemas.microsoft.com/office/powerpoint/2010/main" val="2006790857"/>
       </p:ext>
     </p:extLst>
   </p:cSld>
